--- a/文档管理/其他文档/智能视屏摘要系统演示.pptx
+++ b/文档管理/其他文档/智能视屏摘要系统演示.pptx
@@ -121,6 +121,753 @@
 </file>
 
 <file path=ppt/diagrams/colors1.xml><?xml version="1.0" encoding="utf-8"?>
+<dgm:colorsDef xmlns:dgm="http://schemas.openxmlformats.org/drawingml/2006/diagram" xmlns:a="http://schemas.openxmlformats.org/drawingml/2006/main" uniqueId="urn:microsoft.com/office/officeart/2005/8/colors/accent1_2">
+  <dgm:title val=""/>
+  <dgm:desc val=""/>
+  <dgm:catLst>
+    <dgm:cat type="accent1" pri="11200"/>
+  </dgm:catLst>
+  <dgm:styleLbl name="node0">
+    <dgm:fillClrLst meth="repeat">
+      <a:schemeClr val="accent1"/>
+    </dgm:fillClrLst>
+    <dgm:linClrLst meth="repeat">
+      <a:schemeClr val="lt1"/>
+    </dgm:linClrLst>
+    <dgm:effectClrLst/>
+    <dgm:txLinClrLst/>
+    <dgm:txFillClrLst/>
+    <dgm:txEffectClrLst/>
+  </dgm:styleLbl>
+  <dgm:styleLbl name="alignNode1">
+    <dgm:fillClrLst meth="repeat">
+      <a:schemeClr val="accent1"/>
+    </dgm:fillClrLst>
+    <dgm:linClrLst meth="repeat">
+      <a:schemeClr val="accent1"/>
+    </dgm:linClrLst>
+    <dgm:effectClrLst/>
+    <dgm:txLinClrLst/>
+    <dgm:txFillClrLst/>
+    <dgm:txEffectClrLst/>
+  </dgm:styleLbl>
+  <dgm:styleLbl name="node1">
+    <dgm:fillClrLst meth="repeat">
+      <a:schemeClr val="accent1"/>
+    </dgm:fillClrLst>
+    <dgm:linClrLst meth="repeat">
+      <a:schemeClr val="lt1"/>
+    </dgm:linClrLst>
+    <dgm:effectClrLst/>
+    <dgm:txLinClrLst/>
+    <dgm:txFillClrLst/>
+    <dgm:txEffectClrLst/>
+  </dgm:styleLbl>
+  <dgm:styleLbl name="lnNode1">
+    <dgm:fillClrLst meth="repeat">
+      <a:schemeClr val="accent1"/>
+    </dgm:fillClrLst>
+    <dgm:linClrLst meth="repeat">
+      <a:schemeClr val="lt1"/>
+    </dgm:linClrLst>
+    <dgm:effectClrLst/>
+    <dgm:txLinClrLst/>
+    <dgm:txFillClrLst/>
+    <dgm:txEffectClrLst/>
+  </dgm:styleLbl>
+  <dgm:styleLbl name="vennNode1">
+    <dgm:fillClrLst meth="repeat">
+      <a:schemeClr val="accent1">
+        <a:alpha val="50000"/>
+      </a:schemeClr>
+    </dgm:fillClrLst>
+    <dgm:linClrLst meth="repeat">
+      <a:schemeClr val="lt1"/>
+    </dgm:linClrLst>
+    <dgm:effectClrLst/>
+    <dgm:txLinClrLst/>
+    <dgm:txFillClrLst/>
+    <dgm:txEffectClrLst/>
+  </dgm:styleLbl>
+  <dgm:styleLbl name="node2">
+    <dgm:fillClrLst meth="repeat">
+      <a:schemeClr val="accent1"/>
+    </dgm:fillClrLst>
+    <dgm:linClrLst meth="repeat">
+      <a:schemeClr val="lt1"/>
+    </dgm:linClrLst>
+    <dgm:effectClrLst/>
+    <dgm:txLinClrLst/>
+    <dgm:txFillClrLst/>
+    <dgm:txEffectClrLst/>
+  </dgm:styleLbl>
+  <dgm:styleLbl name="node3">
+    <dgm:fillClrLst meth="repeat">
+      <a:schemeClr val="accent1"/>
+    </dgm:fillClrLst>
+    <dgm:linClrLst meth="repeat">
+      <a:schemeClr val="lt1"/>
+    </dgm:linClrLst>
+    <dgm:effectClrLst/>
+    <dgm:txLinClrLst/>
+    <dgm:txFillClrLst/>
+    <dgm:txEffectClrLst/>
+  </dgm:styleLbl>
+  <dgm:styleLbl name="node4">
+    <dgm:fillClrLst meth="repeat">
+      <a:schemeClr val="accent1"/>
+    </dgm:fillClrLst>
+    <dgm:linClrLst meth="repeat">
+      <a:schemeClr val="lt1"/>
+    </dgm:linClrLst>
+    <dgm:effectClrLst/>
+    <dgm:txLinClrLst/>
+    <dgm:txFillClrLst/>
+    <dgm:txEffectClrLst/>
+  </dgm:styleLbl>
+  <dgm:styleLbl name="fgImgPlace1">
+    <dgm:fillClrLst meth="repeat">
+      <a:schemeClr val="accent1">
+        <a:tint val="50000"/>
+      </a:schemeClr>
+    </dgm:fillClrLst>
+    <dgm:linClrLst meth="repeat">
+      <a:schemeClr val="lt1"/>
+    </dgm:linClrLst>
+    <dgm:effectClrLst/>
+    <dgm:txLinClrLst/>
+    <dgm:txFillClrLst meth="repeat">
+      <a:schemeClr val="lt1"/>
+    </dgm:txFillClrLst>
+    <dgm:txEffectClrLst/>
+  </dgm:styleLbl>
+  <dgm:styleLbl name="alignImgPlace1">
+    <dgm:fillClrLst meth="repeat">
+      <a:schemeClr val="accent1">
+        <a:tint val="50000"/>
+      </a:schemeClr>
+    </dgm:fillClrLst>
+    <dgm:linClrLst meth="repeat">
+      <a:schemeClr val="lt1"/>
+    </dgm:linClrLst>
+    <dgm:effectClrLst/>
+    <dgm:txLinClrLst/>
+    <dgm:txFillClrLst meth="repeat">
+      <a:schemeClr val="lt1"/>
+    </dgm:txFillClrLst>
+    <dgm:txEffectClrLst/>
+  </dgm:styleLbl>
+  <dgm:styleLbl name="bgImgPlace1">
+    <dgm:fillClrLst meth="repeat">
+      <a:schemeClr val="accent1">
+        <a:tint val="50000"/>
+      </a:schemeClr>
+    </dgm:fillClrLst>
+    <dgm:linClrLst meth="repeat">
+      <a:schemeClr val="lt1"/>
+    </dgm:linClrLst>
+    <dgm:effectClrLst/>
+    <dgm:txLinClrLst/>
+    <dgm:txFillClrLst meth="repeat">
+      <a:schemeClr val="lt1"/>
+    </dgm:txFillClrLst>
+    <dgm:txEffectClrLst/>
+  </dgm:styleLbl>
+  <dgm:styleLbl name="sibTrans2D1">
+    <dgm:fillClrLst meth="repeat">
+      <a:schemeClr val="accent1">
+        <a:tint val="60000"/>
+      </a:schemeClr>
+    </dgm:fillClrLst>
+    <dgm:linClrLst meth="repeat">
+      <a:schemeClr val="accent1">
+        <a:tint val="60000"/>
+      </a:schemeClr>
+    </dgm:linClrLst>
+    <dgm:effectClrLst/>
+    <dgm:txLinClrLst/>
+    <dgm:txFillClrLst/>
+    <dgm:txEffectClrLst/>
+  </dgm:styleLbl>
+  <dgm:styleLbl name="fgSibTrans2D1">
+    <dgm:fillClrLst meth="repeat">
+      <a:schemeClr val="accent1">
+        <a:tint val="60000"/>
+      </a:schemeClr>
+    </dgm:fillClrLst>
+    <dgm:linClrLst meth="repeat">
+      <a:schemeClr val="accent1">
+        <a:tint val="60000"/>
+      </a:schemeClr>
+    </dgm:linClrLst>
+    <dgm:effectClrLst/>
+    <dgm:txLinClrLst/>
+    <dgm:txFillClrLst/>
+    <dgm:txEffectClrLst/>
+  </dgm:styleLbl>
+  <dgm:styleLbl name="bgSibTrans2D1">
+    <dgm:fillClrLst meth="repeat">
+      <a:schemeClr val="accent1">
+        <a:tint val="60000"/>
+      </a:schemeClr>
+    </dgm:fillClrLst>
+    <dgm:linClrLst meth="repeat">
+      <a:schemeClr val="accent1">
+        <a:tint val="60000"/>
+      </a:schemeClr>
+    </dgm:linClrLst>
+    <dgm:effectClrLst/>
+    <dgm:txLinClrLst/>
+    <dgm:txFillClrLst/>
+    <dgm:txEffectClrLst/>
+  </dgm:styleLbl>
+  <dgm:styleLbl name="sibTrans1D1">
+    <dgm:fillClrLst meth="repeat">
+      <a:schemeClr val="accent1"/>
+    </dgm:fillClrLst>
+    <dgm:linClrLst meth="repeat">
+      <a:schemeClr val="accent1"/>
+    </dgm:linClrLst>
+    <dgm:effectClrLst/>
+    <dgm:txLinClrLst/>
+    <dgm:txFillClrLst meth="repeat">
+      <a:schemeClr val="tx1"/>
+    </dgm:txFillClrLst>
+    <dgm:txEffectClrLst/>
+  </dgm:styleLbl>
+  <dgm:styleLbl name="callout">
+    <dgm:fillClrLst meth="repeat">
+      <a:schemeClr val="accent1"/>
+    </dgm:fillClrLst>
+    <dgm:linClrLst meth="repeat">
+      <a:schemeClr val="accent1">
+        <a:tint val="50000"/>
+      </a:schemeClr>
+    </dgm:linClrLst>
+    <dgm:effectClrLst/>
+    <dgm:txLinClrLst/>
+    <dgm:txFillClrLst meth="repeat">
+      <a:schemeClr val="tx1"/>
+    </dgm:txFillClrLst>
+    <dgm:txEffectClrLst/>
+  </dgm:styleLbl>
+  <dgm:styleLbl name="asst0">
+    <dgm:fillClrLst meth="repeat">
+      <a:schemeClr val="accent1"/>
+    </dgm:fillClrLst>
+    <dgm:linClrLst meth="repeat">
+      <a:schemeClr val="lt1"/>
+    </dgm:linClrLst>
+    <dgm:effectClrLst/>
+    <dgm:txLinClrLst/>
+    <dgm:txFillClrLst/>
+    <dgm:txEffectClrLst/>
+  </dgm:styleLbl>
+  <dgm:styleLbl name="asst1">
+    <dgm:fillClrLst meth="repeat">
+      <a:schemeClr val="accent1"/>
+    </dgm:fillClrLst>
+    <dgm:linClrLst meth="repeat">
+      <a:schemeClr val="lt1"/>
+    </dgm:linClrLst>
+    <dgm:effectClrLst/>
+    <dgm:txLinClrLst/>
+    <dgm:txFillClrLst/>
+    <dgm:txEffectClrLst/>
+  </dgm:styleLbl>
+  <dgm:styleLbl name="asst2">
+    <dgm:fillClrLst meth="repeat">
+      <a:schemeClr val="accent1"/>
+    </dgm:fillClrLst>
+    <dgm:linClrLst meth="repeat">
+      <a:schemeClr val="lt1"/>
+    </dgm:linClrLst>
+    <dgm:effectClrLst/>
+    <dgm:txLinClrLst/>
+    <dgm:txFillClrLst/>
+    <dgm:txEffectClrLst/>
+  </dgm:styleLbl>
+  <dgm:styleLbl name="asst3">
+    <dgm:fillClrLst meth="repeat">
+      <a:schemeClr val="accent1"/>
+    </dgm:fillClrLst>
+    <dgm:linClrLst meth="repeat">
+      <a:schemeClr val="lt1"/>
+    </dgm:linClrLst>
+    <dgm:effectClrLst/>
+    <dgm:txLinClrLst/>
+    <dgm:txFillClrLst/>
+    <dgm:txEffectClrLst/>
+  </dgm:styleLbl>
+  <dgm:styleLbl name="asst4">
+    <dgm:fillClrLst meth="repeat">
+      <a:schemeClr val="accent1"/>
+    </dgm:fillClrLst>
+    <dgm:linClrLst meth="repeat">
+      <a:schemeClr val="lt1"/>
+    </dgm:linClrLst>
+    <dgm:effectClrLst/>
+    <dgm:txLinClrLst/>
+    <dgm:txFillClrLst/>
+    <dgm:txEffectClrLst/>
+  </dgm:styleLbl>
+  <dgm:styleLbl name="parChTrans2D1">
+    <dgm:fillClrLst meth="repeat">
+      <a:schemeClr val="accent1">
+        <a:tint val="60000"/>
+      </a:schemeClr>
+    </dgm:fillClrLst>
+    <dgm:linClrLst meth="repeat">
+      <a:schemeClr val="accent1">
+        <a:tint val="60000"/>
+      </a:schemeClr>
+    </dgm:linClrLst>
+    <dgm:effectClrLst/>
+    <dgm:txLinClrLst/>
+    <dgm:txFillClrLst meth="repeat">
+      <a:schemeClr val="lt1"/>
+    </dgm:txFillClrLst>
+    <dgm:txEffectClrLst/>
+  </dgm:styleLbl>
+  <dgm:styleLbl name="parChTrans2D2">
+    <dgm:fillClrLst meth="repeat">
+      <a:schemeClr val="accent1"/>
+    </dgm:fillClrLst>
+    <dgm:linClrLst meth="repeat">
+      <a:schemeClr val="accent1"/>
+    </dgm:linClrLst>
+    <dgm:effectClrLst/>
+    <dgm:txLinClrLst/>
+    <dgm:txFillClrLst meth="repeat">
+      <a:schemeClr val="lt1"/>
+    </dgm:txFillClrLst>
+    <dgm:txEffectClrLst/>
+  </dgm:styleLbl>
+  <dgm:styleLbl name="parChTrans2D3">
+    <dgm:fillClrLst meth="repeat">
+      <a:schemeClr val="accent1"/>
+    </dgm:fillClrLst>
+    <dgm:linClrLst meth="repeat">
+      <a:schemeClr val="accent1"/>
+    </dgm:linClrLst>
+    <dgm:effectClrLst/>
+    <dgm:txLinClrLst/>
+    <dgm:txFillClrLst meth="repeat">
+      <a:schemeClr val="lt1"/>
+    </dgm:txFillClrLst>
+    <dgm:txEffectClrLst/>
+  </dgm:styleLbl>
+  <dgm:styleLbl name="parChTrans2D4">
+    <dgm:fillClrLst meth="repeat">
+      <a:schemeClr val="accent1"/>
+    </dgm:fillClrLst>
+    <dgm:linClrLst meth="repeat">
+      <a:schemeClr val="accent1"/>
+    </dgm:linClrLst>
+    <dgm:effectClrLst/>
+    <dgm:txLinClrLst/>
+    <dgm:txFillClrLst meth="repeat">
+      <a:schemeClr val="lt1"/>
+    </dgm:txFillClrLst>
+    <dgm:txEffectClrLst/>
+  </dgm:styleLbl>
+  <dgm:styleLbl name="parChTrans1D1">
+    <dgm:fillClrLst meth="repeat">
+      <a:schemeClr val="accent1"/>
+    </dgm:fillClrLst>
+    <dgm:linClrLst meth="repeat">
+      <a:schemeClr val="accent1">
+        <a:shade val="60000"/>
+      </a:schemeClr>
+    </dgm:linClrLst>
+    <dgm:effectClrLst/>
+    <dgm:txLinClrLst/>
+    <dgm:txFillClrLst meth="repeat">
+      <a:schemeClr val="tx1"/>
+    </dgm:txFillClrLst>
+    <dgm:txEffectClrLst/>
+  </dgm:styleLbl>
+  <dgm:styleLbl name="parChTrans1D2">
+    <dgm:fillClrLst meth="repeat">
+      <a:schemeClr val="accent1"/>
+    </dgm:fillClrLst>
+    <dgm:linClrLst meth="repeat">
+      <a:schemeClr val="accent1">
+        <a:shade val="60000"/>
+      </a:schemeClr>
+    </dgm:linClrLst>
+    <dgm:effectClrLst/>
+    <dgm:txLinClrLst/>
+    <dgm:txFillClrLst meth="repeat">
+      <a:schemeClr val="tx1"/>
+    </dgm:txFillClrLst>
+    <dgm:txEffectClrLst/>
+  </dgm:styleLbl>
+  <dgm:styleLbl name="parChTrans1D3">
+    <dgm:fillClrLst meth="repeat">
+      <a:schemeClr val="accent1"/>
+    </dgm:fillClrLst>
+    <dgm:linClrLst meth="repeat">
+      <a:schemeClr val="accent1">
+        <a:shade val="80000"/>
+      </a:schemeClr>
+    </dgm:linClrLst>
+    <dgm:effectClrLst/>
+    <dgm:txLinClrLst/>
+    <dgm:txFillClrLst meth="repeat">
+      <a:schemeClr val="tx1"/>
+    </dgm:txFillClrLst>
+    <dgm:txEffectClrLst/>
+  </dgm:styleLbl>
+  <dgm:styleLbl name="parChTrans1D4">
+    <dgm:fillClrLst meth="repeat">
+      <a:schemeClr val="accent1"/>
+    </dgm:fillClrLst>
+    <dgm:linClrLst meth="repeat">
+      <a:schemeClr val="accent1">
+        <a:shade val="80000"/>
+      </a:schemeClr>
+    </dgm:linClrLst>
+    <dgm:effectClrLst/>
+    <dgm:txLinClrLst/>
+    <dgm:txFillClrLst meth="repeat">
+      <a:schemeClr val="tx1"/>
+    </dgm:txFillClrLst>
+    <dgm:txEffectClrLst/>
+  </dgm:styleLbl>
+  <dgm:styleLbl name="fgAcc1">
+    <dgm:fillClrLst meth="repeat">
+      <a:schemeClr val="lt1">
+        <a:alpha val="90000"/>
+      </a:schemeClr>
+    </dgm:fillClrLst>
+    <dgm:linClrLst meth="repeat">
+      <a:schemeClr val="accent1"/>
+    </dgm:linClrLst>
+    <dgm:effectClrLst/>
+    <dgm:txLinClrLst/>
+    <dgm:txFillClrLst meth="repeat">
+      <a:schemeClr val="dk1"/>
+    </dgm:txFillClrLst>
+    <dgm:txEffectClrLst/>
+  </dgm:styleLbl>
+  <dgm:styleLbl name="conFgAcc1">
+    <dgm:fillClrLst meth="repeat">
+      <a:schemeClr val="lt1">
+        <a:alpha val="90000"/>
+      </a:schemeClr>
+    </dgm:fillClrLst>
+    <dgm:linClrLst meth="repeat">
+      <a:schemeClr val="accent1"/>
+    </dgm:linClrLst>
+    <dgm:effectClrLst/>
+    <dgm:txLinClrLst/>
+    <dgm:txFillClrLst meth="repeat">
+      <a:schemeClr val="dk1"/>
+    </dgm:txFillClrLst>
+    <dgm:txEffectClrLst/>
+  </dgm:styleLbl>
+  <dgm:styleLbl name="alignAcc1">
+    <dgm:fillClrLst meth="repeat">
+      <a:schemeClr val="lt1">
+        <a:alpha val="90000"/>
+      </a:schemeClr>
+    </dgm:fillClrLst>
+    <dgm:linClrLst meth="repeat">
+      <a:schemeClr val="accent1"/>
+    </dgm:linClrLst>
+    <dgm:effectClrLst/>
+    <dgm:txLinClrLst/>
+    <dgm:txFillClrLst meth="repeat">
+      <a:schemeClr val="dk1"/>
+    </dgm:txFillClrLst>
+    <dgm:txEffectClrLst/>
+  </dgm:styleLbl>
+  <dgm:styleLbl name="trAlignAcc1">
+    <dgm:fillClrLst meth="repeat">
+      <a:schemeClr val="lt1">
+        <a:alpha val="40000"/>
+      </a:schemeClr>
+    </dgm:fillClrLst>
+    <dgm:linClrLst meth="repeat">
+      <a:schemeClr val="accent1"/>
+    </dgm:linClrLst>
+    <dgm:effectClrLst/>
+    <dgm:txLinClrLst/>
+    <dgm:txFillClrLst meth="repeat">
+      <a:schemeClr val="dk1"/>
+    </dgm:txFillClrLst>
+    <dgm:txEffectClrLst/>
+  </dgm:styleLbl>
+  <dgm:styleLbl name="bgAcc1">
+    <dgm:fillClrLst meth="repeat">
+      <a:schemeClr val="lt1">
+        <a:alpha val="90000"/>
+      </a:schemeClr>
+    </dgm:fillClrLst>
+    <dgm:linClrLst meth="repeat">
+      <a:schemeClr val="accent1"/>
+    </dgm:linClrLst>
+    <dgm:effectClrLst/>
+    <dgm:txLinClrLst/>
+    <dgm:txFillClrLst meth="repeat">
+      <a:schemeClr val="dk1"/>
+    </dgm:txFillClrLst>
+    <dgm:txEffectClrLst/>
+  </dgm:styleLbl>
+  <dgm:styleLbl name="solidFgAcc1">
+    <dgm:fillClrLst meth="repeat">
+      <a:schemeClr val="lt1"/>
+    </dgm:fillClrLst>
+    <dgm:linClrLst meth="repeat">
+      <a:schemeClr val="accent1"/>
+    </dgm:linClrLst>
+    <dgm:effectClrLst/>
+    <dgm:txLinClrLst/>
+    <dgm:txFillClrLst meth="repeat">
+      <a:schemeClr val="dk1"/>
+    </dgm:txFillClrLst>
+    <dgm:txEffectClrLst/>
+  </dgm:styleLbl>
+  <dgm:styleLbl name="solidAlignAcc1">
+    <dgm:fillClrLst meth="repeat">
+      <a:schemeClr val="lt1"/>
+    </dgm:fillClrLst>
+    <dgm:linClrLst meth="repeat">
+      <a:schemeClr val="accent1"/>
+    </dgm:linClrLst>
+    <dgm:effectClrLst/>
+    <dgm:txLinClrLst/>
+    <dgm:txFillClrLst meth="repeat">
+      <a:schemeClr val="dk1"/>
+    </dgm:txFillClrLst>
+    <dgm:txEffectClrLst/>
+  </dgm:styleLbl>
+  <dgm:styleLbl name="solidBgAcc1">
+    <dgm:fillClrLst meth="repeat">
+      <a:schemeClr val="lt1"/>
+    </dgm:fillClrLst>
+    <dgm:linClrLst meth="repeat">
+      <a:schemeClr val="accent1"/>
+    </dgm:linClrLst>
+    <dgm:effectClrLst/>
+    <dgm:txLinClrLst/>
+    <dgm:txFillClrLst meth="repeat">
+      <a:schemeClr val="dk1"/>
+    </dgm:txFillClrLst>
+    <dgm:txEffectClrLst/>
+  </dgm:styleLbl>
+  <dgm:styleLbl name="fgAccFollowNode1">
+    <dgm:fillClrLst meth="repeat">
+      <a:schemeClr val="accent1">
+        <a:alpha val="90000"/>
+        <a:tint val="40000"/>
+      </a:schemeClr>
+    </dgm:fillClrLst>
+    <dgm:linClrLst meth="repeat">
+      <a:schemeClr val="accent1">
+        <a:alpha val="90000"/>
+        <a:tint val="40000"/>
+      </a:schemeClr>
+    </dgm:linClrLst>
+    <dgm:effectClrLst/>
+    <dgm:txLinClrLst/>
+    <dgm:txFillClrLst meth="repeat">
+      <a:schemeClr val="dk1"/>
+    </dgm:txFillClrLst>
+    <dgm:txEffectClrLst/>
+  </dgm:styleLbl>
+  <dgm:styleLbl name="alignAccFollowNode1">
+    <dgm:fillClrLst meth="repeat">
+      <a:schemeClr val="accent1">
+        <a:alpha val="90000"/>
+        <a:tint val="40000"/>
+      </a:schemeClr>
+    </dgm:fillClrLst>
+    <dgm:linClrLst meth="repeat">
+      <a:schemeClr val="accent1">
+        <a:alpha val="90000"/>
+        <a:tint val="40000"/>
+      </a:schemeClr>
+    </dgm:linClrLst>
+    <dgm:effectClrLst/>
+    <dgm:txLinClrLst/>
+    <dgm:txFillClrLst meth="repeat">
+      <a:schemeClr val="dk1"/>
+    </dgm:txFillClrLst>
+    <dgm:txEffectClrLst/>
+  </dgm:styleLbl>
+  <dgm:styleLbl name="bgAccFollowNode1">
+    <dgm:fillClrLst meth="repeat">
+      <a:schemeClr val="accent1">
+        <a:alpha val="90000"/>
+        <a:tint val="40000"/>
+      </a:schemeClr>
+    </dgm:fillClrLst>
+    <dgm:linClrLst meth="repeat">
+      <a:schemeClr val="accent1">
+        <a:alpha val="90000"/>
+        <a:tint val="40000"/>
+      </a:schemeClr>
+    </dgm:linClrLst>
+    <dgm:effectClrLst/>
+    <dgm:txLinClrLst/>
+    <dgm:txFillClrLst meth="repeat">
+      <a:schemeClr val="dk1"/>
+    </dgm:txFillClrLst>
+    <dgm:txEffectClrLst/>
+  </dgm:styleLbl>
+  <dgm:styleLbl name="fgAcc0">
+    <dgm:fillClrLst meth="repeat">
+      <a:schemeClr val="lt1">
+        <a:alpha val="90000"/>
+      </a:schemeClr>
+    </dgm:fillClrLst>
+    <dgm:linClrLst meth="repeat">
+      <a:schemeClr val="accent1"/>
+    </dgm:linClrLst>
+    <dgm:effectClrLst/>
+    <dgm:txLinClrLst/>
+    <dgm:txFillClrLst meth="repeat">
+      <a:schemeClr val="dk1"/>
+    </dgm:txFillClrLst>
+    <dgm:txEffectClrLst/>
+  </dgm:styleLbl>
+  <dgm:styleLbl name="fgAcc2">
+    <dgm:fillClrLst meth="repeat">
+      <a:schemeClr val="lt1">
+        <a:alpha val="90000"/>
+      </a:schemeClr>
+    </dgm:fillClrLst>
+    <dgm:linClrLst meth="repeat">
+      <a:schemeClr val="accent1"/>
+    </dgm:linClrLst>
+    <dgm:effectClrLst/>
+    <dgm:txLinClrLst/>
+    <dgm:txFillClrLst meth="repeat">
+      <a:schemeClr val="dk1"/>
+    </dgm:txFillClrLst>
+    <dgm:txEffectClrLst/>
+  </dgm:styleLbl>
+  <dgm:styleLbl name="fgAcc3">
+    <dgm:fillClrLst meth="repeat">
+      <a:schemeClr val="lt1">
+        <a:alpha val="90000"/>
+      </a:schemeClr>
+    </dgm:fillClrLst>
+    <dgm:linClrLst meth="repeat">
+      <a:schemeClr val="accent1"/>
+    </dgm:linClrLst>
+    <dgm:effectClrLst/>
+    <dgm:txLinClrLst/>
+    <dgm:txFillClrLst meth="repeat">
+      <a:schemeClr val="dk1"/>
+    </dgm:txFillClrLst>
+    <dgm:txEffectClrLst/>
+  </dgm:styleLbl>
+  <dgm:styleLbl name="fgAcc4">
+    <dgm:fillClrLst meth="repeat">
+      <a:schemeClr val="lt1">
+        <a:alpha val="90000"/>
+      </a:schemeClr>
+    </dgm:fillClrLst>
+    <dgm:linClrLst meth="repeat">
+      <a:schemeClr val="accent1"/>
+    </dgm:linClrLst>
+    <dgm:effectClrLst/>
+    <dgm:txLinClrLst/>
+    <dgm:txFillClrLst meth="repeat">
+      <a:schemeClr val="dk1"/>
+    </dgm:txFillClrLst>
+    <dgm:txEffectClrLst/>
+  </dgm:styleLbl>
+  <dgm:styleLbl name="bgShp">
+    <dgm:fillClrLst meth="repeat">
+      <a:schemeClr val="accent1">
+        <a:tint val="40000"/>
+      </a:schemeClr>
+    </dgm:fillClrLst>
+    <dgm:linClrLst meth="repeat">
+      <a:schemeClr val="accent1"/>
+    </dgm:linClrLst>
+    <dgm:effectClrLst/>
+    <dgm:txLinClrLst/>
+    <dgm:txFillClrLst meth="repeat">
+      <a:schemeClr val="dk1"/>
+    </dgm:txFillClrLst>
+    <dgm:txEffectClrLst/>
+  </dgm:styleLbl>
+  <dgm:styleLbl name="dkBgShp">
+    <dgm:fillClrLst meth="repeat">
+      <a:schemeClr val="accent1">
+        <a:shade val="80000"/>
+      </a:schemeClr>
+    </dgm:fillClrLst>
+    <dgm:linClrLst meth="repeat">
+      <a:schemeClr val="accent1"/>
+    </dgm:linClrLst>
+    <dgm:effectClrLst/>
+    <dgm:txLinClrLst/>
+    <dgm:txFillClrLst meth="repeat">
+      <a:schemeClr val="lt1"/>
+    </dgm:txFillClrLst>
+    <dgm:txEffectClrLst/>
+  </dgm:styleLbl>
+  <dgm:styleLbl name="trBgShp">
+    <dgm:fillClrLst meth="repeat">
+      <a:schemeClr val="accent1">
+        <a:tint val="50000"/>
+        <a:alpha val="40000"/>
+      </a:schemeClr>
+    </dgm:fillClrLst>
+    <dgm:linClrLst meth="repeat">
+      <a:schemeClr val="accent1"/>
+    </dgm:linClrLst>
+    <dgm:effectClrLst/>
+    <dgm:txLinClrLst/>
+    <dgm:txFillClrLst meth="repeat">
+      <a:schemeClr val="lt1"/>
+    </dgm:txFillClrLst>
+    <dgm:txEffectClrLst/>
+  </dgm:styleLbl>
+  <dgm:styleLbl name="fgShp">
+    <dgm:fillClrLst meth="repeat">
+      <a:schemeClr val="accent1">
+        <a:tint val="60000"/>
+      </a:schemeClr>
+    </dgm:fillClrLst>
+    <dgm:linClrLst meth="repeat">
+      <a:schemeClr val="lt1"/>
+    </dgm:linClrLst>
+    <dgm:effectClrLst/>
+    <dgm:txLinClrLst/>
+    <dgm:txFillClrLst meth="repeat">
+      <a:schemeClr val="dk1"/>
+    </dgm:txFillClrLst>
+    <dgm:txEffectClrLst/>
+  </dgm:styleLbl>
+  <dgm:styleLbl name="revTx">
+    <dgm:fillClrLst meth="repeat">
+      <a:schemeClr val="lt1">
+        <a:alpha val="0"/>
+      </a:schemeClr>
+    </dgm:fillClrLst>
+    <dgm:linClrLst meth="repeat">
+      <a:schemeClr val="dk1">
+        <a:alpha val="0"/>
+      </a:schemeClr>
+    </dgm:linClrLst>
+    <dgm:effectClrLst/>
+    <dgm:txLinClrLst/>
+    <dgm:txFillClrLst meth="repeat">
+      <a:schemeClr val="tx1"/>
+    </dgm:txFillClrLst>
+    <dgm:txEffectClrLst/>
+  </dgm:styleLbl>
+</dgm:colorsDef>
+</file>
+
+<file path=ppt/diagrams/colors2.xml><?xml version="1.0" encoding="utf-8"?>
 <dgm:colorsDef xmlns:dgm="http://schemas.openxmlformats.org/drawingml/2006/diagram" xmlns:a="http://schemas.openxmlformats.org/drawingml/2006/main" uniqueId="urn:microsoft.com/office/officeart/2005/8/colors/accent1_2">
   <dgm:title val=""/>
   <dgm:desc val=""/>
@@ -1112,6 +1859,13 @@
         </dgm:presLayoutVars>
       </dgm:prSet>
       <dgm:spPr/>
+      <dgm:t>
+        <a:bodyPr/>
+        <a:lstStyle/>
+        <a:p>
+          <a:endParaRPr lang="zh-CN" altLang="en-US"/>
+        </a:p>
+      </dgm:t>
     </dgm:pt>
     <dgm:pt modelId="{6B14DC7F-A9E6-43DF-9C39-DDB79CCD6E37}" type="pres">
       <dgm:prSet presAssocID="{7A12F22D-10F2-4432-9D92-585311695DC2}" presName="composite" presStyleCnt="0"/>
@@ -1125,6 +1879,13 @@
         </dgm:presLayoutVars>
       </dgm:prSet>
       <dgm:spPr/>
+      <dgm:t>
+        <a:bodyPr/>
+        <a:lstStyle/>
+        <a:p>
+          <a:endParaRPr lang="zh-CN" altLang="en-US"/>
+        </a:p>
+      </dgm:t>
     </dgm:pt>
     <dgm:pt modelId="{14E17743-6675-4C54-BCF6-82968E179CE6}" type="pres">
       <dgm:prSet presAssocID="{7A12F22D-10F2-4432-9D92-585311695DC2}" presName="descendantText" presStyleLbl="alignAcc1" presStyleIdx="0" presStyleCnt="3">
@@ -1157,6 +1918,13 @@
         </dgm:presLayoutVars>
       </dgm:prSet>
       <dgm:spPr/>
+      <dgm:t>
+        <a:bodyPr/>
+        <a:lstStyle/>
+        <a:p>
+          <a:endParaRPr lang="zh-CN" altLang="en-US"/>
+        </a:p>
+      </dgm:t>
     </dgm:pt>
     <dgm:pt modelId="{0915FB7D-A834-49EB-ACB6-969190B01BB9}" type="pres">
       <dgm:prSet presAssocID="{36DEB4DE-E1D0-4104-B950-F78F9FFFEAB4}" presName="descendantText" presStyleLbl="alignAcc1" presStyleIdx="1" presStyleCnt="3">
@@ -1189,6 +1957,13 @@
         </dgm:presLayoutVars>
       </dgm:prSet>
       <dgm:spPr/>
+      <dgm:t>
+        <a:bodyPr/>
+        <a:lstStyle/>
+        <a:p>
+          <a:endParaRPr lang="zh-CN" altLang="en-US"/>
+        </a:p>
+      </dgm:t>
     </dgm:pt>
     <dgm:pt modelId="{46D78B52-FC8A-4838-8A0E-5E79546FC54F}" type="pres">
       <dgm:prSet presAssocID="{FA7E596E-485D-4327-9AC1-8F4D97B21E83}" presName="descendantText" presStyleLbl="alignAcc1" presStyleIdx="2" presStyleCnt="3">
@@ -1207,19 +1982,19 @@
     </dgm:pt>
   </dgm:ptLst>
   <dgm:cxnLst>
+    <dgm:cxn modelId="{E052D09D-DD83-4DB9-9EBD-45F4D1C0C603}" type="presOf" srcId="{14E334E3-903B-4069-961C-B04A3691E472}" destId="{46D78B52-FC8A-4838-8A0E-5E79546FC54F}" srcOrd="0" destOrd="0" presId="urn:microsoft.com/office/officeart/2005/8/layout/chevron2"/>
+    <dgm:cxn modelId="{85A445E1-C22B-41CE-B5FF-52336FE4CF4A}" type="presOf" srcId="{17138316-C699-4C5B-98A7-0B2A918259DD}" destId="{14E17743-6675-4C54-BCF6-82968E179CE6}" srcOrd="0" destOrd="0" presId="urn:microsoft.com/office/officeart/2005/8/layout/chevron2"/>
+    <dgm:cxn modelId="{FE82F253-1035-46ED-ABCB-5B8D07544467}" type="presOf" srcId="{FA7E596E-485D-4327-9AC1-8F4D97B21E83}" destId="{CAAFE378-CE04-4999-B139-19A44AE18F83}" srcOrd="0" destOrd="0" presId="urn:microsoft.com/office/officeart/2005/8/layout/chevron2"/>
+    <dgm:cxn modelId="{253A7920-6EEC-44CD-BE34-66BF1DDF653D}" srcId="{36DEB4DE-E1D0-4104-B950-F78F9FFFEAB4}" destId="{8C2003EB-3B55-4AFB-8461-B671DBBEFBC9}" srcOrd="0" destOrd="0" parTransId="{8EB59995-F429-40DA-90FC-5293BEFAFE2A}" sibTransId="{6FFB344F-C85A-442C-BAC4-939E641DBEA4}"/>
+    <dgm:cxn modelId="{5B966554-5D67-4C32-9669-9740A5E676E1}" srcId="{391467DE-E681-43FC-B0ED-84DEBCF4199E}" destId="{FA7E596E-485D-4327-9AC1-8F4D97B21E83}" srcOrd="2" destOrd="0" parTransId="{4367945B-65C4-46A8-8726-45148833D3A8}" sibTransId="{1810E54D-DCA6-4D0A-AADC-F52AC95F04CE}"/>
+    <dgm:cxn modelId="{AD64FDD3-D523-48A0-89DB-A65DE7E8EABA}" srcId="{7A12F22D-10F2-4432-9D92-585311695DC2}" destId="{17138316-C699-4C5B-98A7-0B2A918259DD}" srcOrd="0" destOrd="0" parTransId="{01FB38FA-19D2-43EF-B03E-3B026132CF87}" sibTransId="{53FC0A94-66CF-4DBE-A005-B3030F484325}"/>
+    <dgm:cxn modelId="{E81E3B12-5870-4068-9A7C-65BC70AC6543}" type="presOf" srcId="{391467DE-E681-43FC-B0ED-84DEBCF4199E}" destId="{9BFF9F7D-C06C-41C0-B6BD-73C49933BFFE}" srcOrd="0" destOrd="0" presId="urn:microsoft.com/office/officeart/2005/8/layout/chevron2"/>
     <dgm:cxn modelId="{7C7ACC83-0A3F-4CEF-A73A-75005C350711}" srcId="{391467DE-E681-43FC-B0ED-84DEBCF4199E}" destId="{7A12F22D-10F2-4432-9D92-585311695DC2}" srcOrd="0" destOrd="0" parTransId="{57B5C95B-1B14-4ED2-8DB9-0376773B0198}" sibTransId="{B6582FBC-9881-48F4-80B7-B4EE788C5AC0}"/>
     <dgm:cxn modelId="{377FCB2F-E6CA-43F7-9FD1-A716C3B354EC}" srcId="{FA7E596E-485D-4327-9AC1-8F4D97B21E83}" destId="{14E334E3-903B-4069-961C-B04A3691E472}" srcOrd="0" destOrd="0" parTransId="{7166C2AA-C110-4C48-8EC8-C17B949D58A6}" sibTransId="{86E26DF9-8443-4D06-9359-2214DCE92748}"/>
-    <dgm:cxn modelId="{AD64FDD3-D523-48A0-89DB-A65DE7E8EABA}" srcId="{7A12F22D-10F2-4432-9D92-585311695DC2}" destId="{17138316-C699-4C5B-98A7-0B2A918259DD}" srcOrd="0" destOrd="0" parTransId="{01FB38FA-19D2-43EF-B03E-3B026132CF87}" sibTransId="{53FC0A94-66CF-4DBE-A005-B3030F484325}"/>
     <dgm:cxn modelId="{4B0C8BCE-3D6D-4F1B-9F76-02FF58AA7973}" type="presOf" srcId="{36DEB4DE-E1D0-4104-B950-F78F9FFFEAB4}" destId="{F2D415E3-9EEB-45C3-BD97-D78296F3D3D4}" srcOrd="0" destOrd="0" presId="urn:microsoft.com/office/officeart/2005/8/layout/chevron2"/>
-    <dgm:cxn modelId="{E81E3B12-5870-4068-9A7C-65BC70AC6543}" type="presOf" srcId="{391467DE-E681-43FC-B0ED-84DEBCF4199E}" destId="{9BFF9F7D-C06C-41C0-B6BD-73C49933BFFE}" srcOrd="0" destOrd="0" presId="urn:microsoft.com/office/officeart/2005/8/layout/chevron2"/>
     <dgm:cxn modelId="{2F1C84DA-15A6-4769-87AC-13FCEAE0A366}" type="presOf" srcId="{7A12F22D-10F2-4432-9D92-585311695DC2}" destId="{F310BE7C-EF92-4CA5-8A8A-65E20338CEC1}" srcOrd="0" destOrd="0" presId="urn:microsoft.com/office/officeart/2005/8/layout/chevron2"/>
-    <dgm:cxn modelId="{FE82F253-1035-46ED-ABCB-5B8D07544467}" type="presOf" srcId="{FA7E596E-485D-4327-9AC1-8F4D97B21E83}" destId="{CAAFE378-CE04-4999-B139-19A44AE18F83}" srcOrd="0" destOrd="0" presId="urn:microsoft.com/office/officeart/2005/8/layout/chevron2"/>
-    <dgm:cxn modelId="{5B966554-5D67-4C32-9669-9740A5E676E1}" srcId="{391467DE-E681-43FC-B0ED-84DEBCF4199E}" destId="{FA7E596E-485D-4327-9AC1-8F4D97B21E83}" srcOrd="2" destOrd="0" parTransId="{4367945B-65C4-46A8-8726-45148833D3A8}" sibTransId="{1810E54D-DCA6-4D0A-AADC-F52AC95F04CE}"/>
     <dgm:cxn modelId="{B0F9D010-5419-4981-8270-C1D07F7E8D04}" srcId="{391467DE-E681-43FC-B0ED-84DEBCF4199E}" destId="{36DEB4DE-E1D0-4104-B950-F78F9FFFEAB4}" srcOrd="1" destOrd="0" parTransId="{C48BA44B-2F9B-47A0-AC1D-BDBD7E2D5A58}" sibTransId="{A0278267-0C17-4307-9545-12B38DCD7A04}"/>
-    <dgm:cxn modelId="{E052D09D-DD83-4DB9-9EBD-45F4D1C0C603}" type="presOf" srcId="{14E334E3-903B-4069-961C-B04A3691E472}" destId="{46D78B52-FC8A-4838-8A0E-5E79546FC54F}" srcOrd="0" destOrd="0" presId="urn:microsoft.com/office/officeart/2005/8/layout/chevron2"/>
-    <dgm:cxn modelId="{253A7920-6EEC-44CD-BE34-66BF1DDF653D}" srcId="{36DEB4DE-E1D0-4104-B950-F78F9FFFEAB4}" destId="{8C2003EB-3B55-4AFB-8461-B671DBBEFBC9}" srcOrd="0" destOrd="0" parTransId="{8EB59995-F429-40DA-90FC-5293BEFAFE2A}" sibTransId="{6FFB344F-C85A-442C-BAC4-939E641DBEA4}"/>
     <dgm:cxn modelId="{CDA6BF7D-B43C-4641-9E44-2DD652BF0D6A}" type="presOf" srcId="{8C2003EB-3B55-4AFB-8461-B671DBBEFBC9}" destId="{0915FB7D-A834-49EB-ACB6-969190B01BB9}" srcOrd="0" destOrd="0" presId="urn:microsoft.com/office/officeart/2005/8/layout/chevron2"/>
-    <dgm:cxn modelId="{85A445E1-C22B-41CE-B5FF-52336FE4CF4A}" type="presOf" srcId="{17138316-C699-4C5B-98A7-0B2A918259DD}" destId="{14E17743-6675-4C54-BCF6-82968E179CE6}" srcOrd="0" destOrd="0" presId="urn:microsoft.com/office/officeart/2005/8/layout/chevron2"/>
     <dgm:cxn modelId="{1994FE63-7A14-4905-82B7-807D85BBE6EB}" type="presParOf" srcId="{9BFF9F7D-C06C-41C0-B6BD-73C49933BFFE}" destId="{6B14DC7F-A9E6-43DF-9C39-DDB79CCD6E37}" srcOrd="0" destOrd="0" presId="urn:microsoft.com/office/officeart/2005/8/layout/chevron2"/>
     <dgm:cxn modelId="{4606BAA3-2BD6-406E-9406-8368F6B8D1B6}" type="presParOf" srcId="{6B14DC7F-A9E6-43DF-9C39-DDB79CCD6E37}" destId="{F310BE7C-EF92-4CA5-8A8A-65E20338CEC1}" srcOrd="0" destOrd="0" presId="urn:microsoft.com/office/officeart/2005/8/layout/chevron2"/>
     <dgm:cxn modelId="{94E6EA2B-0250-4327-B057-26ED0774D372}" type="presParOf" srcId="{6B14DC7F-A9E6-43DF-9C39-DDB79CCD6E37}" destId="{14E17743-6675-4C54-BCF6-82968E179CE6}" srcOrd="1" destOrd="0" presId="urn:microsoft.com/office/officeart/2005/8/layout/chevron2"/>
@@ -1234,7 +2009,1126 @@
   </dgm:cxnLst>
   <dgm:bg/>
   <dgm:whole/>
+  <dgm:extLst>
+    <a:ext uri="http://schemas.microsoft.com/office/drawing/2008/diagram">
+      <dsp:dataModelExt xmlns:dsp="http://schemas.microsoft.com/office/drawing/2008/diagram" xmlns="" relId="rId6" minVer="http://schemas.openxmlformats.org/drawingml/2006/diagram"/>
+    </a:ext>
+  </dgm:extLst>
 </dgm:dataModel>
+</file>
+
+<file path=ppt/diagrams/data2.xml><?xml version="1.0" encoding="utf-8"?>
+<dgm:dataModel xmlns:dgm="http://schemas.openxmlformats.org/drawingml/2006/diagram" xmlns:a="http://schemas.openxmlformats.org/drawingml/2006/main">
+  <dgm:ptLst>
+    <dgm:pt modelId="{F68C7F7B-CA99-4BB2-B38C-6672A89D2465}" type="doc">
+      <dgm:prSet loTypeId="urn:microsoft.com/office/officeart/2005/8/layout/hProcess9" loCatId="process" qsTypeId="urn:microsoft.com/office/officeart/2005/8/quickstyle/simple1" qsCatId="simple" csTypeId="urn:microsoft.com/office/officeart/2005/8/colors/accent1_2" csCatId="accent1" phldr="1"/>
+      <dgm:spPr/>
+    </dgm:pt>
+    <dgm:pt modelId="{A4C3FC71-7DD1-4B5B-AC9A-0AD87AA7CA69}">
+      <dgm:prSet phldrT="[文本]"/>
+      <dgm:spPr/>
+      <dgm:t>
+        <a:bodyPr/>
+        <a:lstStyle/>
+        <a:p>
+          <a:r>
+            <a:rPr lang="zh-CN" altLang="en-US" dirty="0" smtClean="0"/>
+            <a:t>源视频</a:t>
+          </a:r>
+          <a:endParaRPr lang="zh-CN" altLang="en-US" dirty="0"/>
+        </a:p>
+      </dgm:t>
+    </dgm:pt>
+    <dgm:pt modelId="{73E6296E-3C8F-4E94-93EB-4074381F6944}" type="parTrans" cxnId="{12DCD4E3-D35F-4EF8-94F4-B3971FFB688D}">
+      <dgm:prSet/>
+      <dgm:spPr/>
+    </dgm:pt>
+    <dgm:pt modelId="{CA194AC7-9BCF-402D-B27D-6A7665D51111}" type="sibTrans" cxnId="{12DCD4E3-D35F-4EF8-94F4-B3971FFB688D}">
+      <dgm:prSet/>
+      <dgm:spPr/>
+    </dgm:pt>
+    <dgm:pt modelId="{3207163A-73B9-4411-8D3E-7561DAE272BB}">
+      <dgm:prSet phldrT="[文本]"/>
+      <dgm:spPr/>
+      <dgm:t>
+        <a:bodyPr/>
+        <a:lstStyle/>
+        <a:p>
+          <a:r>
+            <a:rPr lang="zh-CN" altLang="en-US" dirty="0" smtClean="0"/>
+            <a:t>摘要提取</a:t>
+          </a:r>
+          <a:endParaRPr lang="zh-CN" altLang="en-US" dirty="0"/>
+        </a:p>
+      </dgm:t>
+    </dgm:pt>
+    <dgm:pt modelId="{949BFEA3-F3B9-4ED9-8DD0-9C5F21218905}" type="parTrans" cxnId="{23362E92-4126-47EB-914C-751F863FADB8}">
+      <dgm:prSet/>
+      <dgm:spPr/>
+    </dgm:pt>
+    <dgm:pt modelId="{8F5191C0-58E3-4298-AAA1-196E2A571E5C}" type="sibTrans" cxnId="{23362E92-4126-47EB-914C-751F863FADB8}">
+      <dgm:prSet/>
+      <dgm:spPr/>
+    </dgm:pt>
+    <dgm:pt modelId="{10DCB5EA-2DDC-4812-B950-2E89FF06717F}">
+      <dgm:prSet phldrT="[文本]"/>
+      <dgm:spPr/>
+      <dgm:t>
+        <a:bodyPr/>
+        <a:lstStyle/>
+        <a:p>
+          <a:r>
+            <a:rPr lang="zh-CN" altLang="en-US" dirty="0" smtClean="0"/>
+            <a:t>摘要视频</a:t>
+          </a:r>
+          <a:endParaRPr lang="zh-CN" altLang="en-US" dirty="0"/>
+        </a:p>
+      </dgm:t>
+    </dgm:pt>
+    <dgm:pt modelId="{19EF57D0-D814-476D-8DF1-F407E924AFAC}" type="parTrans" cxnId="{95CA2B1F-0BE4-4283-B6BF-AC5E2CBAA3A0}">
+      <dgm:prSet/>
+      <dgm:spPr/>
+    </dgm:pt>
+    <dgm:pt modelId="{3C6357D5-78A3-45F5-AE4A-6BBBCD026C05}" type="sibTrans" cxnId="{95CA2B1F-0BE4-4283-B6BF-AC5E2CBAA3A0}">
+      <dgm:prSet/>
+      <dgm:spPr/>
+    </dgm:pt>
+    <dgm:pt modelId="{1817ADCA-09A3-4213-AE34-64476BBCA841}" type="pres">
+      <dgm:prSet presAssocID="{F68C7F7B-CA99-4BB2-B38C-6672A89D2465}" presName="CompostProcess" presStyleCnt="0">
+        <dgm:presLayoutVars>
+          <dgm:dir/>
+          <dgm:resizeHandles val="exact"/>
+        </dgm:presLayoutVars>
+      </dgm:prSet>
+      <dgm:spPr/>
+    </dgm:pt>
+    <dgm:pt modelId="{F9B57240-9699-4813-A3D9-ECFC7DA25DD2}" type="pres">
+      <dgm:prSet presAssocID="{F68C7F7B-CA99-4BB2-B38C-6672A89D2465}" presName="arrow" presStyleLbl="bgShp" presStyleIdx="0" presStyleCnt="1"/>
+      <dgm:spPr/>
+    </dgm:pt>
+    <dgm:pt modelId="{EB1B2154-754B-41B0-8C7C-F30362B148E6}" type="pres">
+      <dgm:prSet presAssocID="{F68C7F7B-CA99-4BB2-B38C-6672A89D2465}" presName="linearProcess" presStyleCnt="0"/>
+      <dgm:spPr/>
+    </dgm:pt>
+    <dgm:pt modelId="{3037CB55-5BEE-4164-BFD4-D799C0D9BE90}" type="pres">
+      <dgm:prSet presAssocID="{A4C3FC71-7DD1-4B5B-AC9A-0AD87AA7CA69}" presName="textNode" presStyleLbl="node1" presStyleIdx="0" presStyleCnt="3">
+        <dgm:presLayoutVars>
+          <dgm:bulletEnabled val="1"/>
+        </dgm:presLayoutVars>
+      </dgm:prSet>
+      <dgm:spPr/>
+      <dgm:t>
+        <a:bodyPr/>
+        <a:lstStyle/>
+        <a:p>
+          <a:endParaRPr lang="zh-CN" altLang="en-US"/>
+        </a:p>
+      </dgm:t>
+    </dgm:pt>
+    <dgm:pt modelId="{F3F047D9-341D-4A20-93BD-654106AFDCD7}" type="pres">
+      <dgm:prSet presAssocID="{CA194AC7-9BCF-402D-B27D-6A7665D51111}" presName="sibTrans" presStyleCnt="0"/>
+      <dgm:spPr/>
+    </dgm:pt>
+    <dgm:pt modelId="{80833226-5955-42A2-ABA7-A17A54342038}" type="pres">
+      <dgm:prSet presAssocID="{3207163A-73B9-4411-8D3E-7561DAE272BB}" presName="textNode" presStyleLbl="node1" presStyleIdx="1" presStyleCnt="3">
+        <dgm:presLayoutVars>
+          <dgm:bulletEnabled val="1"/>
+        </dgm:presLayoutVars>
+      </dgm:prSet>
+      <dgm:spPr/>
+    </dgm:pt>
+    <dgm:pt modelId="{DC7275E8-ED25-4342-B033-03071437B23D}" type="pres">
+      <dgm:prSet presAssocID="{8F5191C0-58E3-4298-AAA1-196E2A571E5C}" presName="sibTrans" presStyleCnt="0"/>
+      <dgm:spPr/>
+    </dgm:pt>
+    <dgm:pt modelId="{98D50B15-5B6E-4D24-A417-862FB83A2A0B}" type="pres">
+      <dgm:prSet presAssocID="{10DCB5EA-2DDC-4812-B950-2E89FF06717F}" presName="textNode" presStyleLbl="node1" presStyleIdx="2" presStyleCnt="3">
+        <dgm:presLayoutVars>
+          <dgm:bulletEnabled val="1"/>
+        </dgm:presLayoutVars>
+      </dgm:prSet>
+      <dgm:spPr/>
+    </dgm:pt>
+  </dgm:ptLst>
+  <dgm:cxnLst>
+    <dgm:cxn modelId="{765AC0C4-863A-4113-8562-CCB3604CBA30}" type="presOf" srcId="{A4C3FC71-7DD1-4B5B-AC9A-0AD87AA7CA69}" destId="{3037CB55-5BEE-4164-BFD4-D799C0D9BE90}" srcOrd="0" destOrd="0" presId="urn:microsoft.com/office/officeart/2005/8/layout/hProcess9"/>
+    <dgm:cxn modelId="{D9805593-AAA0-43C5-85C5-E6010E517F8C}" type="presOf" srcId="{F68C7F7B-CA99-4BB2-B38C-6672A89D2465}" destId="{1817ADCA-09A3-4213-AE34-64476BBCA841}" srcOrd="0" destOrd="0" presId="urn:microsoft.com/office/officeart/2005/8/layout/hProcess9"/>
+    <dgm:cxn modelId="{23362E92-4126-47EB-914C-751F863FADB8}" srcId="{F68C7F7B-CA99-4BB2-B38C-6672A89D2465}" destId="{3207163A-73B9-4411-8D3E-7561DAE272BB}" srcOrd="1" destOrd="0" parTransId="{949BFEA3-F3B9-4ED9-8DD0-9C5F21218905}" sibTransId="{8F5191C0-58E3-4298-AAA1-196E2A571E5C}"/>
+    <dgm:cxn modelId="{12DCD4E3-D35F-4EF8-94F4-B3971FFB688D}" srcId="{F68C7F7B-CA99-4BB2-B38C-6672A89D2465}" destId="{A4C3FC71-7DD1-4B5B-AC9A-0AD87AA7CA69}" srcOrd="0" destOrd="0" parTransId="{73E6296E-3C8F-4E94-93EB-4074381F6944}" sibTransId="{CA194AC7-9BCF-402D-B27D-6A7665D51111}"/>
+    <dgm:cxn modelId="{95CA2B1F-0BE4-4283-B6BF-AC5E2CBAA3A0}" srcId="{F68C7F7B-CA99-4BB2-B38C-6672A89D2465}" destId="{10DCB5EA-2DDC-4812-B950-2E89FF06717F}" srcOrd="2" destOrd="0" parTransId="{19EF57D0-D814-476D-8DF1-F407E924AFAC}" sibTransId="{3C6357D5-78A3-45F5-AE4A-6BBBCD026C05}"/>
+    <dgm:cxn modelId="{DFC2AB15-8A78-4AC7-9B3F-10DF34A440C7}" type="presOf" srcId="{10DCB5EA-2DDC-4812-B950-2E89FF06717F}" destId="{98D50B15-5B6E-4D24-A417-862FB83A2A0B}" srcOrd="0" destOrd="0" presId="urn:microsoft.com/office/officeart/2005/8/layout/hProcess9"/>
+    <dgm:cxn modelId="{2DDDD6F7-F852-4EAE-9202-D9F3A11D47B1}" type="presOf" srcId="{3207163A-73B9-4411-8D3E-7561DAE272BB}" destId="{80833226-5955-42A2-ABA7-A17A54342038}" srcOrd="0" destOrd="0" presId="urn:microsoft.com/office/officeart/2005/8/layout/hProcess9"/>
+    <dgm:cxn modelId="{0C5BAB94-89B1-486C-A06A-42CBEF4EE77C}" type="presParOf" srcId="{1817ADCA-09A3-4213-AE34-64476BBCA841}" destId="{F9B57240-9699-4813-A3D9-ECFC7DA25DD2}" srcOrd="0" destOrd="0" presId="urn:microsoft.com/office/officeart/2005/8/layout/hProcess9"/>
+    <dgm:cxn modelId="{1A636CA6-284C-4CBE-B742-D43A2EEBB9BC}" type="presParOf" srcId="{1817ADCA-09A3-4213-AE34-64476BBCA841}" destId="{EB1B2154-754B-41B0-8C7C-F30362B148E6}" srcOrd="1" destOrd="0" presId="urn:microsoft.com/office/officeart/2005/8/layout/hProcess9"/>
+    <dgm:cxn modelId="{BC391A19-D06D-4AC7-A6D3-E5C398DF39E2}" type="presParOf" srcId="{EB1B2154-754B-41B0-8C7C-F30362B148E6}" destId="{3037CB55-5BEE-4164-BFD4-D799C0D9BE90}" srcOrd="0" destOrd="0" presId="urn:microsoft.com/office/officeart/2005/8/layout/hProcess9"/>
+    <dgm:cxn modelId="{8084A6A6-E0BF-476C-9B22-3AECBF85917E}" type="presParOf" srcId="{EB1B2154-754B-41B0-8C7C-F30362B148E6}" destId="{F3F047D9-341D-4A20-93BD-654106AFDCD7}" srcOrd="1" destOrd="0" presId="urn:microsoft.com/office/officeart/2005/8/layout/hProcess9"/>
+    <dgm:cxn modelId="{B71991B4-52CC-4738-A99B-64C0F4CF1631}" type="presParOf" srcId="{EB1B2154-754B-41B0-8C7C-F30362B148E6}" destId="{80833226-5955-42A2-ABA7-A17A54342038}" srcOrd="2" destOrd="0" presId="urn:microsoft.com/office/officeart/2005/8/layout/hProcess9"/>
+    <dgm:cxn modelId="{FA988028-7CFB-490D-B05A-C8A4CA690EF2}" type="presParOf" srcId="{EB1B2154-754B-41B0-8C7C-F30362B148E6}" destId="{DC7275E8-ED25-4342-B033-03071437B23D}" srcOrd="3" destOrd="0" presId="urn:microsoft.com/office/officeart/2005/8/layout/hProcess9"/>
+    <dgm:cxn modelId="{0F4F0117-BC4D-41C1-B387-09851F7E0FA8}" type="presParOf" srcId="{EB1B2154-754B-41B0-8C7C-F30362B148E6}" destId="{98D50B15-5B6E-4D24-A417-862FB83A2A0B}" srcOrd="4" destOrd="0" presId="urn:microsoft.com/office/officeart/2005/8/layout/hProcess9"/>
+  </dgm:cxnLst>
+  <dgm:bg/>
+  <dgm:whole/>
+  <dgm:extLst>
+    <a:ext uri="http://schemas.microsoft.com/office/drawing/2008/diagram">
+      <dsp:dataModelExt xmlns:dsp="http://schemas.microsoft.com/office/drawing/2008/diagram" xmlns="" relId="rId6" minVer="http://schemas.openxmlformats.org/drawingml/2006/diagram"/>
+    </a:ext>
+  </dgm:extLst>
+</dgm:dataModel>
+</file>
+
+<file path=ppt/diagrams/drawing1.xml><?xml version="1.0" encoding="utf-8"?>
+<dsp:drawing xmlns:dgm="http://schemas.openxmlformats.org/drawingml/2006/diagram" xmlns:a="http://schemas.openxmlformats.org/drawingml/2006/main" xmlns:dsp="http://schemas.microsoft.com/office/drawing/2008/diagram">
+  <dsp:spTree>
+    <dsp:nvGrpSpPr>
+      <dsp:cNvPr id="0" name=""/>
+      <dsp:cNvGrpSpPr/>
+    </dsp:nvGrpSpPr>
+    <dsp:grpSpPr/>
+    <dsp:sp modelId="{F310BE7C-EF92-4CA5-8A8A-65E20338CEC1}">
+      <dsp:nvSpPr>
+        <dsp:cNvPr id="0" name=""/>
+        <dsp:cNvSpPr/>
+      </dsp:nvSpPr>
+      <dsp:spPr>
+        <a:xfrm rot="5400000">
+          <a:off x="-238868" y="239242"/>
+          <a:ext cx="1592456" cy="1114719"/>
+        </a:xfrm>
+        <a:prstGeom prst="chevron">
+          <a:avLst/>
+        </a:prstGeom>
+        <a:gradFill rotWithShape="0">
+          <a:gsLst>
+            <a:gs pos="0">
+              <a:schemeClr val="accent1">
+                <a:hueOff val="0"/>
+                <a:satOff val="0"/>
+                <a:lumOff val="0"/>
+                <a:alphaOff val="0"/>
+                <a:tint val="98000"/>
+                <a:shade val="25000"/>
+                <a:satMod val="250000"/>
+              </a:schemeClr>
+            </a:gs>
+            <a:gs pos="68000">
+              <a:schemeClr val="accent1">
+                <a:hueOff val="0"/>
+                <a:satOff val="0"/>
+                <a:lumOff val="0"/>
+                <a:alphaOff val="0"/>
+                <a:tint val="86000"/>
+                <a:satMod val="115000"/>
+              </a:schemeClr>
+            </a:gs>
+            <a:gs pos="100000">
+              <a:schemeClr val="accent1">
+                <a:hueOff val="0"/>
+                <a:satOff val="0"/>
+                <a:lumOff val="0"/>
+                <a:alphaOff val="0"/>
+                <a:tint val="50000"/>
+                <a:satMod val="150000"/>
+              </a:schemeClr>
+            </a:gs>
+          </a:gsLst>
+          <a:path path="circle">
+            <a:fillToRect l="50000" t="130000" r="50000" b="-30000"/>
+          </a:path>
+        </a:gradFill>
+        <a:ln w="9525" cap="flat" cmpd="sng" algn="ctr">
+          <a:solidFill>
+            <a:schemeClr val="accent1">
+              <a:hueOff val="0"/>
+              <a:satOff val="0"/>
+              <a:lumOff val="0"/>
+              <a:alphaOff val="0"/>
+            </a:schemeClr>
+          </a:solidFill>
+          <a:prstDash val="solid"/>
+        </a:ln>
+        <a:effectLst>
+          <a:outerShdw blurRad="57150" dist="38100" dir="5400000" algn="ctr" rotWithShape="0">
+            <a:schemeClr val="accent1">
+              <a:hueOff val="0"/>
+              <a:satOff val="0"/>
+              <a:lumOff val="0"/>
+              <a:alphaOff val="0"/>
+              <a:shade val="9000"/>
+              <a:satMod val="105000"/>
+              <a:alpha val="48000"/>
+            </a:schemeClr>
+          </a:outerShdw>
+        </a:effectLst>
+        <a:scene3d>
+          <a:camera prst="orthographicFront" fov="0">
+            <a:rot lat="0" lon="0" rev="0"/>
+          </a:camera>
+          <a:lightRig rig="glow" dir="tl">
+            <a:rot lat="0" lon="0" rev="900000"/>
+          </a:lightRig>
+        </a:scene3d>
+        <a:sp3d prstMaterial="powder">
+          <a:bevelT w="25400" h="38100"/>
+        </a:sp3d>
+      </dsp:spPr>
+      <dsp:style>
+        <a:lnRef idx="1">
+          <a:scrgbClr r="0" g="0" b="0"/>
+        </a:lnRef>
+        <a:fillRef idx="3">
+          <a:scrgbClr r="0" g="0" b="0"/>
+        </a:fillRef>
+        <a:effectRef idx="3">
+          <a:scrgbClr r="0" g="0" b="0"/>
+        </a:effectRef>
+        <a:fontRef idx="minor">
+          <a:schemeClr val="lt1"/>
+        </a:fontRef>
+      </dsp:style>
+      <dsp:txBody>
+        <a:bodyPr spcFirstLastPara="0" vert="horz" wrap="square" lIns="18415" tIns="18415" rIns="18415" bIns="18415" numCol="1" spcCol="1270" anchor="ctr" anchorCtr="0">
+          <a:noAutofit/>
+        </a:bodyPr>
+        <a:lstStyle/>
+        <a:p>
+          <a:pPr lvl="0" algn="ctr" defTabSz="1289050">
+            <a:lnSpc>
+              <a:spcPct val="90000"/>
+            </a:lnSpc>
+            <a:spcBef>
+              <a:spcPct val="0"/>
+            </a:spcBef>
+            <a:spcAft>
+              <a:spcPct val="35000"/>
+            </a:spcAft>
+          </a:pPr>
+          <a:r>
+            <a:rPr lang="zh-CN" altLang="en-US" sz="2900" kern="1200" dirty="0" smtClean="0"/>
+            <a:t>安防</a:t>
+          </a:r>
+          <a:endParaRPr lang="zh-CN" altLang="en-US" sz="2900" kern="1200" dirty="0"/>
+        </a:p>
+      </dsp:txBody>
+      <dsp:txXfrm rot="5400000">
+        <a:off x="-238868" y="239242"/>
+        <a:ext cx="1592456" cy="1114719"/>
+      </dsp:txXfrm>
+    </dsp:sp>
+    <dsp:sp modelId="{14E17743-6675-4C54-BCF6-82968E179CE6}">
+      <dsp:nvSpPr>
+        <dsp:cNvPr id="0" name=""/>
+        <dsp:cNvSpPr/>
+      </dsp:nvSpPr>
+      <dsp:spPr>
+        <a:xfrm rot="5400000">
+          <a:off x="4154611" y="-3039517"/>
+          <a:ext cx="1035096" cy="7114880"/>
+        </a:xfrm>
+        <a:prstGeom prst="round2SameRect">
+          <a:avLst/>
+        </a:prstGeom>
+        <a:solidFill>
+          <a:schemeClr val="lt1">
+            <a:alpha val="90000"/>
+            <a:hueOff val="0"/>
+            <a:satOff val="0"/>
+            <a:lumOff val="0"/>
+            <a:alphaOff val="0"/>
+          </a:schemeClr>
+        </a:solidFill>
+        <a:ln w="9525" cap="flat" cmpd="sng" algn="ctr">
+          <a:solidFill>
+            <a:schemeClr val="accent1">
+              <a:hueOff val="0"/>
+              <a:satOff val="0"/>
+              <a:lumOff val="0"/>
+              <a:alphaOff val="0"/>
+            </a:schemeClr>
+          </a:solidFill>
+          <a:prstDash val="solid"/>
+        </a:ln>
+        <a:effectLst>
+          <a:outerShdw blurRad="57150" dist="38100" dir="5400000" algn="ctr" rotWithShape="0">
+            <a:schemeClr val="lt1">
+              <a:alpha val="90000"/>
+              <a:hueOff val="0"/>
+              <a:satOff val="0"/>
+              <a:lumOff val="0"/>
+              <a:alphaOff val="0"/>
+              <a:shade val="9000"/>
+              <a:satMod val="105000"/>
+              <a:alpha val="48000"/>
+            </a:schemeClr>
+          </a:outerShdw>
+        </a:effectLst>
+      </dsp:spPr>
+      <dsp:style>
+        <a:lnRef idx="1">
+          <a:scrgbClr r="0" g="0" b="0"/>
+        </a:lnRef>
+        <a:fillRef idx="1">
+          <a:scrgbClr r="0" g="0" b="0"/>
+        </a:fillRef>
+        <a:effectRef idx="2">
+          <a:scrgbClr r="0" g="0" b="0"/>
+        </a:effectRef>
+        <a:fontRef idx="minor"/>
+      </dsp:style>
+      <dsp:txBody>
+        <a:bodyPr spcFirstLastPara="0" vert="horz" wrap="square" lIns="213360" tIns="19050" rIns="19050" bIns="19050" numCol="1" spcCol="1270" anchor="ctr" anchorCtr="0">
+          <a:noAutofit/>
+        </a:bodyPr>
+        <a:lstStyle/>
+        <a:p>
+          <a:pPr marL="285750" lvl="1" indent="-285750" algn="l" defTabSz="1333500">
+            <a:lnSpc>
+              <a:spcPct val="90000"/>
+            </a:lnSpc>
+            <a:spcBef>
+              <a:spcPct val="0"/>
+            </a:spcBef>
+            <a:spcAft>
+              <a:spcPct val="15000"/>
+            </a:spcAft>
+            <a:buChar char="••"/>
+          </a:pPr>
+          <a:r>
+            <a:rPr lang="zh-CN" sz="3000" kern="1200" dirty="0" smtClean="0"/>
+            <a:t>查看监控视频摘要信息，查找或者跟踪可疑运动事件。</a:t>
+          </a:r>
+          <a:endParaRPr lang="zh-CN" altLang="en-US" sz="3000" kern="1200" dirty="0"/>
+        </a:p>
+      </dsp:txBody>
+      <dsp:txXfrm rot="5400000">
+        <a:off x="4154611" y="-3039517"/>
+        <a:ext cx="1035096" cy="7114880"/>
+      </dsp:txXfrm>
+    </dsp:sp>
+    <dsp:sp modelId="{F2D415E3-9EEB-45C3-BD97-D78296F3D3D4}">
+      <dsp:nvSpPr>
+        <dsp:cNvPr id="0" name=""/>
+        <dsp:cNvSpPr/>
+      </dsp:nvSpPr>
+      <dsp:spPr>
+        <a:xfrm rot="5400000">
+          <a:off x="-238868" y="1637358"/>
+          <a:ext cx="1592456" cy="1114719"/>
+        </a:xfrm>
+        <a:prstGeom prst="chevron">
+          <a:avLst/>
+        </a:prstGeom>
+        <a:gradFill rotWithShape="0">
+          <a:gsLst>
+            <a:gs pos="0">
+              <a:schemeClr val="accent1">
+                <a:hueOff val="0"/>
+                <a:satOff val="0"/>
+                <a:lumOff val="0"/>
+                <a:alphaOff val="0"/>
+                <a:tint val="98000"/>
+                <a:shade val="25000"/>
+                <a:satMod val="250000"/>
+              </a:schemeClr>
+            </a:gs>
+            <a:gs pos="68000">
+              <a:schemeClr val="accent1">
+                <a:hueOff val="0"/>
+                <a:satOff val="0"/>
+                <a:lumOff val="0"/>
+                <a:alphaOff val="0"/>
+                <a:tint val="86000"/>
+                <a:satMod val="115000"/>
+              </a:schemeClr>
+            </a:gs>
+            <a:gs pos="100000">
+              <a:schemeClr val="accent1">
+                <a:hueOff val="0"/>
+                <a:satOff val="0"/>
+                <a:lumOff val="0"/>
+                <a:alphaOff val="0"/>
+                <a:tint val="50000"/>
+                <a:satMod val="150000"/>
+              </a:schemeClr>
+            </a:gs>
+          </a:gsLst>
+          <a:path path="circle">
+            <a:fillToRect l="50000" t="130000" r="50000" b="-30000"/>
+          </a:path>
+        </a:gradFill>
+        <a:ln w="9525" cap="flat" cmpd="sng" algn="ctr">
+          <a:solidFill>
+            <a:schemeClr val="accent1">
+              <a:hueOff val="0"/>
+              <a:satOff val="0"/>
+              <a:lumOff val="0"/>
+              <a:alphaOff val="0"/>
+            </a:schemeClr>
+          </a:solidFill>
+          <a:prstDash val="solid"/>
+        </a:ln>
+        <a:effectLst>
+          <a:outerShdw blurRad="57150" dist="38100" dir="5400000" algn="ctr" rotWithShape="0">
+            <a:schemeClr val="accent1">
+              <a:hueOff val="0"/>
+              <a:satOff val="0"/>
+              <a:lumOff val="0"/>
+              <a:alphaOff val="0"/>
+              <a:shade val="9000"/>
+              <a:satMod val="105000"/>
+              <a:alpha val="48000"/>
+            </a:schemeClr>
+          </a:outerShdw>
+        </a:effectLst>
+        <a:scene3d>
+          <a:camera prst="orthographicFront" fov="0">
+            <a:rot lat="0" lon="0" rev="0"/>
+          </a:camera>
+          <a:lightRig rig="glow" dir="tl">
+            <a:rot lat="0" lon="0" rev="900000"/>
+          </a:lightRig>
+        </a:scene3d>
+        <a:sp3d prstMaterial="powder">
+          <a:bevelT w="25400" h="38100"/>
+        </a:sp3d>
+      </dsp:spPr>
+      <dsp:style>
+        <a:lnRef idx="1">
+          <a:scrgbClr r="0" g="0" b="0"/>
+        </a:lnRef>
+        <a:fillRef idx="3">
+          <a:scrgbClr r="0" g="0" b="0"/>
+        </a:fillRef>
+        <a:effectRef idx="3">
+          <a:scrgbClr r="0" g="0" b="0"/>
+        </a:effectRef>
+        <a:fontRef idx="minor">
+          <a:schemeClr val="lt1"/>
+        </a:fontRef>
+      </dsp:style>
+      <dsp:txBody>
+        <a:bodyPr spcFirstLastPara="0" vert="horz" wrap="square" lIns="18415" tIns="18415" rIns="18415" bIns="18415" numCol="1" spcCol="1270" anchor="ctr" anchorCtr="0">
+          <a:noAutofit/>
+        </a:bodyPr>
+        <a:lstStyle/>
+        <a:p>
+          <a:pPr lvl="0" algn="ctr" defTabSz="1289050">
+            <a:lnSpc>
+              <a:spcPct val="90000"/>
+            </a:lnSpc>
+            <a:spcBef>
+              <a:spcPct val="0"/>
+            </a:spcBef>
+            <a:spcAft>
+              <a:spcPct val="35000"/>
+            </a:spcAft>
+          </a:pPr>
+          <a:r>
+            <a:rPr lang="zh-CN" altLang="en-US" sz="2900" kern="1200" dirty="0" smtClean="0"/>
+            <a:t>交通</a:t>
+          </a:r>
+          <a:endParaRPr lang="zh-CN" altLang="en-US" sz="2900" kern="1200" dirty="0"/>
+        </a:p>
+      </dsp:txBody>
+      <dsp:txXfrm rot="5400000">
+        <a:off x="-238868" y="1637358"/>
+        <a:ext cx="1592456" cy="1114719"/>
+      </dsp:txXfrm>
+    </dsp:sp>
+    <dsp:sp modelId="{0915FB7D-A834-49EB-ACB6-969190B01BB9}">
+      <dsp:nvSpPr>
+        <dsp:cNvPr id="0" name=""/>
+        <dsp:cNvSpPr/>
+      </dsp:nvSpPr>
+      <dsp:spPr>
+        <a:xfrm rot="5400000">
+          <a:off x="4154611" y="-1641401"/>
+          <a:ext cx="1035096" cy="7114880"/>
+        </a:xfrm>
+        <a:prstGeom prst="round2SameRect">
+          <a:avLst/>
+        </a:prstGeom>
+        <a:solidFill>
+          <a:schemeClr val="lt1">
+            <a:alpha val="90000"/>
+            <a:hueOff val="0"/>
+            <a:satOff val="0"/>
+            <a:lumOff val="0"/>
+            <a:alphaOff val="0"/>
+          </a:schemeClr>
+        </a:solidFill>
+        <a:ln w="9525" cap="flat" cmpd="sng" algn="ctr">
+          <a:solidFill>
+            <a:schemeClr val="accent1">
+              <a:hueOff val="0"/>
+              <a:satOff val="0"/>
+              <a:lumOff val="0"/>
+              <a:alphaOff val="0"/>
+            </a:schemeClr>
+          </a:solidFill>
+          <a:prstDash val="solid"/>
+        </a:ln>
+        <a:effectLst>
+          <a:outerShdw blurRad="57150" dist="38100" dir="5400000" algn="ctr" rotWithShape="0">
+            <a:schemeClr val="lt1">
+              <a:alpha val="90000"/>
+              <a:hueOff val="0"/>
+              <a:satOff val="0"/>
+              <a:lumOff val="0"/>
+              <a:alphaOff val="0"/>
+              <a:shade val="9000"/>
+              <a:satMod val="105000"/>
+              <a:alpha val="48000"/>
+            </a:schemeClr>
+          </a:outerShdw>
+        </a:effectLst>
+      </dsp:spPr>
+      <dsp:style>
+        <a:lnRef idx="1">
+          <a:scrgbClr r="0" g="0" b="0"/>
+        </a:lnRef>
+        <a:fillRef idx="1">
+          <a:scrgbClr r="0" g="0" b="0"/>
+        </a:fillRef>
+        <a:effectRef idx="2">
+          <a:scrgbClr r="0" g="0" b="0"/>
+        </a:effectRef>
+        <a:fontRef idx="minor"/>
+      </dsp:style>
+      <dsp:txBody>
+        <a:bodyPr spcFirstLastPara="0" vert="horz" wrap="square" lIns="213360" tIns="19050" rIns="19050" bIns="19050" numCol="1" spcCol="1270" anchor="ctr" anchorCtr="0">
+          <a:noAutofit/>
+        </a:bodyPr>
+        <a:lstStyle/>
+        <a:p>
+          <a:pPr marL="285750" lvl="1" indent="-285750" algn="l" defTabSz="1333500">
+            <a:lnSpc>
+              <a:spcPct val="90000"/>
+            </a:lnSpc>
+            <a:spcBef>
+              <a:spcPct val="0"/>
+            </a:spcBef>
+            <a:spcAft>
+              <a:spcPct val="15000"/>
+            </a:spcAft>
+            <a:buChar char="••"/>
+          </a:pPr>
+          <a:r>
+            <a:rPr lang="zh-CN" sz="3000" kern="1200" dirty="0" smtClean="0"/>
+            <a:t>快速浏览通过车辆，寻找自己感兴趣的车辆目标。</a:t>
+          </a:r>
+          <a:endParaRPr lang="zh-CN" altLang="en-US" sz="3000" kern="1200" dirty="0"/>
+        </a:p>
+      </dsp:txBody>
+      <dsp:txXfrm rot="5400000">
+        <a:off x="4154611" y="-1641401"/>
+        <a:ext cx="1035096" cy="7114880"/>
+      </dsp:txXfrm>
+    </dsp:sp>
+    <dsp:sp modelId="{CAAFE378-CE04-4999-B139-19A44AE18F83}">
+      <dsp:nvSpPr>
+        <dsp:cNvPr id="0" name=""/>
+        <dsp:cNvSpPr/>
+      </dsp:nvSpPr>
+      <dsp:spPr>
+        <a:xfrm rot="5400000">
+          <a:off x="-238868" y="3035474"/>
+          <a:ext cx="1592456" cy="1114719"/>
+        </a:xfrm>
+        <a:prstGeom prst="chevron">
+          <a:avLst/>
+        </a:prstGeom>
+        <a:gradFill rotWithShape="0">
+          <a:gsLst>
+            <a:gs pos="0">
+              <a:schemeClr val="accent1">
+                <a:hueOff val="0"/>
+                <a:satOff val="0"/>
+                <a:lumOff val="0"/>
+                <a:alphaOff val="0"/>
+                <a:tint val="98000"/>
+                <a:shade val="25000"/>
+                <a:satMod val="250000"/>
+              </a:schemeClr>
+            </a:gs>
+            <a:gs pos="68000">
+              <a:schemeClr val="accent1">
+                <a:hueOff val="0"/>
+                <a:satOff val="0"/>
+                <a:lumOff val="0"/>
+                <a:alphaOff val="0"/>
+                <a:tint val="86000"/>
+                <a:satMod val="115000"/>
+              </a:schemeClr>
+            </a:gs>
+            <a:gs pos="100000">
+              <a:schemeClr val="accent1">
+                <a:hueOff val="0"/>
+                <a:satOff val="0"/>
+                <a:lumOff val="0"/>
+                <a:alphaOff val="0"/>
+                <a:tint val="50000"/>
+                <a:satMod val="150000"/>
+              </a:schemeClr>
+            </a:gs>
+          </a:gsLst>
+          <a:path path="circle">
+            <a:fillToRect l="50000" t="130000" r="50000" b="-30000"/>
+          </a:path>
+        </a:gradFill>
+        <a:ln w="9525" cap="flat" cmpd="sng" algn="ctr">
+          <a:solidFill>
+            <a:schemeClr val="accent1">
+              <a:hueOff val="0"/>
+              <a:satOff val="0"/>
+              <a:lumOff val="0"/>
+              <a:alphaOff val="0"/>
+            </a:schemeClr>
+          </a:solidFill>
+          <a:prstDash val="solid"/>
+        </a:ln>
+        <a:effectLst>
+          <a:outerShdw blurRad="57150" dist="38100" dir="5400000" algn="ctr" rotWithShape="0">
+            <a:schemeClr val="accent1">
+              <a:hueOff val="0"/>
+              <a:satOff val="0"/>
+              <a:lumOff val="0"/>
+              <a:alphaOff val="0"/>
+              <a:shade val="9000"/>
+              <a:satMod val="105000"/>
+              <a:alpha val="48000"/>
+            </a:schemeClr>
+          </a:outerShdw>
+        </a:effectLst>
+        <a:scene3d>
+          <a:camera prst="orthographicFront" fov="0">
+            <a:rot lat="0" lon="0" rev="0"/>
+          </a:camera>
+          <a:lightRig rig="glow" dir="tl">
+            <a:rot lat="0" lon="0" rev="900000"/>
+          </a:lightRig>
+        </a:scene3d>
+        <a:sp3d prstMaterial="powder">
+          <a:bevelT w="25400" h="38100"/>
+        </a:sp3d>
+      </dsp:spPr>
+      <dsp:style>
+        <a:lnRef idx="1">
+          <a:scrgbClr r="0" g="0" b="0"/>
+        </a:lnRef>
+        <a:fillRef idx="3">
+          <a:scrgbClr r="0" g="0" b="0"/>
+        </a:fillRef>
+        <a:effectRef idx="3">
+          <a:scrgbClr r="0" g="0" b="0"/>
+        </a:effectRef>
+        <a:fontRef idx="minor">
+          <a:schemeClr val="lt1"/>
+        </a:fontRef>
+      </dsp:style>
+      <dsp:txBody>
+        <a:bodyPr spcFirstLastPara="0" vert="horz" wrap="square" lIns="18415" tIns="18415" rIns="18415" bIns="18415" numCol="1" spcCol="1270" anchor="ctr" anchorCtr="0">
+          <a:noAutofit/>
+        </a:bodyPr>
+        <a:lstStyle/>
+        <a:p>
+          <a:pPr lvl="0" algn="ctr" defTabSz="1289050">
+            <a:lnSpc>
+              <a:spcPct val="90000"/>
+            </a:lnSpc>
+            <a:spcBef>
+              <a:spcPct val="0"/>
+            </a:spcBef>
+            <a:spcAft>
+              <a:spcPct val="35000"/>
+            </a:spcAft>
+          </a:pPr>
+          <a:r>
+            <a:rPr lang="zh-CN" altLang="en-US" sz="2900" kern="1200" dirty="0" smtClean="0"/>
+            <a:t>破案</a:t>
+          </a:r>
+          <a:endParaRPr lang="zh-CN" altLang="en-US" sz="2900" kern="1200" dirty="0"/>
+        </a:p>
+      </dsp:txBody>
+      <dsp:txXfrm rot="5400000">
+        <a:off x="-238868" y="3035474"/>
+        <a:ext cx="1592456" cy="1114719"/>
+      </dsp:txXfrm>
+    </dsp:sp>
+    <dsp:sp modelId="{46D78B52-FC8A-4838-8A0E-5E79546FC54F}">
+      <dsp:nvSpPr>
+        <dsp:cNvPr id="0" name=""/>
+        <dsp:cNvSpPr/>
+      </dsp:nvSpPr>
+      <dsp:spPr>
+        <a:xfrm rot="5400000">
+          <a:off x="4154611" y="-243285"/>
+          <a:ext cx="1035096" cy="7114880"/>
+        </a:xfrm>
+        <a:prstGeom prst="round2SameRect">
+          <a:avLst/>
+        </a:prstGeom>
+        <a:solidFill>
+          <a:schemeClr val="lt1">
+            <a:alpha val="90000"/>
+            <a:hueOff val="0"/>
+            <a:satOff val="0"/>
+            <a:lumOff val="0"/>
+            <a:alphaOff val="0"/>
+          </a:schemeClr>
+        </a:solidFill>
+        <a:ln w="9525" cap="flat" cmpd="sng" algn="ctr">
+          <a:solidFill>
+            <a:schemeClr val="accent1">
+              <a:hueOff val="0"/>
+              <a:satOff val="0"/>
+              <a:lumOff val="0"/>
+              <a:alphaOff val="0"/>
+            </a:schemeClr>
+          </a:solidFill>
+          <a:prstDash val="solid"/>
+        </a:ln>
+        <a:effectLst>
+          <a:outerShdw blurRad="57150" dist="38100" dir="5400000" algn="ctr" rotWithShape="0">
+            <a:schemeClr val="lt1">
+              <a:alpha val="90000"/>
+              <a:hueOff val="0"/>
+              <a:satOff val="0"/>
+              <a:lumOff val="0"/>
+              <a:alphaOff val="0"/>
+              <a:shade val="9000"/>
+              <a:satMod val="105000"/>
+              <a:alpha val="48000"/>
+            </a:schemeClr>
+          </a:outerShdw>
+        </a:effectLst>
+      </dsp:spPr>
+      <dsp:style>
+        <a:lnRef idx="1">
+          <a:scrgbClr r="0" g="0" b="0"/>
+        </a:lnRef>
+        <a:fillRef idx="1">
+          <a:scrgbClr r="0" g="0" b="0"/>
+        </a:fillRef>
+        <a:effectRef idx="2">
+          <a:scrgbClr r="0" g="0" b="0"/>
+        </a:effectRef>
+        <a:fontRef idx="minor"/>
+      </dsp:style>
+      <dsp:txBody>
+        <a:bodyPr spcFirstLastPara="0" vert="horz" wrap="square" lIns="213360" tIns="19050" rIns="19050" bIns="19050" numCol="1" spcCol="1270" anchor="ctr" anchorCtr="0">
+          <a:noAutofit/>
+        </a:bodyPr>
+        <a:lstStyle/>
+        <a:p>
+          <a:pPr marL="285750" lvl="1" indent="-285750" algn="l" defTabSz="1333500">
+            <a:lnSpc>
+              <a:spcPct val="90000"/>
+            </a:lnSpc>
+            <a:spcBef>
+              <a:spcPct val="0"/>
+            </a:spcBef>
+            <a:spcAft>
+              <a:spcPct val="15000"/>
+            </a:spcAft>
+            <a:buChar char="••"/>
+          </a:pPr>
+          <a:r>
+            <a:rPr lang="zh-CN" sz="3000" kern="1200" dirty="0" smtClean="0"/>
+            <a:t>帮助警方快速提取视频关键摘要事件信息。</a:t>
+          </a:r>
+          <a:endParaRPr lang="zh-CN" altLang="en-US" sz="3000" kern="1200" dirty="0"/>
+        </a:p>
+      </dsp:txBody>
+      <dsp:txXfrm rot="5400000">
+        <a:off x="4154611" y="-243285"/>
+        <a:ext cx="1035096" cy="7114880"/>
+      </dsp:txXfrm>
+    </dsp:sp>
+  </dsp:spTree>
+</dsp:drawing>
+</file>
+
+<file path=ppt/diagrams/drawing2.xml><?xml version="1.0" encoding="utf-8"?>
+<dsp:drawing xmlns:dgm="http://schemas.openxmlformats.org/drawingml/2006/diagram" xmlns:a="http://schemas.openxmlformats.org/drawingml/2006/main" xmlns:dsp="http://schemas.microsoft.com/office/drawing/2008/diagram">
+  <dsp:spTree>
+    <dsp:nvGrpSpPr>
+      <dsp:cNvPr id="0" name=""/>
+      <dsp:cNvGrpSpPr/>
+    </dsp:nvGrpSpPr>
+    <dsp:grpSpPr/>
+    <dsp:sp modelId="{F9B57240-9699-4813-A3D9-ECFC7DA25DD2}">
+      <dsp:nvSpPr>
+        <dsp:cNvPr id="0" name=""/>
+        <dsp:cNvSpPr/>
+      </dsp:nvSpPr>
+      <dsp:spPr>
+        <a:xfrm>
+          <a:off x="617219" y="0"/>
+          <a:ext cx="6995160" cy="4389437"/>
+        </a:xfrm>
+        <a:prstGeom prst="rightArrow">
+          <a:avLst/>
+        </a:prstGeom>
+        <a:solidFill>
+          <a:schemeClr val="accent1">
+            <a:tint val="40000"/>
+            <a:hueOff val="0"/>
+            <a:satOff val="0"/>
+            <a:lumOff val="0"/>
+            <a:alphaOff val="0"/>
+          </a:schemeClr>
+        </a:solidFill>
+        <a:ln>
+          <a:noFill/>
+        </a:ln>
+        <a:effectLst/>
+      </dsp:spPr>
+      <dsp:style>
+        <a:lnRef idx="0">
+          <a:scrgbClr r="0" g="0" b="0"/>
+        </a:lnRef>
+        <a:fillRef idx="1">
+          <a:scrgbClr r="0" g="0" b="0"/>
+        </a:fillRef>
+        <a:effectRef idx="0">
+          <a:scrgbClr r="0" g="0" b="0"/>
+        </a:effectRef>
+        <a:fontRef idx="minor"/>
+      </dsp:style>
+    </dsp:sp>
+    <dsp:sp modelId="{3037CB55-5BEE-4164-BFD4-D799C0D9BE90}">
+      <dsp:nvSpPr>
+        <dsp:cNvPr id="0" name=""/>
+        <dsp:cNvSpPr/>
+      </dsp:nvSpPr>
+      <dsp:spPr>
+        <a:xfrm>
+          <a:off x="146268" y="1316831"/>
+          <a:ext cx="2468880" cy="1755774"/>
+        </a:xfrm>
+        <a:prstGeom prst="roundRect">
+          <a:avLst/>
+        </a:prstGeom>
+        <a:solidFill>
+          <a:schemeClr val="accent1">
+            <a:hueOff val="0"/>
+            <a:satOff val="0"/>
+            <a:lumOff val="0"/>
+            <a:alphaOff val="0"/>
+          </a:schemeClr>
+        </a:solidFill>
+        <a:ln w="25400" cap="flat" cmpd="sng" algn="ctr">
+          <a:solidFill>
+            <a:schemeClr val="lt1">
+              <a:hueOff val="0"/>
+              <a:satOff val="0"/>
+              <a:lumOff val="0"/>
+              <a:alphaOff val="0"/>
+            </a:schemeClr>
+          </a:solidFill>
+          <a:prstDash val="solid"/>
+        </a:ln>
+        <a:effectLst/>
+      </dsp:spPr>
+      <dsp:style>
+        <a:lnRef idx="2">
+          <a:scrgbClr r="0" g="0" b="0"/>
+        </a:lnRef>
+        <a:fillRef idx="1">
+          <a:scrgbClr r="0" g="0" b="0"/>
+        </a:fillRef>
+        <a:effectRef idx="0">
+          <a:scrgbClr r="0" g="0" b="0"/>
+        </a:effectRef>
+        <a:fontRef idx="minor">
+          <a:schemeClr val="lt1"/>
+        </a:fontRef>
+      </dsp:style>
+      <dsp:txBody>
+        <a:bodyPr spcFirstLastPara="0" vert="horz" wrap="square" lIns="160020" tIns="160020" rIns="160020" bIns="160020" numCol="1" spcCol="1270" anchor="ctr" anchorCtr="0">
+          <a:noAutofit/>
+        </a:bodyPr>
+        <a:lstStyle/>
+        <a:p>
+          <a:pPr lvl="0" algn="ctr" defTabSz="1866900">
+            <a:lnSpc>
+              <a:spcPct val="90000"/>
+            </a:lnSpc>
+            <a:spcBef>
+              <a:spcPct val="0"/>
+            </a:spcBef>
+            <a:spcAft>
+              <a:spcPct val="35000"/>
+            </a:spcAft>
+          </a:pPr>
+          <a:r>
+            <a:rPr lang="zh-CN" altLang="en-US" sz="4200" kern="1200" dirty="0" smtClean="0"/>
+            <a:t>源视频</a:t>
+          </a:r>
+          <a:endParaRPr lang="zh-CN" altLang="en-US" sz="4200" kern="1200" dirty="0"/>
+        </a:p>
+      </dsp:txBody>
+      <dsp:txXfrm>
+        <a:off x="146268" y="1316831"/>
+        <a:ext cx="2468880" cy="1755774"/>
+      </dsp:txXfrm>
+    </dsp:sp>
+    <dsp:sp modelId="{80833226-5955-42A2-ABA7-A17A54342038}">
+      <dsp:nvSpPr>
+        <dsp:cNvPr id="0" name=""/>
+        <dsp:cNvSpPr/>
+      </dsp:nvSpPr>
+      <dsp:spPr>
+        <a:xfrm>
+          <a:off x="2880360" y="1316831"/>
+          <a:ext cx="2468880" cy="1755774"/>
+        </a:xfrm>
+        <a:prstGeom prst="roundRect">
+          <a:avLst/>
+        </a:prstGeom>
+        <a:solidFill>
+          <a:schemeClr val="accent1">
+            <a:hueOff val="0"/>
+            <a:satOff val="0"/>
+            <a:lumOff val="0"/>
+            <a:alphaOff val="0"/>
+          </a:schemeClr>
+        </a:solidFill>
+        <a:ln w="25400" cap="flat" cmpd="sng" algn="ctr">
+          <a:solidFill>
+            <a:schemeClr val="lt1">
+              <a:hueOff val="0"/>
+              <a:satOff val="0"/>
+              <a:lumOff val="0"/>
+              <a:alphaOff val="0"/>
+            </a:schemeClr>
+          </a:solidFill>
+          <a:prstDash val="solid"/>
+        </a:ln>
+        <a:effectLst/>
+      </dsp:spPr>
+      <dsp:style>
+        <a:lnRef idx="2">
+          <a:scrgbClr r="0" g="0" b="0"/>
+        </a:lnRef>
+        <a:fillRef idx="1">
+          <a:scrgbClr r="0" g="0" b="0"/>
+        </a:fillRef>
+        <a:effectRef idx="0">
+          <a:scrgbClr r="0" g="0" b="0"/>
+        </a:effectRef>
+        <a:fontRef idx="minor">
+          <a:schemeClr val="lt1"/>
+        </a:fontRef>
+      </dsp:style>
+      <dsp:txBody>
+        <a:bodyPr spcFirstLastPara="0" vert="horz" wrap="square" lIns="160020" tIns="160020" rIns="160020" bIns="160020" numCol="1" spcCol="1270" anchor="ctr" anchorCtr="0">
+          <a:noAutofit/>
+        </a:bodyPr>
+        <a:lstStyle/>
+        <a:p>
+          <a:pPr lvl="0" algn="ctr" defTabSz="1866900">
+            <a:lnSpc>
+              <a:spcPct val="90000"/>
+            </a:lnSpc>
+            <a:spcBef>
+              <a:spcPct val="0"/>
+            </a:spcBef>
+            <a:spcAft>
+              <a:spcPct val="35000"/>
+            </a:spcAft>
+          </a:pPr>
+          <a:r>
+            <a:rPr lang="zh-CN" altLang="en-US" sz="4200" kern="1200" dirty="0" smtClean="0"/>
+            <a:t>摘要提取</a:t>
+          </a:r>
+          <a:endParaRPr lang="zh-CN" altLang="en-US" sz="4200" kern="1200" dirty="0"/>
+        </a:p>
+      </dsp:txBody>
+      <dsp:txXfrm>
+        <a:off x="2880360" y="1316831"/>
+        <a:ext cx="2468880" cy="1755774"/>
+      </dsp:txXfrm>
+    </dsp:sp>
+    <dsp:sp modelId="{98D50B15-5B6E-4D24-A417-862FB83A2A0B}">
+      <dsp:nvSpPr>
+        <dsp:cNvPr id="0" name=""/>
+        <dsp:cNvSpPr/>
+      </dsp:nvSpPr>
+      <dsp:spPr>
+        <a:xfrm>
+          <a:off x="5614451" y="1316831"/>
+          <a:ext cx="2468880" cy="1755774"/>
+        </a:xfrm>
+        <a:prstGeom prst="roundRect">
+          <a:avLst/>
+        </a:prstGeom>
+        <a:solidFill>
+          <a:schemeClr val="accent1">
+            <a:hueOff val="0"/>
+            <a:satOff val="0"/>
+            <a:lumOff val="0"/>
+            <a:alphaOff val="0"/>
+          </a:schemeClr>
+        </a:solidFill>
+        <a:ln w="25400" cap="flat" cmpd="sng" algn="ctr">
+          <a:solidFill>
+            <a:schemeClr val="lt1">
+              <a:hueOff val="0"/>
+              <a:satOff val="0"/>
+              <a:lumOff val="0"/>
+              <a:alphaOff val="0"/>
+            </a:schemeClr>
+          </a:solidFill>
+          <a:prstDash val="solid"/>
+        </a:ln>
+        <a:effectLst/>
+      </dsp:spPr>
+      <dsp:style>
+        <a:lnRef idx="2">
+          <a:scrgbClr r="0" g="0" b="0"/>
+        </a:lnRef>
+        <a:fillRef idx="1">
+          <a:scrgbClr r="0" g="0" b="0"/>
+        </a:fillRef>
+        <a:effectRef idx="0">
+          <a:scrgbClr r="0" g="0" b="0"/>
+        </a:effectRef>
+        <a:fontRef idx="minor">
+          <a:schemeClr val="lt1"/>
+        </a:fontRef>
+      </dsp:style>
+      <dsp:txBody>
+        <a:bodyPr spcFirstLastPara="0" vert="horz" wrap="square" lIns="160020" tIns="160020" rIns="160020" bIns="160020" numCol="1" spcCol="1270" anchor="ctr" anchorCtr="0">
+          <a:noAutofit/>
+        </a:bodyPr>
+        <a:lstStyle/>
+        <a:p>
+          <a:pPr lvl="0" algn="ctr" defTabSz="1866900">
+            <a:lnSpc>
+              <a:spcPct val="90000"/>
+            </a:lnSpc>
+            <a:spcBef>
+              <a:spcPct val="0"/>
+            </a:spcBef>
+            <a:spcAft>
+              <a:spcPct val="35000"/>
+            </a:spcAft>
+          </a:pPr>
+          <a:r>
+            <a:rPr lang="zh-CN" altLang="en-US" sz="4200" kern="1200" dirty="0" smtClean="0"/>
+            <a:t>摘要视频</a:t>
+          </a:r>
+          <a:endParaRPr lang="zh-CN" altLang="en-US" sz="4200" kern="1200" dirty="0"/>
+        </a:p>
+      </dsp:txBody>
+      <dsp:txXfrm>
+        <a:off x="5614451" y="1316831"/>
+        <a:ext cx="2468880" cy="1755774"/>
+      </dsp:txXfrm>
+    </dsp:sp>
+  </dsp:spTree>
+</dsp:drawing>
 </file>
 
 <file path=ppt/diagrams/layout1.xml><?xml version="1.0" encoding="utf-8"?>
@@ -1493,6 +3387,160 @@
 </dgm:layoutDef>
 </file>
 
+<file path=ppt/diagrams/layout2.xml><?xml version="1.0" encoding="utf-8"?>
+<dgm:layoutDef xmlns:dgm="http://schemas.openxmlformats.org/drawingml/2006/diagram" xmlns:a="http://schemas.openxmlformats.org/drawingml/2006/main" uniqueId="urn:microsoft.com/office/officeart/2005/8/layout/hProcess9">
+  <dgm:title val=""/>
+  <dgm:desc val=""/>
+  <dgm:catLst>
+    <dgm:cat type="process" pri="5000"/>
+    <dgm:cat type="convert" pri="13000"/>
+  </dgm:catLst>
+  <dgm:sampData useDef="1">
+    <dgm:dataModel>
+      <dgm:ptLst/>
+      <dgm:bg/>
+      <dgm:whole/>
+    </dgm:dataModel>
+  </dgm:sampData>
+  <dgm:styleData>
+    <dgm:dataModel>
+      <dgm:ptLst>
+        <dgm:pt modelId="0" type="doc"/>
+        <dgm:pt modelId="1"/>
+        <dgm:pt modelId="2"/>
+      </dgm:ptLst>
+      <dgm:cxnLst>
+        <dgm:cxn modelId="3" srcId="0" destId="1" srcOrd="0" destOrd="0"/>
+        <dgm:cxn modelId="4" srcId="0" destId="2" srcOrd="1" destOrd="0"/>
+      </dgm:cxnLst>
+      <dgm:bg/>
+      <dgm:whole/>
+    </dgm:dataModel>
+  </dgm:styleData>
+  <dgm:clrData>
+    <dgm:dataModel>
+      <dgm:ptLst>
+        <dgm:pt modelId="0" type="doc"/>
+        <dgm:pt modelId="1"/>
+        <dgm:pt modelId="2"/>
+        <dgm:pt modelId="3"/>
+        <dgm:pt modelId="4"/>
+      </dgm:ptLst>
+      <dgm:cxnLst>
+        <dgm:cxn modelId="5" srcId="0" destId="1" srcOrd="0" destOrd="0"/>
+        <dgm:cxn modelId="6" srcId="0" destId="2" srcOrd="1" destOrd="0"/>
+        <dgm:cxn modelId="7" srcId="0" destId="3" srcOrd="2" destOrd="0"/>
+        <dgm:cxn modelId="8" srcId="0" destId="4" srcOrd="3" destOrd="0"/>
+      </dgm:cxnLst>
+      <dgm:bg/>
+      <dgm:whole/>
+    </dgm:dataModel>
+  </dgm:clrData>
+  <dgm:layoutNode name="CompostProcess">
+    <dgm:varLst>
+      <dgm:dir/>
+      <dgm:resizeHandles val="exact"/>
+    </dgm:varLst>
+    <dgm:alg type="composite">
+      <dgm:param type="horzAlign" val="ctr"/>
+      <dgm:param type="vertAlign" val="mid"/>
+    </dgm:alg>
+    <dgm:shape xmlns:r="http://schemas.openxmlformats.org/officeDocument/2006/relationships" r:blip="">
+      <dgm:adjLst/>
+    </dgm:shape>
+    <dgm:presOf/>
+    <dgm:constrLst>
+      <dgm:constr type="w" for="ch" forName="arrow" refType="w" fact="0.85"/>
+      <dgm:constr type="h" for="ch" forName="arrow" refType="h"/>
+      <dgm:constr type="ctrX" for="ch" forName="arrow" refType="w" fact="0.5"/>
+      <dgm:constr type="ctrY" for="ch" forName="arrow" refType="h" fact="0.5"/>
+      <dgm:constr type="w" for="ch" forName="linearProcess" refType="w"/>
+      <dgm:constr type="h" for="ch" forName="linearProcess" refType="h" fact="0.4"/>
+      <dgm:constr type="ctrX" for="ch" forName="linearProcess" refType="w" fact="0.5"/>
+      <dgm:constr type="ctrY" for="ch" forName="linearProcess" refType="h" fact="0.5"/>
+    </dgm:constrLst>
+    <dgm:ruleLst/>
+    <dgm:layoutNode name="arrow" styleLbl="bgShp">
+      <dgm:alg type="sp"/>
+      <dgm:choose name="Name0">
+        <dgm:if name="Name1" func="var" arg="dir" op="equ" val="norm">
+          <dgm:shape xmlns:r="http://schemas.openxmlformats.org/officeDocument/2006/relationships" type="rightArrow" r:blip="">
+            <dgm:adjLst/>
+          </dgm:shape>
+        </dgm:if>
+        <dgm:else name="Name2">
+          <dgm:shape xmlns:r="http://schemas.openxmlformats.org/officeDocument/2006/relationships" type="leftArrow" r:blip="">
+            <dgm:adjLst/>
+          </dgm:shape>
+        </dgm:else>
+      </dgm:choose>
+      <dgm:presOf/>
+      <dgm:constrLst/>
+      <dgm:ruleLst/>
+    </dgm:layoutNode>
+    <dgm:layoutNode name="linearProcess">
+      <dgm:choose name="Name3">
+        <dgm:if name="Name4" func="var" arg="dir" op="equ" val="norm">
+          <dgm:alg type="lin"/>
+        </dgm:if>
+        <dgm:else name="Name5">
+          <dgm:alg type="lin">
+            <dgm:param type="linDir" val="fromR"/>
+          </dgm:alg>
+        </dgm:else>
+      </dgm:choose>
+      <dgm:shape xmlns:r="http://schemas.openxmlformats.org/officeDocument/2006/relationships" r:blip="">
+        <dgm:adjLst/>
+      </dgm:shape>
+      <dgm:presOf/>
+      <dgm:constrLst>
+        <dgm:constr type="userA" for="ch" ptType="node" refType="w"/>
+        <dgm:constr type="h" for="ch" ptType="node" refType="h"/>
+        <dgm:constr type="w" for="ch" ptType="node" op="equ"/>
+        <dgm:constr type="w" for="ch" forName="sibTrans" refType="w" fact="0.05"/>
+        <dgm:constr type="primFontSz" for="ch" ptType="node" op="equ" val="65"/>
+      </dgm:constrLst>
+      <dgm:ruleLst/>
+      <dgm:forEach name="Name6" axis="ch" ptType="node">
+        <dgm:layoutNode name="textNode" styleLbl="node1">
+          <dgm:varLst>
+            <dgm:bulletEnabled val="1"/>
+          </dgm:varLst>
+          <dgm:alg type="tx"/>
+          <dgm:shape xmlns:r="http://schemas.openxmlformats.org/officeDocument/2006/relationships" type="roundRect" r:blip="">
+            <dgm:adjLst/>
+          </dgm:shape>
+          <dgm:presOf axis="desOrSelf" ptType="node"/>
+          <dgm:constrLst>
+            <dgm:constr type="userA"/>
+            <dgm:constr type="w" refType="userA" fact="0.3"/>
+            <dgm:constr type="tMarg" refType="primFontSz" fact="0.3"/>
+            <dgm:constr type="bMarg" refType="primFontSz" fact="0.3"/>
+            <dgm:constr type="lMarg" refType="primFontSz" fact="0.3"/>
+            <dgm:constr type="rMarg" refType="primFontSz" fact="0.3"/>
+          </dgm:constrLst>
+          <dgm:ruleLst>
+            <dgm:rule type="w" val="NaN" fact="1" max="NaN"/>
+            <dgm:rule type="primFontSz" val="5" fact="NaN" max="NaN"/>
+          </dgm:ruleLst>
+        </dgm:layoutNode>
+        <dgm:forEach name="Name7" axis="followSib" ptType="sibTrans" cnt="1">
+          <dgm:layoutNode name="sibTrans">
+            <dgm:alg type="sp"/>
+            <dgm:shape xmlns:r="http://schemas.openxmlformats.org/officeDocument/2006/relationships" r:blip="">
+              <dgm:adjLst/>
+            </dgm:shape>
+            <dgm:presOf/>
+            <dgm:constrLst/>
+            <dgm:ruleLst/>
+          </dgm:layoutNode>
+        </dgm:forEach>
+      </dgm:forEach>
+    </dgm:layoutNode>
+  </dgm:layoutNode>
+</dgm:layoutDef>
+</file>
+
 <file path=ppt/diagrams/quickStyle1.xml><?xml version="1.0" encoding="utf-8"?>
 <dgm:styleDef xmlns:dgm="http://schemas.openxmlformats.org/drawingml/2006/diagram" xmlns:a="http://schemas.openxmlformats.org/drawingml/2006/main" uniqueId="urn:microsoft.com/office/officeart/2005/8/quickstyle/simple5">
   <dgm:title val=""/>
@@ -2499,6 +4547,1040 @@
         <a:scrgbClr r="0" g="0" b="0"/>
       </a:fillRef>
       <a:effectRef idx="3">
+        <a:scrgbClr r="0" g="0" b="0"/>
+      </a:effectRef>
+      <a:fontRef idx="minor"/>
+    </dgm:style>
+  </dgm:styleLbl>
+  <dgm:styleLbl name="revTx">
+    <dgm:scene3d>
+      <a:camera prst="orthographicFront"/>
+      <a:lightRig rig="threePt" dir="t"/>
+    </dgm:scene3d>
+    <dgm:sp3d/>
+    <dgm:txPr/>
+    <dgm:style>
+      <a:lnRef idx="0">
+        <a:scrgbClr r="0" g="0" b="0"/>
+      </a:lnRef>
+      <a:fillRef idx="0">
+        <a:scrgbClr r="0" g="0" b="0"/>
+      </a:fillRef>
+      <a:effectRef idx="0">
+        <a:scrgbClr r="0" g="0" b="0"/>
+      </a:effectRef>
+      <a:fontRef idx="minor"/>
+    </dgm:style>
+  </dgm:styleLbl>
+</dgm:styleDef>
+</file>
+
+<file path=ppt/diagrams/quickStyle2.xml><?xml version="1.0" encoding="utf-8"?>
+<dgm:styleDef xmlns:dgm="http://schemas.openxmlformats.org/drawingml/2006/diagram" xmlns:a="http://schemas.openxmlformats.org/drawingml/2006/main" uniqueId="urn:microsoft.com/office/officeart/2005/8/quickstyle/simple1">
+  <dgm:title val=""/>
+  <dgm:desc val=""/>
+  <dgm:catLst>
+    <dgm:cat type="simple" pri="10100"/>
+  </dgm:catLst>
+  <dgm:scene3d>
+    <a:camera prst="orthographicFront"/>
+    <a:lightRig rig="threePt" dir="t"/>
+  </dgm:scene3d>
+  <dgm:styleLbl name="node0">
+    <dgm:scene3d>
+      <a:camera prst="orthographicFront"/>
+      <a:lightRig rig="threePt" dir="t"/>
+    </dgm:scene3d>
+    <dgm:sp3d/>
+    <dgm:txPr/>
+    <dgm:style>
+      <a:lnRef idx="2">
+        <a:scrgbClr r="0" g="0" b="0"/>
+      </a:lnRef>
+      <a:fillRef idx="1">
+        <a:scrgbClr r="0" g="0" b="0"/>
+      </a:fillRef>
+      <a:effectRef idx="0">
+        <a:scrgbClr r="0" g="0" b="0"/>
+      </a:effectRef>
+      <a:fontRef idx="minor">
+        <a:schemeClr val="lt1"/>
+      </a:fontRef>
+    </dgm:style>
+  </dgm:styleLbl>
+  <dgm:styleLbl name="lnNode1">
+    <dgm:scene3d>
+      <a:camera prst="orthographicFront"/>
+      <a:lightRig rig="threePt" dir="t"/>
+    </dgm:scene3d>
+    <dgm:sp3d/>
+    <dgm:txPr/>
+    <dgm:style>
+      <a:lnRef idx="2">
+        <a:scrgbClr r="0" g="0" b="0"/>
+      </a:lnRef>
+      <a:fillRef idx="1">
+        <a:scrgbClr r="0" g="0" b="0"/>
+      </a:fillRef>
+      <a:effectRef idx="0">
+        <a:scrgbClr r="0" g="0" b="0"/>
+      </a:effectRef>
+      <a:fontRef idx="minor">
+        <a:schemeClr val="lt1"/>
+      </a:fontRef>
+    </dgm:style>
+  </dgm:styleLbl>
+  <dgm:styleLbl name="vennNode1">
+    <dgm:scene3d>
+      <a:camera prst="orthographicFront"/>
+      <a:lightRig rig="threePt" dir="t"/>
+    </dgm:scene3d>
+    <dgm:sp3d/>
+    <dgm:txPr/>
+    <dgm:style>
+      <a:lnRef idx="2">
+        <a:scrgbClr r="0" g="0" b="0"/>
+      </a:lnRef>
+      <a:fillRef idx="1">
+        <a:scrgbClr r="0" g="0" b="0"/>
+      </a:fillRef>
+      <a:effectRef idx="0">
+        <a:scrgbClr r="0" g="0" b="0"/>
+      </a:effectRef>
+      <a:fontRef idx="minor">
+        <a:schemeClr val="tx1"/>
+      </a:fontRef>
+    </dgm:style>
+  </dgm:styleLbl>
+  <dgm:styleLbl name="alignNode1">
+    <dgm:scene3d>
+      <a:camera prst="orthographicFront"/>
+      <a:lightRig rig="threePt" dir="t"/>
+    </dgm:scene3d>
+    <dgm:sp3d/>
+    <dgm:txPr/>
+    <dgm:style>
+      <a:lnRef idx="2">
+        <a:scrgbClr r="0" g="0" b="0"/>
+      </a:lnRef>
+      <a:fillRef idx="1">
+        <a:scrgbClr r="0" g="0" b="0"/>
+      </a:fillRef>
+      <a:effectRef idx="0">
+        <a:scrgbClr r="0" g="0" b="0"/>
+      </a:effectRef>
+      <a:fontRef idx="minor">
+        <a:schemeClr val="lt1"/>
+      </a:fontRef>
+    </dgm:style>
+  </dgm:styleLbl>
+  <dgm:styleLbl name="node1">
+    <dgm:scene3d>
+      <a:camera prst="orthographicFront"/>
+      <a:lightRig rig="threePt" dir="t"/>
+    </dgm:scene3d>
+    <dgm:sp3d/>
+    <dgm:txPr/>
+    <dgm:style>
+      <a:lnRef idx="2">
+        <a:scrgbClr r="0" g="0" b="0"/>
+      </a:lnRef>
+      <a:fillRef idx="1">
+        <a:scrgbClr r="0" g="0" b="0"/>
+      </a:fillRef>
+      <a:effectRef idx="0">
+        <a:scrgbClr r="0" g="0" b="0"/>
+      </a:effectRef>
+      <a:fontRef idx="minor">
+        <a:schemeClr val="lt1"/>
+      </a:fontRef>
+    </dgm:style>
+  </dgm:styleLbl>
+  <dgm:styleLbl name="node2">
+    <dgm:scene3d>
+      <a:camera prst="orthographicFront"/>
+      <a:lightRig rig="threePt" dir="t"/>
+    </dgm:scene3d>
+    <dgm:sp3d/>
+    <dgm:txPr/>
+    <dgm:style>
+      <a:lnRef idx="2">
+        <a:scrgbClr r="0" g="0" b="0"/>
+      </a:lnRef>
+      <a:fillRef idx="1">
+        <a:scrgbClr r="0" g="0" b="0"/>
+      </a:fillRef>
+      <a:effectRef idx="0">
+        <a:scrgbClr r="0" g="0" b="0"/>
+      </a:effectRef>
+      <a:fontRef idx="minor">
+        <a:schemeClr val="lt1"/>
+      </a:fontRef>
+    </dgm:style>
+  </dgm:styleLbl>
+  <dgm:styleLbl name="node3">
+    <dgm:scene3d>
+      <a:camera prst="orthographicFront"/>
+      <a:lightRig rig="threePt" dir="t"/>
+    </dgm:scene3d>
+    <dgm:sp3d/>
+    <dgm:txPr/>
+    <dgm:style>
+      <a:lnRef idx="2">
+        <a:scrgbClr r="0" g="0" b="0"/>
+      </a:lnRef>
+      <a:fillRef idx="1">
+        <a:scrgbClr r="0" g="0" b="0"/>
+      </a:fillRef>
+      <a:effectRef idx="0">
+        <a:scrgbClr r="0" g="0" b="0"/>
+      </a:effectRef>
+      <a:fontRef idx="minor">
+        <a:schemeClr val="lt1"/>
+      </a:fontRef>
+    </dgm:style>
+  </dgm:styleLbl>
+  <dgm:styleLbl name="node4">
+    <dgm:scene3d>
+      <a:camera prst="orthographicFront"/>
+      <a:lightRig rig="threePt" dir="t"/>
+    </dgm:scene3d>
+    <dgm:sp3d/>
+    <dgm:txPr/>
+    <dgm:style>
+      <a:lnRef idx="2">
+        <a:scrgbClr r="0" g="0" b="0"/>
+      </a:lnRef>
+      <a:fillRef idx="1">
+        <a:scrgbClr r="0" g="0" b="0"/>
+      </a:fillRef>
+      <a:effectRef idx="0">
+        <a:scrgbClr r="0" g="0" b="0"/>
+      </a:effectRef>
+      <a:fontRef idx="minor">
+        <a:schemeClr val="lt1"/>
+      </a:fontRef>
+    </dgm:style>
+  </dgm:styleLbl>
+  <dgm:styleLbl name="fgImgPlace1">
+    <dgm:scene3d>
+      <a:camera prst="orthographicFront"/>
+      <a:lightRig rig="threePt" dir="t"/>
+    </dgm:scene3d>
+    <dgm:sp3d/>
+    <dgm:txPr/>
+    <dgm:style>
+      <a:lnRef idx="2">
+        <a:scrgbClr r="0" g="0" b="0"/>
+      </a:lnRef>
+      <a:fillRef idx="1">
+        <a:scrgbClr r="0" g="0" b="0"/>
+      </a:fillRef>
+      <a:effectRef idx="0">
+        <a:scrgbClr r="0" g="0" b="0"/>
+      </a:effectRef>
+      <a:fontRef idx="minor"/>
+    </dgm:style>
+  </dgm:styleLbl>
+  <dgm:styleLbl name="alignImgPlace1">
+    <dgm:scene3d>
+      <a:camera prst="orthographicFront"/>
+      <a:lightRig rig="threePt" dir="t"/>
+    </dgm:scene3d>
+    <dgm:sp3d/>
+    <dgm:txPr/>
+    <dgm:style>
+      <a:lnRef idx="2">
+        <a:scrgbClr r="0" g="0" b="0"/>
+      </a:lnRef>
+      <a:fillRef idx="1">
+        <a:scrgbClr r="0" g="0" b="0"/>
+      </a:fillRef>
+      <a:effectRef idx="0">
+        <a:scrgbClr r="0" g="0" b="0"/>
+      </a:effectRef>
+      <a:fontRef idx="minor"/>
+    </dgm:style>
+  </dgm:styleLbl>
+  <dgm:styleLbl name="bgImgPlace1">
+    <dgm:scene3d>
+      <a:camera prst="orthographicFront"/>
+      <a:lightRig rig="threePt" dir="t"/>
+    </dgm:scene3d>
+    <dgm:sp3d/>
+    <dgm:txPr/>
+    <dgm:style>
+      <a:lnRef idx="2">
+        <a:scrgbClr r="0" g="0" b="0"/>
+      </a:lnRef>
+      <a:fillRef idx="1">
+        <a:scrgbClr r="0" g="0" b="0"/>
+      </a:fillRef>
+      <a:effectRef idx="0">
+        <a:scrgbClr r="0" g="0" b="0"/>
+      </a:effectRef>
+      <a:fontRef idx="minor"/>
+    </dgm:style>
+  </dgm:styleLbl>
+  <dgm:styleLbl name="sibTrans2D1">
+    <dgm:scene3d>
+      <a:camera prst="orthographicFront"/>
+      <a:lightRig rig="threePt" dir="t"/>
+    </dgm:scene3d>
+    <dgm:sp3d/>
+    <dgm:txPr/>
+    <dgm:style>
+      <a:lnRef idx="0">
+        <a:scrgbClr r="0" g="0" b="0"/>
+      </a:lnRef>
+      <a:fillRef idx="1">
+        <a:scrgbClr r="0" g="0" b="0"/>
+      </a:fillRef>
+      <a:effectRef idx="0">
+        <a:scrgbClr r="0" g="0" b="0"/>
+      </a:effectRef>
+      <a:fontRef idx="minor">
+        <a:schemeClr val="lt1"/>
+      </a:fontRef>
+    </dgm:style>
+  </dgm:styleLbl>
+  <dgm:styleLbl name="fgSibTrans2D1">
+    <dgm:scene3d>
+      <a:camera prst="orthographicFront"/>
+      <a:lightRig rig="threePt" dir="t"/>
+    </dgm:scene3d>
+    <dgm:sp3d/>
+    <dgm:txPr/>
+    <dgm:style>
+      <a:lnRef idx="0">
+        <a:scrgbClr r="0" g="0" b="0"/>
+      </a:lnRef>
+      <a:fillRef idx="1">
+        <a:scrgbClr r="0" g="0" b="0"/>
+      </a:fillRef>
+      <a:effectRef idx="0">
+        <a:scrgbClr r="0" g="0" b="0"/>
+      </a:effectRef>
+      <a:fontRef idx="minor">
+        <a:schemeClr val="lt1"/>
+      </a:fontRef>
+    </dgm:style>
+  </dgm:styleLbl>
+  <dgm:styleLbl name="bgSibTrans2D1">
+    <dgm:scene3d>
+      <a:camera prst="orthographicFront"/>
+      <a:lightRig rig="threePt" dir="t"/>
+    </dgm:scene3d>
+    <dgm:sp3d/>
+    <dgm:txPr/>
+    <dgm:style>
+      <a:lnRef idx="0">
+        <a:scrgbClr r="0" g="0" b="0"/>
+      </a:lnRef>
+      <a:fillRef idx="1">
+        <a:scrgbClr r="0" g="0" b="0"/>
+      </a:fillRef>
+      <a:effectRef idx="0">
+        <a:scrgbClr r="0" g="0" b="0"/>
+      </a:effectRef>
+      <a:fontRef idx="minor">
+        <a:schemeClr val="lt1"/>
+      </a:fontRef>
+    </dgm:style>
+  </dgm:styleLbl>
+  <dgm:styleLbl name="sibTrans1D1">
+    <dgm:scene3d>
+      <a:camera prst="orthographicFront"/>
+      <a:lightRig rig="threePt" dir="t"/>
+    </dgm:scene3d>
+    <dgm:sp3d/>
+    <dgm:txPr/>
+    <dgm:style>
+      <a:lnRef idx="1">
+        <a:scrgbClr r="0" g="0" b="0"/>
+      </a:lnRef>
+      <a:fillRef idx="0">
+        <a:scrgbClr r="0" g="0" b="0"/>
+      </a:fillRef>
+      <a:effectRef idx="0">
+        <a:scrgbClr r="0" g="0" b="0"/>
+      </a:effectRef>
+      <a:fontRef idx="minor"/>
+    </dgm:style>
+  </dgm:styleLbl>
+  <dgm:styleLbl name="callout">
+    <dgm:scene3d>
+      <a:camera prst="orthographicFront"/>
+      <a:lightRig rig="threePt" dir="t"/>
+    </dgm:scene3d>
+    <dgm:sp3d/>
+    <dgm:txPr/>
+    <dgm:style>
+      <a:lnRef idx="2">
+        <a:scrgbClr r="0" g="0" b="0"/>
+      </a:lnRef>
+      <a:fillRef idx="1">
+        <a:scrgbClr r="0" g="0" b="0"/>
+      </a:fillRef>
+      <a:effectRef idx="0">
+        <a:scrgbClr r="0" g="0" b="0"/>
+      </a:effectRef>
+      <a:fontRef idx="minor"/>
+    </dgm:style>
+  </dgm:styleLbl>
+  <dgm:styleLbl name="asst0">
+    <dgm:scene3d>
+      <a:camera prst="orthographicFront"/>
+      <a:lightRig rig="threePt" dir="t"/>
+    </dgm:scene3d>
+    <dgm:sp3d/>
+    <dgm:txPr/>
+    <dgm:style>
+      <a:lnRef idx="2">
+        <a:scrgbClr r="0" g="0" b="0"/>
+      </a:lnRef>
+      <a:fillRef idx="1">
+        <a:scrgbClr r="0" g="0" b="0"/>
+      </a:fillRef>
+      <a:effectRef idx="0">
+        <a:scrgbClr r="0" g="0" b="0"/>
+      </a:effectRef>
+      <a:fontRef idx="minor">
+        <a:schemeClr val="lt1"/>
+      </a:fontRef>
+    </dgm:style>
+  </dgm:styleLbl>
+  <dgm:styleLbl name="asst1">
+    <dgm:scene3d>
+      <a:camera prst="orthographicFront"/>
+      <a:lightRig rig="threePt" dir="t"/>
+    </dgm:scene3d>
+    <dgm:sp3d/>
+    <dgm:txPr/>
+    <dgm:style>
+      <a:lnRef idx="2">
+        <a:scrgbClr r="0" g="0" b="0"/>
+      </a:lnRef>
+      <a:fillRef idx="1">
+        <a:scrgbClr r="0" g="0" b="0"/>
+      </a:fillRef>
+      <a:effectRef idx="0">
+        <a:scrgbClr r="0" g="0" b="0"/>
+      </a:effectRef>
+      <a:fontRef idx="minor">
+        <a:schemeClr val="lt1"/>
+      </a:fontRef>
+    </dgm:style>
+  </dgm:styleLbl>
+  <dgm:styleLbl name="asst2">
+    <dgm:scene3d>
+      <a:camera prst="orthographicFront"/>
+      <a:lightRig rig="threePt" dir="t"/>
+    </dgm:scene3d>
+    <dgm:sp3d/>
+    <dgm:txPr/>
+    <dgm:style>
+      <a:lnRef idx="2">
+        <a:scrgbClr r="0" g="0" b="0"/>
+      </a:lnRef>
+      <a:fillRef idx="1">
+        <a:scrgbClr r="0" g="0" b="0"/>
+      </a:fillRef>
+      <a:effectRef idx="0">
+        <a:scrgbClr r="0" g="0" b="0"/>
+      </a:effectRef>
+      <a:fontRef idx="minor">
+        <a:schemeClr val="lt1"/>
+      </a:fontRef>
+    </dgm:style>
+  </dgm:styleLbl>
+  <dgm:styleLbl name="asst3">
+    <dgm:scene3d>
+      <a:camera prst="orthographicFront"/>
+      <a:lightRig rig="threePt" dir="t"/>
+    </dgm:scene3d>
+    <dgm:sp3d/>
+    <dgm:txPr/>
+    <dgm:style>
+      <a:lnRef idx="2">
+        <a:scrgbClr r="0" g="0" b="0"/>
+      </a:lnRef>
+      <a:fillRef idx="1">
+        <a:scrgbClr r="0" g="0" b="0"/>
+      </a:fillRef>
+      <a:effectRef idx="0">
+        <a:scrgbClr r="0" g="0" b="0"/>
+      </a:effectRef>
+      <a:fontRef idx="minor">
+        <a:schemeClr val="lt1"/>
+      </a:fontRef>
+    </dgm:style>
+  </dgm:styleLbl>
+  <dgm:styleLbl name="asst4">
+    <dgm:scene3d>
+      <a:camera prst="orthographicFront"/>
+      <a:lightRig rig="threePt" dir="t"/>
+    </dgm:scene3d>
+    <dgm:sp3d/>
+    <dgm:txPr/>
+    <dgm:style>
+      <a:lnRef idx="2">
+        <a:scrgbClr r="0" g="0" b="0"/>
+      </a:lnRef>
+      <a:fillRef idx="1">
+        <a:scrgbClr r="0" g="0" b="0"/>
+      </a:fillRef>
+      <a:effectRef idx="0">
+        <a:scrgbClr r="0" g="0" b="0"/>
+      </a:effectRef>
+      <a:fontRef idx="minor">
+        <a:schemeClr val="lt1"/>
+      </a:fontRef>
+    </dgm:style>
+  </dgm:styleLbl>
+  <dgm:styleLbl name="parChTrans2D1">
+    <dgm:scene3d>
+      <a:camera prst="orthographicFront"/>
+      <a:lightRig rig="threePt" dir="t"/>
+    </dgm:scene3d>
+    <dgm:sp3d/>
+    <dgm:txPr/>
+    <dgm:style>
+      <a:lnRef idx="2">
+        <a:scrgbClr r="0" g="0" b="0"/>
+      </a:lnRef>
+      <a:fillRef idx="1">
+        <a:scrgbClr r="0" g="0" b="0"/>
+      </a:fillRef>
+      <a:effectRef idx="0">
+        <a:scrgbClr r="0" g="0" b="0"/>
+      </a:effectRef>
+      <a:fontRef idx="minor">
+        <a:schemeClr val="lt1"/>
+      </a:fontRef>
+    </dgm:style>
+  </dgm:styleLbl>
+  <dgm:styleLbl name="parChTrans2D2">
+    <dgm:scene3d>
+      <a:camera prst="orthographicFront"/>
+      <a:lightRig rig="threePt" dir="t"/>
+    </dgm:scene3d>
+    <dgm:sp3d/>
+    <dgm:txPr/>
+    <dgm:style>
+      <a:lnRef idx="2">
+        <a:scrgbClr r="0" g="0" b="0"/>
+      </a:lnRef>
+      <a:fillRef idx="1">
+        <a:scrgbClr r="0" g="0" b="0"/>
+      </a:fillRef>
+      <a:effectRef idx="0">
+        <a:scrgbClr r="0" g="0" b="0"/>
+      </a:effectRef>
+      <a:fontRef idx="minor">
+        <a:schemeClr val="lt1"/>
+      </a:fontRef>
+    </dgm:style>
+  </dgm:styleLbl>
+  <dgm:styleLbl name="parChTrans2D3">
+    <dgm:scene3d>
+      <a:camera prst="orthographicFront"/>
+      <a:lightRig rig="threePt" dir="t"/>
+    </dgm:scene3d>
+    <dgm:sp3d/>
+    <dgm:txPr/>
+    <dgm:style>
+      <a:lnRef idx="2">
+        <a:scrgbClr r="0" g="0" b="0"/>
+      </a:lnRef>
+      <a:fillRef idx="1">
+        <a:scrgbClr r="0" g="0" b="0"/>
+      </a:fillRef>
+      <a:effectRef idx="0">
+        <a:scrgbClr r="0" g="0" b="0"/>
+      </a:effectRef>
+      <a:fontRef idx="minor">
+        <a:schemeClr val="lt1"/>
+      </a:fontRef>
+    </dgm:style>
+  </dgm:styleLbl>
+  <dgm:styleLbl name="parChTrans2D4">
+    <dgm:scene3d>
+      <a:camera prst="orthographicFront"/>
+      <a:lightRig rig="threePt" dir="t"/>
+    </dgm:scene3d>
+    <dgm:sp3d/>
+    <dgm:txPr/>
+    <dgm:style>
+      <a:lnRef idx="2">
+        <a:scrgbClr r="0" g="0" b="0"/>
+      </a:lnRef>
+      <a:fillRef idx="1">
+        <a:scrgbClr r="0" g="0" b="0"/>
+      </a:fillRef>
+      <a:effectRef idx="0">
+        <a:scrgbClr r="0" g="0" b="0"/>
+      </a:effectRef>
+      <a:fontRef idx="minor">
+        <a:schemeClr val="lt1"/>
+      </a:fontRef>
+    </dgm:style>
+  </dgm:styleLbl>
+  <dgm:styleLbl name="parChTrans1D1">
+    <dgm:scene3d>
+      <a:camera prst="orthographicFront"/>
+      <a:lightRig rig="threePt" dir="t"/>
+    </dgm:scene3d>
+    <dgm:sp3d/>
+    <dgm:txPr/>
+    <dgm:style>
+      <a:lnRef idx="2">
+        <a:scrgbClr r="0" g="0" b="0"/>
+      </a:lnRef>
+      <a:fillRef idx="0">
+        <a:scrgbClr r="0" g="0" b="0"/>
+      </a:fillRef>
+      <a:effectRef idx="0">
+        <a:scrgbClr r="0" g="0" b="0"/>
+      </a:effectRef>
+      <a:fontRef idx="minor"/>
+    </dgm:style>
+  </dgm:styleLbl>
+  <dgm:styleLbl name="parChTrans1D2">
+    <dgm:scene3d>
+      <a:camera prst="orthographicFront"/>
+      <a:lightRig rig="threePt" dir="t"/>
+    </dgm:scene3d>
+    <dgm:sp3d/>
+    <dgm:txPr/>
+    <dgm:style>
+      <a:lnRef idx="2">
+        <a:scrgbClr r="0" g="0" b="0"/>
+      </a:lnRef>
+      <a:fillRef idx="0">
+        <a:scrgbClr r="0" g="0" b="0"/>
+      </a:fillRef>
+      <a:effectRef idx="0">
+        <a:scrgbClr r="0" g="0" b="0"/>
+      </a:effectRef>
+      <a:fontRef idx="minor"/>
+    </dgm:style>
+  </dgm:styleLbl>
+  <dgm:styleLbl name="parChTrans1D3">
+    <dgm:scene3d>
+      <a:camera prst="orthographicFront"/>
+      <a:lightRig rig="threePt" dir="t"/>
+    </dgm:scene3d>
+    <dgm:sp3d/>
+    <dgm:txPr/>
+    <dgm:style>
+      <a:lnRef idx="2">
+        <a:scrgbClr r="0" g="0" b="0"/>
+      </a:lnRef>
+      <a:fillRef idx="0">
+        <a:scrgbClr r="0" g="0" b="0"/>
+      </a:fillRef>
+      <a:effectRef idx="0">
+        <a:scrgbClr r="0" g="0" b="0"/>
+      </a:effectRef>
+      <a:fontRef idx="minor"/>
+    </dgm:style>
+  </dgm:styleLbl>
+  <dgm:styleLbl name="parChTrans1D4">
+    <dgm:scene3d>
+      <a:camera prst="orthographicFront"/>
+      <a:lightRig rig="threePt" dir="t"/>
+    </dgm:scene3d>
+    <dgm:sp3d/>
+    <dgm:txPr/>
+    <dgm:style>
+      <a:lnRef idx="2">
+        <a:scrgbClr r="0" g="0" b="0"/>
+      </a:lnRef>
+      <a:fillRef idx="0">
+        <a:scrgbClr r="0" g="0" b="0"/>
+      </a:fillRef>
+      <a:effectRef idx="0">
+        <a:scrgbClr r="0" g="0" b="0"/>
+      </a:effectRef>
+      <a:fontRef idx="minor"/>
+    </dgm:style>
+  </dgm:styleLbl>
+  <dgm:styleLbl name="fgAcc1">
+    <dgm:scene3d>
+      <a:camera prst="orthographicFront"/>
+      <a:lightRig rig="threePt" dir="t"/>
+    </dgm:scene3d>
+    <dgm:sp3d/>
+    <dgm:txPr/>
+    <dgm:style>
+      <a:lnRef idx="2">
+        <a:scrgbClr r="0" g="0" b="0"/>
+      </a:lnRef>
+      <a:fillRef idx="1">
+        <a:scrgbClr r="0" g="0" b="0"/>
+      </a:fillRef>
+      <a:effectRef idx="0">
+        <a:scrgbClr r="0" g="0" b="0"/>
+      </a:effectRef>
+      <a:fontRef idx="minor"/>
+    </dgm:style>
+  </dgm:styleLbl>
+  <dgm:styleLbl name="conFgAcc1">
+    <dgm:scene3d>
+      <a:camera prst="orthographicFront"/>
+      <a:lightRig rig="threePt" dir="t"/>
+    </dgm:scene3d>
+    <dgm:sp3d/>
+    <dgm:txPr/>
+    <dgm:style>
+      <a:lnRef idx="2">
+        <a:scrgbClr r="0" g="0" b="0"/>
+      </a:lnRef>
+      <a:fillRef idx="1">
+        <a:scrgbClr r="0" g="0" b="0"/>
+      </a:fillRef>
+      <a:effectRef idx="0">
+        <a:scrgbClr r="0" g="0" b="0"/>
+      </a:effectRef>
+      <a:fontRef idx="minor"/>
+    </dgm:style>
+  </dgm:styleLbl>
+  <dgm:styleLbl name="alignAcc1">
+    <dgm:scene3d>
+      <a:camera prst="orthographicFront"/>
+      <a:lightRig rig="threePt" dir="t"/>
+    </dgm:scene3d>
+    <dgm:sp3d/>
+    <dgm:txPr/>
+    <dgm:style>
+      <a:lnRef idx="2">
+        <a:scrgbClr r="0" g="0" b="0"/>
+      </a:lnRef>
+      <a:fillRef idx="1">
+        <a:scrgbClr r="0" g="0" b="0"/>
+      </a:fillRef>
+      <a:effectRef idx="0">
+        <a:scrgbClr r="0" g="0" b="0"/>
+      </a:effectRef>
+      <a:fontRef idx="minor"/>
+    </dgm:style>
+  </dgm:styleLbl>
+  <dgm:styleLbl name="trAlignAcc1">
+    <dgm:scene3d>
+      <a:camera prst="orthographicFront"/>
+      <a:lightRig rig="threePt" dir="t"/>
+    </dgm:scene3d>
+    <dgm:sp3d/>
+    <dgm:txPr/>
+    <dgm:style>
+      <a:lnRef idx="1">
+        <a:scrgbClr r="0" g="0" b="0"/>
+      </a:lnRef>
+      <a:fillRef idx="1">
+        <a:scrgbClr r="0" g="0" b="0"/>
+      </a:fillRef>
+      <a:effectRef idx="0">
+        <a:scrgbClr r="0" g="0" b="0"/>
+      </a:effectRef>
+      <a:fontRef idx="minor"/>
+    </dgm:style>
+  </dgm:styleLbl>
+  <dgm:styleLbl name="bgAcc1">
+    <dgm:scene3d>
+      <a:camera prst="orthographicFront"/>
+      <a:lightRig rig="threePt" dir="t"/>
+    </dgm:scene3d>
+    <dgm:sp3d/>
+    <dgm:txPr/>
+    <dgm:style>
+      <a:lnRef idx="2">
+        <a:scrgbClr r="0" g="0" b="0"/>
+      </a:lnRef>
+      <a:fillRef idx="1">
+        <a:scrgbClr r="0" g="0" b="0"/>
+      </a:fillRef>
+      <a:effectRef idx="0">
+        <a:scrgbClr r="0" g="0" b="0"/>
+      </a:effectRef>
+      <a:fontRef idx="minor"/>
+    </dgm:style>
+  </dgm:styleLbl>
+  <dgm:styleLbl name="solidFgAcc1">
+    <dgm:scene3d>
+      <a:camera prst="orthographicFront"/>
+      <a:lightRig rig="threePt" dir="t"/>
+    </dgm:scene3d>
+    <dgm:sp3d/>
+    <dgm:txPr/>
+    <dgm:style>
+      <a:lnRef idx="2">
+        <a:scrgbClr r="0" g="0" b="0"/>
+      </a:lnRef>
+      <a:fillRef idx="1">
+        <a:scrgbClr r="0" g="0" b="0"/>
+      </a:fillRef>
+      <a:effectRef idx="0">
+        <a:scrgbClr r="0" g="0" b="0"/>
+      </a:effectRef>
+      <a:fontRef idx="minor"/>
+    </dgm:style>
+  </dgm:styleLbl>
+  <dgm:styleLbl name="solidAlignAcc1">
+    <dgm:scene3d>
+      <a:camera prst="orthographicFront"/>
+      <a:lightRig rig="threePt" dir="t"/>
+    </dgm:scene3d>
+    <dgm:sp3d/>
+    <dgm:txPr/>
+    <dgm:style>
+      <a:lnRef idx="2">
+        <a:scrgbClr r="0" g="0" b="0"/>
+      </a:lnRef>
+      <a:fillRef idx="1">
+        <a:scrgbClr r="0" g="0" b="0"/>
+      </a:fillRef>
+      <a:effectRef idx="0">
+        <a:scrgbClr r="0" g="0" b="0"/>
+      </a:effectRef>
+      <a:fontRef idx="minor"/>
+    </dgm:style>
+  </dgm:styleLbl>
+  <dgm:styleLbl name="solidBgAcc1">
+    <dgm:scene3d>
+      <a:camera prst="orthographicFront"/>
+      <a:lightRig rig="threePt" dir="t"/>
+    </dgm:scene3d>
+    <dgm:sp3d/>
+    <dgm:txPr/>
+    <dgm:style>
+      <a:lnRef idx="2">
+        <a:scrgbClr r="0" g="0" b="0"/>
+      </a:lnRef>
+      <a:fillRef idx="1">
+        <a:scrgbClr r="0" g="0" b="0"/>
+      </a:fillRef>
+      <a:effectRef idx="0">
+        <a:scrgbClr r="0" g="0" b="0"/>
+      </a:effectRef>
+      <a:fontRef idx="minor"/>
+    </dgm:style>
+  </dgm:styleLbl>
+  <dgm:styleLbl name="fgAccFollowNode1">
+    <dgm:scene3d>
+      <a:camera prst="orthographicFront"/>
+      <a:lightRig rig="threePt" dir="t"/>
+    </dgm:scene3d>
+    <dgm:sp3d/>
+    <dgm:txPr/>
+    <dgm:style>
+      <a:lnRef idx="2">
+        <a:scrgbClr r="0" g="0" b="0"/>
+      </a:lnRef>
+      <a:fillRef idx="1">
+        <a:scrgbClr r="0" g="0" b="0"/>
+      </a:fillRef>
+      <a:effectRef idx="0">
+        <a:scrgbClr r="0" g="0" b="0"/>
+      </a:effectRef>
+      <a:fontRef idx="minor"/>
+    </dgm:style>
+  </dgm:styleLbl>
+  <dgm:styleLbl name="alignAccFollowNode1">
+    <dgm:scene3d>
+      <a:camera prst="orthographicFront"/>
+      <a:lightRig rig="threePt" dir="t"/>
+    </dgm:scene3d>
+    <dgm:sp3d/>
+    <dgm:txPr/>
+    <dgm:style>
+      <a:lnRef idx="2">
+        <a:scrgbClr r="0" g="0" b="0"/>
+      </a:lnRef>
+      <a:fillRef idx="1">
+        <a:scrgbClr r="0" g="0" b="0"/>
+      </a:fillRef>
+      <a:effectRef idx="0">
+        <a:scrgbClr r="0" g="0" b="0"/>
+      </a:effectRef>
+      <a:fontRef idx="minor"/>
+    </dgm:style>
+  </dgm:styleLbl>
+  <dgm:styleLbl name="bgAccFollowNode1">
+    <dgm:scene3d>
+      <a:camera prst="orthographicFront"/>
+      <a:lightRig rig="threePt" dir="t"/>
+    </dgm:scene3d>
+    <dgm:sp3d/>
+    <dgm:txPr/>
+    <dgm:style>
+      <a:lnRef idx="2">
+        <a:scrgbClr r="0" g="0" b="0"/>
+      </a:lnRef>
+      <a:fillRef idx="1">
+        <a:scrgbClr r="0" g="0" b="0"/>
+      </a:fillRef>
+      <a:effectRef idx="0">
+        <a:scrgbClr r="0" g="0" b="0"/>
+      </a:effectRef>
+      <a:fontRef idx="minor"/>
+    </dgm:style>
+  </dgm:styleLbl>
+  <dgm:styleLbl name="fgAcc0">
+    <dgm:scene3d>
+      <a:camera prst="orthographicFront"/>
+      <a:lightRig rig="threePt" dir="t"/>
+    </dgm:scene3d>
+    <dgm:sp3d/>
+    <dgm:txPr/>
+    <dgm:style>
+      <a:lnRef idx="2">
+        <a:scrgbClr r="0" g="0" b="0"/>
+      </a:lnRef>
+      <a:fillRef idx="1">
+        <a:scrgbClr r="0" g="0" b="0"/>
+      </a:fillRef>
+      <a:effectRef idx="0">
+        <a:scrgbClr r="0" g="0" b="0"/>
+      </a:effectRef>
+      <a:fontRef idx="minor"/>
+    </dgm:style>
+  </dgm:styleLbl>
+  <dgm:styleLbl name="fgAcc2">
+    <dgm:scene3d>
+      <a:camera prst="orthographicFront"/>
+      <a:lightRig rig="threePt" dir="t"/>
+    </dgm:scene3d>
+    <dgm:sp3d/>
+    <dgm:txPr/>
+    <dgm:style>
+      <a:lnRef idx="2">
+        <a:scrgbClr r="0" g="0" b="0"/>
+      </a:lnRef>
+      <a:fillRef idx="1">
+        <a:scrgbClr r="0" g="0" b="0"/>
+      </a:fillRef>
+      <a:effectRef idx="0">
+        <a:scrgbClr r="0" g="0" b="0"/>
+      </a:effectRef>
+      <a:fontRef idx="minor"/>
+    </dgm:style>
+  </dgm:styleLbl>
+  <dgm:styleLbl name="fgAcc3">
+    <dgm:scene3d>
+      <a:camera prst="orthographicFront"/>
+      <a:lightRig rig="threePt" dir="t"/>
+    </dgm:scene3d>
+    <dgm:sp3d/>
+    <dgm:txPr/>
+    <dgm:style>
+      <a:lnRef idx="2">
+        <a:scrgbClr r="0" g="0" b="0"/>
+      </a:lnRef>
+      <a:fillRef idx="1">
+        <a:scrgbClr r="0" g="0" b="0"/>
+      </a:fillRef>
+      <a:effectRef idx="0">
+        <a:scrgbClr r="0" g="0" b="0"/>
+      </a:effectRef>
+      <a:fontRef idx="minor"/>
+    </dgm:style>
+  </dgm:styleLbl>
+  <dgm:styleLbl name="fgAcc4">
+    <dgm:scene3d>
+      <a:camera prst="orthographicFront"/>
+      <a:lightRig rig="threePt" dir="t"/>
+    </dgm:scene3d>
+    <dgm:sp3d/>
+    <dgm:txPr/>
+    <dgm:style>
+      <a:lnRef idx="2">
+        <a:scrgbClr r="0" g="0" b="0"/>
+      </a:lnRef>
+      <a:fillRef idx="1">
+        <a:scrgbClr r="0" g="0" b="0"/>
+      </a:fillRef>
+      <a:effectRef idx="0">
+        <a:scrgbClr r="0" g="0" b="0"/>
+      </a:effectRef>
+      <a:fontRef idx="minor"/>
+    </dgm:style>
+  </dgm:styleLbl>
+  <dgm:styleLbl name="bgShp">
+    <dgm:scene3d>
+      <a:camera prst="orthographicFront"/>
+      <a:lightRig rig="threePt" dir="t"/>
+    </dgm:scene3d>
+    <dgm:sp3d/>
+    <dgm:txPr/>
+    <dgm:style>
+      <a:lnRef idx="0">
+        <a:scrgbClr r="0" g="0" b="0"/>
+      </a:lnRef>
+      <a:fillRef idx="1">
+        <a:scrgbClr r="0" g="0" b="0"/>
+      </a:fillRef>
+      <a:effectRef idx="0">
+        <a:scrgbClr r="0" g="0" b="0"/>
+      </a:effectRef>
+      <a:fontRef idx="minor"/>
+    </dgm:style>
+  </dgm:styleLbl>
+  <dgm:styleLbl name="dkBgShp">
+    <dgm:scene3d>
+      <a:camera prst="orthographicFront"/>
+      <a:lightRig rig="threePt" dir="t"/>
+    </dgm:scene3d>
+    <dgm:sp3d/>
+    <dgm:txPr/>
+    <dgm:style>
+      <a:lnRef idx="0">
+        <a:scrgbClr r="0" g="0" b="0"/>
+      </a:lnRef>
+      <a:fillRef idx="1">
+        <a:scrgbClr r="0" g="0" b="0"/>
+      </a:fillRef>
+      <a:effectRef idx="0">
+        <a:scrgbClr r="0" g="0" b="0"/>
+      </a:effectRef>
+      <a:fontRef idx="minor"/>
+    </dgm:style>
+  </dgm:styleLbl>
+  <dgm:styleLbl name="trBgShp">
+    <dgm:scene3d>
+      <a:camera prst="orthographicFront"/>
+      <a:lightRig rig="threePt" dir="t"/>
+    </dgm:scene3d>
+    <dgm:sp3d/>
+    <dgm:txPr/>
+    <dgm:style>
+      <a:lnRef idx="0">
+        <a:scrgbClr r="0" g="0" b="0"/>
+      </a:lnRef>
+      <a:fillRef idx="1">
+        <a:scrgbClr r="0" g="0" b="0"/>
+      </a:fillRef>
+      <a:effectRef idx="0">
+        <a:scrgbClr r="0" g="0" b="0"/>
+      </a:effectRef>
+      <a:fontRef idx="minor"/>
+    </dgm:style>
+  </dgm:styleLbl>
+  <dgm:styleLbl name="fgShp">
+    <dgm:scene3d>
+      <a:camera prst="orthographicFront"/>
+      <a:lightRig rig="threePt" dir="t"/>
+    </dgm:scene3d>
+    <dgm:sp3d/>
+    <dgm:txPr/>
+    <dgm:style>
+      <a:lnRef idx="2">
+        <a:scrgbClr r="0" g="0" b="0"/>
+      </a:lnRef>
+      <a:fillRef idx="1">
+        <a:scrgbClr r="0" g="0" b="0"/>
+      </a:fillRef>
+      <a:effectRef idx="0">
         <a:scrgbClr r="0" g="0" b="0"/>
       </a:effectRef>
       <a:fontRef idx="minor"/>
@@ -2701,7 +5783,7 @@
             <a:fld id="{530820CF-B880-4189-942D-D702A7CBA730}" type="datetimeFigureOut">
               <a:rPr lang="zh-CN" altLang="en-US" smtClean="0"/>
               <a:pPr/>
-              <a:t>2011/5/25</a:t>
+              <a:t>2011/5/27</a:t>
             </a:fld>
             <a:endParaRPr lang="zh-CN" altLang="en-US"/>
           </a:p>
@@ -2868,7 +5950,7 @@
             <a:fld id="{530820CF-B880-4189-942D-D702A7CBA730}" type="datetimeFigureOut">
               <a:rPr lang="zh-CN" altLang="en-US" smtClean="0"/>
               <a:pPr/>
-              <a:t>2011/5/25</a:t>
+              <a:t>2011/5/27</a:t>
             </a:fld>
             <a:endParaRPr lang="zh-CN" altLang="en-US"/>
           </a:p>
@@ -3045,7 +6127,7 @@
             <a:fld id="{530820CF-B880-4189-942D-D702A7CBA730}" type="datetimeFigureOut">
               <a:rPr lang="zh-CN" altLang="en-US" smtClean="0"/>
               <a:pPr/>
-              <a:t>2011/5/25</a:t>
+              <a:t>2011/5/27</a:t>
             </a:fld>
             <a:endParaRPr lang="zh-CN" altLang="en-US"/>
           </a:p>
@@ -3212,7 +6294,7 @@
             <a:fld id="{530820CF-B880-4189-942D-D702A7CBA730}" type="datetimeFigureOut">
               <a:rPr lang="zh-CN" altLang="en-US" smtClean="0"/>
               <a:pPr/>
-              <a:t>2011/5/25</a:t>
+              <a:t>2011/5/27</a:t>
             </a:fld>
             <a:endParaRPr lang="zh-CN" altLang="en-US"/>
           </a:p>
@@ -3456,7 +6538,7 @@
             <a:fld id="{530820CF-B880-4189-942D-D702A7CBA730}" type="datetimeFigureOut">
               <a:rPr lang="zh-CN" altLang="en-US" smtClean="0"/>
               <a:pPr/>
-              <a:t>2011/5/25</a:t>
+              <a:t>2011/5/27</a:t>
             </a:fld>
             <a:endParaRPr lang="zh-CN" altLang="en-US"/>
           </a:p>
@@ -3722,7 +6804,7 @@
             <a:fld id="{530820CF-B880-4189-942D-D702A7CBA730}" type="datetimeFigureOut">
               <a:rPr lang="zh-CN" altLang="en-US" smtClean="0"/>
               <a:pPr/>
-              <a:t>2011/5/25</a:t>
+              <a:t>2011/5/27</a:t>
             </a:fld>
             <a:endParaRPr lang="zh-CN" altLang="en-US"/>
           </a:p>
@@ -4102,7 +7184,7 @@
             <a:fld id="{530820CF-B880-4189-942D-D702A7CBA730}" type="datetimeFigureOut">
               <a:rPr lang="zh-CN" altLang="en-US" smtClean="0"/>
               <a:pPr/>
-              <a:t>2011/5/25</a:t>
+              <a:t>2011/5/27</a:t>
             </a:fld>
             <a:endParaRPr lang="zh-CN" altLang="en-US"/>
           </a:p>
@@ -4254,7 +7336,7 @@
             <a:fld id="{530820CF-B880-4189-942D-D702A7CBA730}" type="datetimeFigureOut">
               <a:rPr lang="zh-CN" altLang="en-US" smtClean="0"/>
               <a:pPr/>
-              <a:t>2011/5/25</a:t>
+              <a:t>2011/5/27</a:t>
             </a:fld>
             <a:endParaRPr lang="zh-CN" altLang="en-US"/>
           </a:p>
@@ -4346,7 +7428,7 @@
             <a:fld id="{530820CF-B880-4189-942D-D702A7CBA730}" type="datetimeFigureOut">
               <a:rPr lang="zh-CN" altLang="en-US" smtClean="0"/>
               <a:pPr/>
-              <a:t>2011/5/25</a:t>
+              <a:t>2011/5/27</a:t>
             </a:fld>
             <a:endParaRPr lang="zh-CN" altLang="en-US"/>
           </a:p>
@@ -4609,7 +7691,7 @@
             <a:fld id="{530820CF-B880-4189-942D-D702A7CBA730}" type="datetimeFigureOut">
               <a:rPr lang="zh-CN" altLang="en-US" smtClean="0"/>
               <a:pPr/>
-              <a:t>2011/5/25</a:t>
+              <a:t>2011/5/27</a:t>
             </a:fld>
             <a:endParaRPr lang="zh-CN" altLang="en-US"/>
           </a:p>
@@ -4899,7 +7981,7 @@
             <a:fld id="{530820CF-B880-4189-942D-D702A7CBA730}" type="datetimeFigureOut">
               <a:rPr lang="zh-CN" altLang="en-US" smtClean="0"/>
               <a:pPr/>
-              <a:t>2011/5/25</a:t>
+              <a:t>2011/5/27</a:t>
             </a:fld>
             <a:endParaRPr lang="zh-CN" altLang="en-US"/>
           </a:p>
@@ -5672,7 +8754,7 @@
             <a:fld id="{530820CF-B880-4189-942D-D702A7CBA730}" type="datetimeFigureOut">
               <a:rPr lang="zh-CN" altLang="en-US" smtClean="0"/>
               <a:pPr/>
-              <a:t>2011/5/25</a:t>
+              <a:t>2011/5/27</a:t>
             </a:fld>
             <a:endParaRPr lang="zh-CN" altLang="en-US"/>
           </a:p>
@@ -6309,11 +9391,7 @@
             <a:pPr algn="ctr"/>
             <a:r>
               <a:rPr lang="zh-CN" altLang="en-US" dirty="0" smtClean="0"/>
-              <a:t>智能视屏</a:t>
-            </a:r>
-            <a:r>
-              <a:rPr lang="zh-CN" altLang="en-US" dirty="0" smtClean="0"/>
-              <a:t>摘要软件</a:t>
+              <a:t>智能视屏摘要软件</a:t>
             </a:r>
             <a:endParaRPr lang="zh-CN" altLang="en-US" dirty="0"/>
           </a:p>
@@ -6613,25 +9691,26 @@
           </a:p>
         </p:txBody>
       </p:sp>
-      <p:sp>
-        <p:nvSpPr>
-          <p:cNvPr id="3" name="内容占位符 2"/>
-          <p:cNvSpPr>
-            <a:spLocks noGrp="1"/>
-          </p:cNvSpPr>
+      <p:graphicFrame>
+        <p:nvGraphicFramePr>
+          <p:cNvPr id="4" name="内容占位符 3"/>
+          <p:cNvGraphicFramePr>
+            <a:graphicFrameLocks noGrp="1"/>
+          </p:cNvGraphicFramePr>
           <p:nvPr>
             <p:ph idx="1"/>
           </p:nvPr>
-        </p:nvSpPr>
-        <p:spPr/>
-        <p:txBody>
-          <a:bodyPr/>
-          <a:lstStyle/>
-          <a:p>
-            <a:endParaRPr lang="zh-CN" altLang="en-US"/>
-          </a:p>
-        </p:txBody>
-      </p:sp>
+        </p:nvGraphicFramePr>
+        <p:xfrm>
+          <a:off x="457200" y="1935163"/>
+          <a:ext cx="8229600" cy="4389437"/>
+        </p:xfrm>
+        <a:graphic>
+          <a:graphicData uri="http://schemas.openxmlformats.org/drawingml/2006/diagram">
+            <dgm:relIds xmlns:dgm="http://schemas.openxmlformats.org/drawingml/2006/diagram" xmlns:r="http://schemas.openxmlformats.org/officeDocument/2006/relationships" r:dm="rId2" r:lo="rId3" r:qs="rId4" r:cs="rId5"/>
+          </a:graphicData>
+        </a:graphic>
+      </p:graphicFrame>
     </p:spTree>
   </p:cSld>
   <p:clrMapOvr>
@@ -6767,19 +9846,7 @@
           <a:p>
             <a:r>
               <a:rPr lang="zh-CN" altLang="en-US" sz="2800" dirty="0" smtClean="0"/>
-              <a:t>在现在的视频监控领域中，往往一个监控视频就有几十个小时，而且监控摄像头也数不胜数，一般来说很难有这么多</a:t>
-            </a:r>
-            <a:r>
-              <a:rPr lang="zh-CN" altLang="en-US" sz="2800" dirty="0" smtClean="0"/>
-              <a:t>人力资源和时间资源来</a:t>
-            </a:r>
-            <a:r>
-              <a:rPr lang="zh-CN" altLang="en-US" sz="2800" dirty="0" smtClean="0"/>
-              <a:t>监控或者查看这么庞大的视频</a:t>
-            </a:r>
-            <a:r>
-              <a:rPr lang="zh-CN" altLang="en-US" sz="2800" dirty="0" smtClean="0"/>
-              <a:t>资源。</a:t>
+              <a:t>在现在的视频监控领域中，往往一个监控视频就有几十个小时，而且监控摄像头也数不胜数，一般来说很难有这么多人力资源和时间资源来监控或者查看这么庞大的视频资源。</a:t>
             </a:r>
             <a:endParaRPr lang="zh-CN" altLang="en-US" sz="2800" dirty="0"/>
           </a:p>
@@ -7089,7 +10156,7 @@
           </p:nvPr>
         </p:nvPicPr>
         <p:blipFill>
-          <a:blip r:embed="rId2"/>
+          <a:blip r:embed="rId2" cstate="print"/>
           <a:stretch>
             <a:fillRect/>
           </a:stretch>
@@ -7408,15 +10475,7 @@
             </a:pPr>
             <a:r>
               <a:rPr lang="zh-CN" altLang="en-US" dirty="0" smtClean="0"/>
-              <a:t> </a:t>
-            </a:r>
-            <a:r>
-              <a:rPr lang="zh-CN" altLang="en-US" dirty="0" smtClean="0"/>
-              <a:t>          本</a:t>
-            </a:r>
-            <a:r>
-              <a:rPr lang="zh-CN" altLang="en-US" dirty="0" smtClean="0"/>
-              <a:t>软件系统支持</a:t>
+              <a:t>           本软件系统支持</a:t>
             </a:r>
             <a:r>
               <a:rPr lang="en-US" altLang="zh-CN" dirty="0" err="1" smtClean="0"/>
@@ -7441,19 +10500,7 @@
             </a:pPr>
             <a:r>
               <a:rPr lang="zh-CN" altLang="en-US" dirty="0" smtClean="0"/>
-              <a:t>           支持</a:t>
-            </a:r>
-            <a:r>
-              <a:rPr lang="zh-CN" altLang="en-US" dirty="0" smtClean="0"/>
-              <a:t>固定摄像头下拍摄的视频，镜头不能有抖动，抖动会对</a:t>
-            </a:r>
-            <a:r>
-              <a:rPr lang="zh-CN" altLang="en-US" dirty="0" smtClean="0"/>
-              <a:t>视频摘要提取</a:t>
-            </a:r>
-            <a:r>
-              <a:rPr lang="zh-CN" altLang="en-US" dirty="0" smtClean="0"/>
-              <a:t>的数据准确率有影响。</a:t>
+              <a:t>           支持固定摄像头下拍摄的视频，镜头不能有抖动，抖动会对视频摘要提取的数据准确率有影响。</a:t>
             </a:r>
             <a:endParaRPr lang="en-US" altLang="zh-CN" dirty="0" smtClean="0"/>
           </a:p>
@@ -7470,11 +10517,7 @@
             </a:pPr>
             <a:r>
               <a:rPr lang="en-US" altLang="zh-CN" dirty="0" smtClean="0"/>
-              <a:t> </a:t>
-            </a:r>
-            <a:r>
-              <a:rPr lang="en-US" altLang="zh-CN" dirty="0" smtClean="0"/>
-              <a:t>          </a:t>
+              <a:t>           </a:t>
             </a:r>
             <a:r>
               <a:rPr lang="zh-CN" altLang="en-US" dirty="0" smtClean="0"/>

--- a/文档管理/其他文档/智能视屏摘要系统演示.pptx
+++ b/文档管理/其他文档/智能视屏摘要系统演示.pptx
@@ -7,18 +7,20 @@
   <p:sldIdLst>
     <p:sldId id="256" r:id="rId2"/>
     <p:sldId id="257" r:id="rId3"/>
-    <p:sldId id="258" r:id="rId4"/>
-    <p:sldId id="259" r:id="rId5"/>
-    <p:sldId id="260" r:id="rId6"/>
-    <p:sldId id="261" r:id="rId7"/>
-    <p:sldId id="262" r:id="rId8"/>
-    <p:sldId id="264" r:id="rId9"/>
-    <p:sldId id="263" r:id="rId10"/>
-    <p:sldId id="265" r:id="rId11"/>
-    <p:sldId id="266" r:id="rId12"/>
-    <p:sldId id="267" r:id="rId13"/>
-    <p:sldId id="268" r:id="rId14"/>
-    <p:sldId id="269" r:id="rId15"/>
+    <p:sldId id="271" r:id="rId4"/>
+    <p:sldId id="270" r:id="rId5"/>
+    <p:sldId id="258" r:id="rId6"/>
+    <p:sldId id="259" r:id="rId7"/>
+    <p:sldId id="260" r:id="rId8"/>
+    <p:sldId id="261" r:id="rId9"/>
+    <p:sldId id="262" r:id="rId10"/>
+    <p:sldId id="264" r:id="rId11"/>
+    <p:sldId id="263" r:id="rId12"/>
+    <p:sldId id="265" r:id="rId13"/>
+    <p:sldId id="266" r:id="rId14"/>
+    <p:sldId id="267" r:id="rId15"/>
+    <p:sldId id="268" r:id="rId16"/>
+    <p:sldId id="269" r:id="rId17"/>
   </p:sldIdLst>
   <p:sldSz cx="9144000" cy="6858000" type="screen4x3"/>
   <p:notesSz cx="6858000" cy="9144000"/>
@@ -2042,10 +2044,24 @@
     <dgm:pt modelId="{73E6296E-3C8F-4E94-93EB-4074381F6944}" type="parTrans" cxnId="{12DCD4E3-D35F-4EF8-94F4-B3971FFB688D}">
       <dgm:prSet/>
       <dgm:spPr/>
+      <dgm:t>
+        <a:bodyPr/>
+        <a:lstStyle/>
+        <a:p>
+          <a:endParaRPr lang="zh-CN" altLang="en-US"/>
+        </a:p>
+      </dgm:t>
     </dgm:pt>
     <dgm:pt modelId="{CA194AC7-9BCF-402D-B27D-6A7665D51111}" type="sibTrans" cxnId="{12DCD4E3-D35F-4EF8-94F4-B3971FFB688D}">
       <dgm:prSet/>
       <dgm:spPr/>
+      <dgm:t>
+        <a:bodyPr/>
+        <a:lstStyle/>
+        <a:p>
+          <a:endParaRPr lang="zh-CN" altLang="en-US"/>
+        </a:p>
+      </dgm:t>
     </dgm:pt>
     <dgm:pt modelId="{3207163A-73B9-4411-8D3E-7561DAE272BB}">
       <dgm:prSet phldrT="[文本]"/>
@@ -2065,10 +2081,24 @@
     <dgm:pt modelId="{949BFEA3-F3B9-4ED9-8DD0-9C5F21218905}" type="parTrans" cxnId="{23362E92-4126-47EB-914C-751F863FADB8}">
       <dgm:prSet/>
       <dgm:spPr/>
+      <dgm:t>
+        <a:bodyPr/>
+        <a:lstStyle/>
+        <a:p>
+          <a:endParaRPr lang="zh-CN" altLang="en-US"/>
+        </a:p>
+      </dgm:t>
     </dgm:pt>
     <dgm:pt modelId="{8F5191C0-58E3-4298-AAA1-196E2A571E5C}" type="sibTrans" cxnId="{23362E92-4126-47EB-914C-751F863FADB8}">
       <dgm:prSet/>
       <dgm:spPr/>
+      <dgm:t>
+        <a:bodyPr/>
+        <a:lstStyle/>
+        <a:p>
+          <a:endParaRPr lang="zh-CN" altLang="en-US"/>
+        </a:p>
+      </dgm:t>
     </dgm:pt>
     <dgm:pt modelId="{10DCB5EA-2DDC-4812-B950-2E89FF06717F}">
       <dgm:prSet phldrT="[文本]"/>
@@ -2088,10 +2118,24 @@
     <dgm:pt modelId="{19EF57D0-D814-476D-8DF1-F407E924AFAC}" type="parTrans" cxnId="{95CA2B1F-0BE4-4283-B6BF-AC5E2CBAA3A0}">
       <dgm:prSet/>
       <dgm:spPr/>
+      <dgm:t>
+        <a:bodyPr/>
+        <a:lstStyle/>
+        <a:p>
+          <a:endParaRPr lang="zh-CN" altLang="en-US"/>
+        </a:p>
+      </dgm:t>
     </dgm:pt>
     <dgm:pt modelId="{3C6357D5-78A3-45F5-AE4A-6BBBCD026C05}" type="sibTrans" cxnId="{95CA2B1F-0BE4-4283-B6BF-AC5E2CBAA3A0}">
       <dgm:prSet/>
       <dgm:spPr/>
+      <dgm:t>
+        <a:bodyPr/>
+        <a:lstStyle/>
+        <a:p>
+          <a:endParaRPr lang="zh-CN" altLang="en-US"/>
+        </a:p>
+      </dgm:t>
     </dgm:pt>
     <dgm:pt modelId="{1817ADCA-09A3-4213-AE34-64476BBCA841}" type="pres">
       <dgm:prSet presAssocID="{F68C7F7B-CA99-4BB2-B38C-6672A89D2465}" presName="CompostProcess" presStyleCnt="0">
@@ -2136,6 +2180,13 @@
         </dgm:presLayoutVars>
       </dgm:prSet>
       <dgm:spPr/>
+      <dgm:t>
+        <a:bodyPr/>
+        <a:lstStyle/>
+        <a:p>
+          <a:endParaRPr lang="zh-CN" altLang="en-US"/>
+        </a:p>
+      </dgm:t>
     </dgm:pt>
     <dgm:pt modelId="{DC7275E8-ED25-4342-B033-03071437B23D}" type="pres">
       <dgm:prSet presAssocID="{8F5191C0-58E3-4298-AAA1-196E2A571E5C}" presName="sibTrans" presStyleCnt="0"/>
@@ -2148,15 +2199,22 @@
         </dgm:presLayoutVars>
       </dgm:prSet>
       <dgm:spPr/>
+      <dgm:t>
+        <a:bodyPr/>
+        <a:lstStyle/>
+        <a:p>
+          <a:endParaRPr lang="zh-CN" altLang="en-US"/>
+        </a:p>
+      </dgm:t>
     </dgm:pt>
   </dgm:ptLst>
   <dgm:cxnLst>
+    <dgm:cxn modelId="{D9805593-AAA0-43C5-85C5-E6010E517F8C}" type="presOf" srcId="{F68C7F7B-CA99-4BB2-B38C-6672A89D2465}" destId="{1817ADCA-09A3-4213-AE34-64476BBCA841}" srcOrd="0" destOrd="0" presId="urn:microsoft.com/office/officeart/2005/8/layout/hProcess9"/>
     <dgm:cxn modelId="{765AC0C4-863A-4113-8562-CCB3604CBA30}" type="presOf" srcId="{A4C3FC71-7DD1-4B5B-AC9A-0AD87AA7CA69}" destId="{3037CB55-5BEE-4164-BFD4-D799C0D9BE90}" srcOrd="0" destOrd="0" presId="urn:microsoft.com/office/officeart/2005/8/layout/hProcess9"/>
-    <dgm:cxn modelId="{D9805593-AAA0-43C5-85C5-E6010E517F8C}" type="presOf" srcId="{F68C7F7B-CA99-4BB2-B38C-6672A89D2465}" destId="{1817ADCA-09A3-4213-AE34-64476BBCA841}" srcOrd="0" destOrd="0" presId="urn:microsoft.com/office/officeart/2005/8/layout/hProcess9"/>
     <dgm:cxn modelId="{23362E92-4126-47EB-914C-751F863FADB8}" srcId="{F68C7F7B-CA99-4BB2-B38C-6672A89D2465}" destId="{3207163A-73B9-4411-8D3E-7561DAE272BB}" srcOrd="1" destOrd="0" parTransId="{949BFEA3-F3B9-4ED9-8DD0-9C5F21218905}" sibTransId="{8F5191C0-58E3-4298-AAA1-196E2A571E5C}"/>
     <dgm:cxn modelId="{12DCD4E3-D35F-4EF8-94F4-B3971FFB688D}" srcId="{F68C7F7B-CA99-4BB2-B38C-6672A89D2465}" destId="{A4C3FC71-7DD1-4B5B-AC9A-0AD87AA7CA69}" srcOrd="0" destOrd="0" parTransId="{73E6296E-3C8F-4E94-93EB-4074381F6944}" sibTransId="{CA194AC7-9BCF-402D-B27D-6A7665D51111}"/>
+    <dgm:cxn modelId="{DFC2AB15-8A78-4AC7-9B3F-10DF34A440C7}" type="presOf" srcId="{10DCB5EA-2DDC-4812-B950-2E89FF06717F}" destId="{98D50B15-5B6E-4D24-A417-862FB83A2A0B}" srcOrd="0" destOrd="0" presId="urn:microsoft.com/office/officeart/2005/8/layout/hProcess9"/>
     <dgm:cxn modelId="{95CA2B1F-0BE4-4283-B6BF-AC5E2CBAA3A0}" srcId="{F68C7F7B-CA99-4BB2-B38C-6672A89D2465}" destId="{10DCB5EA-2DDC-4812-B950-2E89FF06717F}" srcOrd="2" destOrd="0" parTransId="{19EF57D0-D814-476D-8DF1-F407E924AFAC}" sibTransId="{3C6357D5-78A3-45F5-AE4A-6BBBCD026C05}"/>
-    <dgm:cxn modelId="{DFC2AB15-8A78-4AC7-9B3F-10DF34A440C7}" type="presOf" srcId="{10DCB5EA-2DDC-4812-B950-2E89FF06717F}" destId="{98D50B15-5B6E-4D24-A417-862FB83A2A0B}" srcOrd="0" destOrd="0" presId="urn:microsoft.com/office/officeart/2005/8/layout/hProcess9"/>
     <dgm:cxn modelId="{2DDDD6F7-F852-4EAE-9202-D9F3A11D47B1}" type="presOf" srcId="{3207163A-73B9-4411-8D3E-7561DAE272BB}" destId="{80833226-5955-42A2-ABA7-A17A54342038}" srcOrd="0" destOrd="0" presId="urn:microsoft.com/office/officeart/2005/8/layout/hProcess9"/>
     <dgm:cxn modelId="{0C5BAB94-89B1-486C-A06A-42CBEF4EE77C}" type="presParOf" srcId="{1817ADCA-09A3-4213-AE34-64476BBCA841}" destId="{F9B57240-9699-4813-A3D9-ECFC7DA25DD2}" srcOrd="0" destOrd="0" presId="urn:microsoft.com/office/officeart/2005/8/layout/hProcess9"/>
     <dgm:cxn modelId="{1A636CA6-284C-4CBE-B742-D43A2EEBB9BC}" type="presParOf" srcId="{1817ADCA-09A3-4213-AE34-64476BBCA841}" destId="{EB1B2154-754B-41B0-8C7C-F30362B148E6}" srcOrd="1" destOrd="0" presId="urn:microsoft.com/office/officeart/2005/8/layout/hProcess9"/>
@@ -5783,7 +5841,7 @@
             <a:fld id="{530820CF-B880-4189-942D-D702A7CBA730}" type="datetimeFigureOut">
               <a:rPr lang="zh-CN" altLang="en-US" smtClean="0"/>
               <a:pPr/>
-              <a:t>2011/5/27</a:t>
+              <a:t>2011/6/8</a:t>
             </a:fld>
             <a:endParaRPr lang="zh-CN" altLang="en-US"/>
           </a:p>
@@ -5950,7 +6008,7 @@
             <a:fld id="{530820CF-B880-4189-942D-D702A7CBA730}" type="datetimeFigureOut">
               <a:rPr lang="zh-CN" altLang="en-US" smtClean="0"/>
               <a:pPr/>
-              <a:t>2011/5/27</a:t>
+              <a:t>2011/6/8</a:t>
             </a:fld>
             <a:endParaRPr lang="zh-CN" altLang="en-US"/>
           </a:p>
@@ -6127,7 +6185,7 @@
             <a:fld id="{530820CF-B880-4189-942D-D702A7CBA730}" type="datetimeFigureOut">
               <a:rPr lang="zh-CN" altLang="en-US" smtClean="0"/>
               <a:pPr/>
-              <a:t>2011/5/27</a:t>
+              <a:t>2011/6/8</a:t>
             </a:fld>
             <a:endParaRPr lang="zh-CN" altLang="en-US"/>
           </a:p>
@@ -6294,7 +6352,7 @@
             <a:fld id="{530820CF-B880-4189-942D-D702A7CBA730}" type="datetimeFigureOut">
               <a:rPr lang="zh-CN" altLang="en-US" smtClean="0"/>
               <a:pPr/>
-              <a:t>2011/5/27</a:t>
+              <a:t>2011/6/8</a:t>
             </a:fld>
             <a:endParaRPr lang="zh-CN" altLang="en-US"/>
           </a:p>
@@ -6538,7 +6596,7 @@
             <a:fld id="{530820CF-B880-4189-942D-D702A7CBA730}" type="datetimeFigureOut">
               <a:rPr lang="zh-CN" altLang="en-US" smtClean="0"/>
               <a:pPr/>
-              <a:t>2011/5/27</a:t>
+              <a:t>2011/6/8</a:t>
             </a:fld>
             <a:endParaRPr lang="zh-CN" altLang="en-US"/>
           </a:p>
@@ -6804,7 +6862,7 @@
             <a:fld id="{530820CF-B880-4189-942D-D702A7CBA730}" type="datetimeFigureOut">
               <a:rPr lang="zh-CN" altLang="en-US" smtClean="0"/>
               <a:pPr/>
-              <a:t>2011/5/27</a:t>
+              <a:t>2011/6/8</a:t>
             </a:fld>
             <a:endParaRPr lang="zh-CN" altLang="en-US"/>
           </a:p>
@@ -7184,7 +7242,7 @@
             <a:fld id="{530820CF-B880-4189-942D-D702A7CBA730}" type="datetimeFigureOut">
               <a:rPr lang="zh-CN" altLang="en-US" smtClean="0"/>
               <a:pPr/>
-              <a:t>2011/5/27</a:t>
+              <a:t>2011/6/8</a:t>
             </a:fld>
             <a:endParaRPr lang="zh-CN" altLang="en-US"/>
           </a:p>
@@ -7336,7 +7394,7 @@
             <a:fld id="{530820CF-B880-4189-942D-D702A7CBA730}" type="datetimeFigureOut">
               <a:rPr lang="zh-CN" altLang="en-US" smtClean="0"/>
               <a:pPr/>
-              <a:t>2011/5/27</a:t>
+              <a:t>2011/6/8</a:t>
             </a:fld>
             <a:endParaRPr lang="zh-CN" altLang="en-US"/>
           </a:p>
@@ -7428,7 +7486,7 @@
             <a:fld id="{530820CF-B880-4189-942D-D702A7CBA730}" type="datetimeFigureOut">
               <a:rPr lang="zh-CN" altLang="en-US" smtClean="0"/>
               <a:pPr/>
-              <a:t>2011/5/27</a:t>
+              <a:t>2011/6/8</a:t>
             </a:fld>
             <a:endParaRPr lang="zh-CN" altLang="en-US"/>
           </a:p>
@@ -7691,7 +7749,7 @@
             <a:fld id="{530820CF-B880-4189-942D-D702A7CBA730}" type="datetimeFigureOut">
               <a:rPr lang="zh-CN" altLang="en-US" smtClean="0"/>
               <a:pPr/>
-              <a:t>2011/5/27</a:t>
+              <a:t>2011/6/8</a:t>
             </a:fld>
             <a:endParaRPr lang="zh-CN" altLang="en-US"/>
           </a:p>
@@ -7981,7 +8039,7 @@
             <a:fld id="{530820CF-B880-4189-942D-D702A7CBA730}" type="datetimeFigureOut">
               <a:rPr lang="zh-CN" altLang="en-US" smtClean="0"/>
               <a:pPr/>
-              <a:t>2011/5/27</a:t>
+              <a:t>2011/6/8</a:t>
             </a:fld>
             <a:endParaRPr lang="zh-CN" altLang="en-US"/>
           </a:p>
@@ -8754,7 +8812,7 @@
             <a:fld id="{530820CF-B880-4189-942D-D702A7CBA730}" type="datetimeFigureOut">
               <a:rPr lang="zh-CN" altLang="en-US" smtClean="0"/>
               <a:pPr/>
-              <a:t>2011/5/27</a:t>
+              <a:t>2011/6/8</a:t>
             </a:fld>
             <a:endParaRPr lang="zh-CN" altLang="en-US"/>
           </a:p>
@@ -9504,7 +9562,7 @@
         </p:nvSpPr>
         <p:spPr>
           <a:xfrm>
-            <a:off x="530352" y="2500306"/>
+            <a:off x="571472" y="2214554"/>
             <a:ext cx="7772400" cy="1362456"/>
           </a:xfrm>
         </p:spPr>
@@ -9515,7 +9573,7 @@
             <a:pPr algn="ctr"/>
             <a:r>
               <a:rPr lang="zh-CN" altLang="en-US" dirty="0" smtClean="0"/>
-              <a:t>广阔的应用前景</a:t>
+              <a:t>技术与理论创新点</a:t>
             </a:r>
             <a:endParaRPr lang="zh-CN" altLang="en-US" dirty="0"/>
           </a:p>
@@ -9526,6 +9584,13 @@
   <p:clrMapOvr>
     <a:masterClrMapping/>
   </p:clrMapOvr>
+  <p:timing>
+    <p:tnLst>
+      <p:par>
+        <p:cTn id="1" dur="indefinite" restart="never" nodeType="tmRoot"/>
+      </p:par>
+    </p:tnLst>
+  </p:timing>
 </p:sld>
 </file>
 
@@ -9563,6 +9628,147 @@
           <a:p>
             <a:r>
               <a:rPr lang="zh-CN" altLang="en-US" dirty="0" smtClean="0"/>
+              <a:t>技术与理论创新点</a:t>
+            </a:r>
+            <a:endParaRPr lang="zh-CN" altLang="en-US" dirty="0"/>
+          </a:p>
+        </p:txBody>
+      </p:sp>
+      <p:sp>
+        <p:nvSpPr>
+          <p:cNvPr id="3" name="内容占位符 2"/>
+          <p:cNvSpPr>
+            <a:spLocks noGrp="1"/>
+          </p:cNvSpPr>
+          <p:nvPr>
+            <p:ph idx="1"/>
+          </p:nvPr>
+        </p:nvSpPr>
+        <p:spPr/>
+        <p:txBody>
+          <a:bodyPr>
+            <a:normAutofit/>
+          </a:bodyPr>
+          <a:lstStyle/>
+          <a:p>
+            <a:r>
+              <a:rPr lang="zh-CN" altLang="en-US" sz="2800" dirty="0" smtClean="0"/>
+              <a:t>目前大部分已在使用的监控视频软件都是根据视频中事物某些确定性的特征进行处理，比如说查找带着红色帽子的人物或者是搜索某黑色的车辆，这些事物都具有形状，颜色或者其他固定的特征。而当你并不知道事物的特征时，就只有整个视频浏览一遍，智能视频摘要软件就能很好解决这一点，通过提取视频中所有摘要事件，让用户快速浏览以找到自己想要的目标。</a:t>
+            </a:r>
+            <a:endParaRPr lang="zh-CN" altLang="en-US" sz="2800" dirty="0"/>
+          </a:p>
+        </p:txBody>
+      </p:sp>
+    </p:spTree>
+  </p:cSld>
+  <p:clrMapOvr>
+    <a:masterClrMapping/>
+  </p:clrMapOvr>
+  <p:timing>
+    <p:tnLst>
+      <p:par>
+        <p:cTn id="1" dur="indefinite" restart="never" nodeType="tmRoot"/>
+      </p:par>
+    </p:tnLst>
+  </p:timing>
+</p:sld>
+</file>
+
+<file path=ppt/slides/slide12.xml><?xml version="1.0" encoding="utf-8"?>
+<p:sld xmlns:a="http://schemas.openxmlformats.org/drawingml/2006/main" xmlns:r="http://schemas.openxmlformats.org/officeDocument/2006/relationships" xmlns:p="http://schemas.openxmlformats.org/presentationml/2006/main">
+  <p:cSld>
+    <p:spTree>
+      <p:nvGrpSpPr>
+        <p:cNvPr id="1" name=""/>
+        <p:cNvGrpSpPr/>
+        <p:nvPr/>
+      </p:nvGrpSpPr>
+      <p:grpSpPr>
+        <a:xfrm>
+          <a:off x="0" y="0"/>
+          <a:ext cx="0" cy="0"/>
+          <a:chOff x="0" y="0"/>
+          <a:chExt cx="0" cy="0"/>
+        </a:xfrm>
+      </p:grpSpPr>
+      <p:sp>
+        <p:nvSpPr>
+          <p:cNvPr id="2" name="标题 1"/>
+          <p:cNvSpPr>
+            <a:spLocks noGrp="1"/>
+          </p:cNvSpPr>
+          <p:nvPr>
+            <p:ph type="title"/>
+          </p:nvPr>
+        </p:nvSpPr>
+        <p:spPr>
+          <a:xfrm>
+            <a:off x="530352" y="2500306"/>
+            <a:ext cx="7772400" cy="1362456"/>
+          </a:xfrm>
+        </p:spPr>
+        <p:txBody>
+          <a:bodyPr/>
+          <a:lstStyle/>
+          <a:p>
+            <a:pPr algn="ctr"/>
+            <a:r>
+              <a:rPr lang="zh-CN" altLang="en-US" dirty="0" smtClean="0"/>
+              <a:t>广阔的应用前景</a:t>
+            </a:r>
+            <a:endParaRPr lang="zh-CN" altLang="en-US" dirty="0"/>
+          </a:p>
+        </p:txBody>
+      </p:sp>
+    </p:spTree>
+  </p:cSld>
+  <p:clrMapOvr>
+    <a:masterClrMapping/>
+  </p:clrMapOvr>
+  <p:timing>
+    <p:tnLst>
+      <p:par>
+        <p:cTn id="1" dur="indefinite" restart="never" nodeType="tmRoot"/>
+      </p:par>
+    </p:tnLst>
+  </p:timing>
+</p:sld>
+</file>
+
+<file path=ppt/slides/slide13.xml><?xml version="1.0" encoding="utf-8"?>
+<p:sld xmlns:a="http://schemas.openxmlformats.org/drawingml/2006/main" xmlns:r="http://schemas.openxmlformats.org/officeDocument/2006/relationships" xmlns:p="http://schemas.openxmlformats.org/presentationml/2006/main">
+  <p:cSld>
+    <p:spTree>
+      <p:nvGrpSpPr>
+        <p:cNvPr id="1" name=""/>
+        <p:cNvGrpSpPr/>
+        <p:nvPr/>
+      </p:nvGrpSpPr>
+      <p:grpSpPr>
+        <a:xfrm>
+          <a:off x="0" y="0"/>
+          <a:ext cx="0" cy="0"/>
+          <a:chOff x="0" y="0"/>
+          <a:chExt cx="0" cy="0"/>
+        </a:xfrm>
+      </p:grpSpPr>
+      <p:sp>
+        <p:nvSpPr>
+          <p:cNvPr id="2" name="标题 1"/>
+          <p:cNvSpPr>
+            <a:spLocks noGrp="1"/>
+          </p:cNvSpPr>
+          <p:nvPr>
+            <p:ph type="title"/>
+          </p:nvPr>
+        </p:nvSpPr>
+        <p:spPr/>
+        <p:txBody>
+          <a:bodyPr/>
+          <a:lstStyle/>
+          <a:p>
+            <a:r>
+              <a:rPr lang="zh-CN" altLang="en-US" dirty="0" smtClean="0"/>
               <a:t>广阔的应用前景</a:t>
             </a:r>
             <a:endParaRPr lang="zh-CN" altLang="en-US" dirty="0"/>
@@ -9594,10 +9800,17 @@
   <p:clrMapOvr>
     <a:masterClrMapping/>
   </p:clrMapOvr>
+  <p:timing>
+    <p:tnLst>
+      <p:par>
+        <p:cTn id="1" dur="indefinite" restart="never" nodeType="tmRoot"/>
+      </p:par>
+    </p:tnLst>
+  </p:timing>
 </p:sld>
 </file>
 
-<file path=ppt/slides/slide12.xml><?xml version="1.0" encoding="utf-8"?>
+<file path=ppt/slides/slide14.xml><?xml version="1.0" encoding="utf-8"?>
 <p:sld xmlns:a="http://schemas.openxmlformats.org/drawingml/2006/main" xmlns:r="http://schemas.openxmlformats.org/officeDocument/2006/relationships" xmlns:p="http://schemas.openxmlformats.org/presentationml/2006/main">
   <p:cSld>
     <p:spTree>
@@ -9648,10 +9861,17 @@
   <p:clrMapOvr>
     <a:masterClrMapping/>
   </p:clrMapOvr>
+  <p:timing>
+    <p:tnLst>
+      <p:par>
+        <p:cTn id="1" dur="indefinite" restart="never" nodeType="tmRoot"/>
+      </p:par>
+    </p:tnLst>
+  </p:timing>
 </p:sld>
 </file>
 
-<file path=ppt/slides/slide13.xml><?xml version="1.0" encoding="utf-8"?>
+<file path=ppt/slides/slide15.xml><?xml version="1.0" encoding="utf-8"?>
 <p:sld xmlns:a="http://schemas.openxmlformats.org/drawingml/2006/main" xmlns:r="http://schemas.openxmlformats.org/officeDocument/2006/relationships" xmlns:p="http://schemas.openxmlformats.org/presentationml/2006/main">
   <p:cSld>
     <p:spTree>
@@ -9716,10 +9936,17 @@
   <p:clrMapOvr>
     <a:masterClrMapping/>
   </p:clrMapOvr>
+  <p:timing>
+    <p:tnLst>
+      <p:par>
+        <p:cTn id="1" dur="indefinite" restart="never" nodeType="tmRoot"/>
+      </p:par>
+    </p:tnLst>
+  </p:timing>
 </p:sld>
 </file>
 
-<file path=ppt/slides/slide14.xml><?xml version="1.0" encoding="utf-8"?>
+<file path=ppt/slides/slide16.xml><?xml version="1.0" encoding="utf-8"?>
 <p:sld xmlns:a="http://schemas.openxmlformats.org/drawingml/2006/main" xmlns:r="http://schemas.openxmlformats.org/officeDocument/2006/relationships" xmlns:p="http://schemas.openxmlformats.org/presentationml/2006/main">
   <p:cSld>
     <p:spTree>
@@ -9774,6 +10001,13 @@
   <p:clrMapOvr>
     <a:masterClrMapping/>
   </p:clrMapOvr>
+  <p:timing>
+    <p:tnLst>
+      <p:par>
+        <p:cTn id="1" dur="indefinite" restart="never" nodeType="tmRoot"/>
+      </p:par>
+    </p:tnLst>
+  </p:timing>
 </p:sld>
 </file>
 
@@ -9834,8 +10068,8 @@
         </p:nvSpPr>
         <p:spPr>
           <a:xfrm>
-            <a:off x="428596" y="2006918"/>
-            <a:ext cx="8229600" cy="1850710"/>
+            <a:off x="467544" y="1988840"/>
+            <a:ext cx="8229600" cy="3960440"/>
           </a:xfrm>
         </p:spPr>
         <p:txBody>
@@ -9846,85 +10080,17 @@
           <a:p>
             <a:r>
               <a:rPr lang="zh-CN" altLang="en-US" sz="2800" dirty="0" smtClean="0"/>
-              <a:t>在现在的视频监控领域中，往往一个监控视频就有几十个小时，而且监控摄像头也数不胜数，一般来说很难有这么多人力资源和时间资源来监控或者查看这么庞大的视频资源。</a:t>
+              <a:t>随着人类对安全的需要越来越高，安防监控已经遍布各个领域。</a:t>
+            </a:r>
+            <a:r>
+              <a:rPr lang="zh-CN" altLang="en-US" sz="2800" dirty="0" smtClean="0"/>
+              <a:t>在</a:t>
+            </a:r>
+            <a:r>
+              <a:rPr lang="zh-CN" altLang="en-US" sz="2800" dirty="0" smtClean="0"/>
+              <a:t>现在的视频监控领域中，往往一个监控视频就有几十个小时，而且监控摄像头也数不胜数，一般来说很难有这么多人力资源和时间资源来监控或者查看这么庞大的视频资源。</a:t>
             </a:r>
             <a:endParaRPr lang="zh-CN" altLang="en-US" sz="2800" dirty="0"/>
-          </a:p>
-        </p:txBody>
-      </p:sp>
-      <p:sp>
-        <p:nvSpPr>
-          <p:cNvPr id="5" name="内容占位符 2"/>
-          <p:cNvSpPr txBox="1">
-            <a:spLocks/>
-          </p:cNvSpPr>
-          <p:nvPr/>
-        </p:nvSpPr>
-        <p:spPr>
-          <a:xfrm>
-            <a:off x="428596" y="4000504"/>
-            <a:ext cx="8229600" cy="2428892"/>
-          </a:xfrm>
-          <a:prstGeom prst="rect">
-            <a:avLst/>
-          </a:prstGeom>
-        </p:spPr>
-        <p:txBody>
-          <a:bodyPr vert="horz">
-            <a:normAutofit/>
-          </a:bodyPr>
-          <a:lstStyle/>
-          <a:p>
-            <a:pPr marL="274320" marR="0" lvl="0" indent="-274320" algn="l" defTabSz="914400" rtl="0" eaLnBrk="1" fontAlgn="auto" latinLnBrk="0" hangingPunct="1">
-              <a:lnSpc>
-                <a:spcPct val="100000"/>
-              </a:lnSpc>
-              <a:spcBef>
-                <a:spcPct val="20000"/>
-              </a:spcBef>
-              <a:spcAft>
-                <a:spcPts val="0"/>
-              </a:spcAft>
-              <a:buClr>
-                <a:schemeClr val="accent3"/>
-              </a:buClr>
-              <a:buSzPct val="95000"/>
-              <a:buFont typeface="Wingdings 2"/>
-              <a:buChar char=""/>
-              <a:tabLst/>
-              <a:defRPr/>
-            </a:pPr>
-            <a:r>
-              <a:rPr kumimoji="0" lang="zh-CN" altLang="en-US" sz="2800" b="0" i="0" u="none" strike="noStrike" kern="1200" cap="none" spc="0" normalizeH="0" baseline="0" noProof="0" dirty="0" smtClean="0">
-                <a:ln>
-                  <a:noFill/>
-                </a:ln>
-                <a:solidFill>
-                  <a:schemeClr val="tx1"/>
-                </a:solidFill>
-                <a:effectLst/>
-                <a:uLnTx/>
-                <a:uFillTx/>
-                <a:latin typeface="+mn-lt"/>
-                <a:ea typeface="+mn-ea"/>
-                <a:cs typeface="+mn-cs"/>
-              </a:rPr>
-              <a:t>针对上面提到的问题，提出了一种提取视频摘要的方法，把整个视频的所有摘要事件都提取出来并放到一个很短的视频中同时播放，大大减少了浏览视频的时间，在安防监控领域中有着广阔的应用前景。</a:t>
-            </a:r>
-            <a:endParaRPr kumimoji="0" lang="zh-CN" altLang="en-US" sz="2800" b="0" i="0" u="none" strike="noStrike" kern="1200" cap="none" spc="0" normalizeH="0" baseline="0" noProof="0" dirty="0">
-              <a:ln>
-                <a:noFill/>
-              </a:ln>
-              <a:solidFill>
-                <a:schemeClr val="tx1"/>
-              </a:solidFill>
-              <a:effectLst/>
-              <a:uLnTx/>
-              <a:uFillTx/>
-              <a:latin typeface="+mn-lt"/>
-              <a:ea typeface="+mn-ea"/>
-              <a:cs typeface="+mn-cs"/>
-            </a:endParaRPr>
           </a:p>
         </p:txBody>
       </p:sp>
@@ -9970,22 +10136,436 @@
             <p:ph type="title"/>
           </p:nvPr>
         </p:nvSpPr>
-        <p:spPr>
-          <a:xfrm>
-            <a:off x="642910" y="2066544"/>
-            <a:ext cx="7772400" cy="1362456"/>
-          </a:xfrm>
-        </p:spPr>
+        <p:spPr/>
         <p:txBody>
           <a:bodyPr/>
           <a:lstStyle/>
           <a:p>
-            <a:pPr algn="ctr"/>
             <a:r>
               <a:rPr lang="zh-CN" altLang="en-US" dirty="0" smtClean="0"/>
-              <a:t>系统设计与实现</a:t>
+              <a:t>课题背景和意义</a:t>
             </a:r>
             <a:endParaRPr lang="zh-CN" altLang="en-US" dirty="0"/>
+          </a:p>
+        </p:txBody>
+      </p:sp>
+      <p:sp>
+        <p:nvSpPr>
+          <p:cNvPr id="3" name="内容占位符 2"/>
+          <p:cNvSpPr>
+            <a:spLocks noGrp="1"/>
+          </p:cNvSpPr>
+          <p:nvPr>
+            <p:ph idx="1"/>
+          </p:nvPr>
+        </p:nvSpPr>
+        <p:spPr/>
+        <p:txBody>
+          <a:bodyPr/>
+          <a:lstStyle/>
+          <a:p>
+            <a:r>
+              <a:rPr lang="en-US" altLang="zh-CN" dirty="0" smtClean="0"/>
+              <a:t> </a:t>
+            </a:r>
+            <a:r>
+              <a:rPr lang="en-US" altLang="zh-CN" dirty="0" smtClean="0"/>
+              <a:t>  </a:t>
+            </a:r>
+            <a:endParaRPr lang="zh-CN" altLang="en-US" dirty="0"/>
+          </a:p>
+        </p:txBody>
+      </p:sp>
+      <p:pic>
+        <p:nvPicPr>
+          <p:cNvPr id="1026" name="Picture 2" descr="C:\Users\liuyuanyi\Desktop\监控1.jpg"/>
+          <p:cNvPicPr>
+            <a:picLocks noChangeAspect="1" noChangeArrowheads="1"/>
+          </p:cNvPicPr>
+          <p:nvPr/>
+        </p:nvPicPr>
+        <p:blipFill>
+          <a:blip r:embed="rId2" cstate="print"/>
+          <a:srcRect/>
+          <a:stretch>
+            <a:fillRect/>
+          </a:stretch>
+        </p:blipFill>
+        <p:spPr bwMode="auto">
+          <a:xfrm>
+            <a:off x="3563888" y="3212976"/>
+            <a:ext cx="1409700" cy="1152525"/>
+          </a:xfrm>
+          <a:prstGeom prst="rect">
+            <a:avLst/>
+          </a:prstGeom>
+          <a:noFill/>
+        </p:spPr>
+      </p:pic>
+      <p:pic>
+        <p:nvPicPr>
+          <p:cNvPr id="1027" name="Picture 3" descr="C:\Users\liuyuanyi\Desktop\车辆2.jpg"/>
+          <p:cNvPicPr>
+            <a:picLocks noChangeAspect="1" noChangeArrowheads="1"/>
+          </p:cNvPicPr>
+          <p:nvPr/>
+        </p:nvPicPr>
+        <p:blipFill>
+          <a:blip r:embed="rId3" cstate="print"/>
+          <a:srcRect/>
+          <a:stretch>
+            <a:fillRect/>
+          </a:stretch>
+        </p:blipFill>
+        <p:spPr bwMode="auto">
+          <a:xfrm>
+            <a:off x="899592" y="1916832"/>
+            <a:ext cx="1872208" cy="1626884"/>
+          </a:xfrm>
+          <a:prstGeom prst="rect">
+            <a:avLst/>
+          </a:prstGeom>
+          <a:noFill/>
+        </p:spPr>
+      </p:pic>
+      <p:pic>
+        <p:nvPicPr>
+          <p:cNvPr id="1028" name="Picture 4" descr="C:\Users\liuyuanyi\Desktop\监控3.jpg"/>
+          <p:cNvPicPr>
+            <a:picLocks noChangeAspect="1" noChangeArrowheads="1"/>
+          </p:cNvPicPr>
+          <p:nvPr/>
+        </p:nvPicPr>
+        <p:blipFill>
+          <a:blip r:embed="rId4" cstate="print"/>
+          <a:srcRect/>
+          <a:stretch>
+            <a:fillRect/>
+          </a:stretch>
+        </p:blipFill>
+        <p:spPr bwMode="auto">
+          <a:xfrm>
+            <a:off x="827584" y="4437112"/>
+            <a:ext cx="2160240" cy="1695188"/>
+          </a:xfrm>
+          <a:prstGeom prst="rect">
+            <a:avLst/>
+          </a:prstGeom>
+          <a:noFill/>
+        </p:spPr>
+      </p:pic>
+      <p:pic>
+        <p:nvPicPr>
+          <p:cNvPr id="1029" name="Picture 5" descr="C:\Users\liuyuanyi\Desktop\监控4.jpg"/>
+          <p:cNvPicPr>
+            <a:picLocks noChangeAspect="1" noChangeArrowheads="1"/>
+          </p:cNvPicPr>
+          <p:nvPr/>
+        </p:nvPicPr>
+        <p:blipFill>
+          <a:blip r:embed="rId5" cstate="print"/>
+          <a:srcRect/>
+          <a:stretch>
+            <a:fillRect/>
+          </a:stretch>
+        </p:blipFill>
+        <p:spPr bwMode="auto">
+          <a:xfrm>
+            <a:off x="5622925" y="1917700"/>
+            <a:ext cx="2382449" cy="1799332"/>
+          </a:xfrm>
+          <a:prstGeom prst="rect">
+            <a:avLst/>
+          </a:prstGeom>
+          <a:noFill/>
+        </p:spPr>
+      </p:pic>
+      <p:pic>
+        <p:nvPicPr>
+          <p:cNvPr id="1030" name="Picture 6" descr="C:\Users\liuyuanyi\AppData\Roaming\Tencent\Users\416180381\QQ\WinTemp\RichOle\HC]9}2ZOFCUA(ZCS(FKBRQE.jpg"/>
+          <p:cNvPicPr>
+            <a:picLocks noChangeAspect="1" noChangeArrowheads="1"/>
+          </p:cNvPicPr>
+          <p:nvPr/>
+        </p:nvPicPr>
+        <p:blipFill>
+          <a:blip r:embed="rId6" cstate="print"/>
+          <a:srcRect/>
+          <a:stretch>
+            <a:fillRect/>
+          </a:stretch>
+        </p:blipFill>
+        <p:spPr bwMode="auto">
+          <a:xfrm>
+            <a:off x="5724128" y="4437112"/>
+            <a:ext cx="2172792" cy="1656184"/>
+          </a:xfrm>
+          <a:prstGeom prst="rect">
+            <a:avLst/>
+          </a:prstGeom>
+          <a:noFill/>
+        </p:spPr>
+      </p:pic>
+      <p:cxnSp>
+        <p:nvCxnSpPr>
+          <p:cNvPr id="10" name="直接箭头连接符 9"/>
+          <p:cNvCxnSpPr>
+            <a:endCxn id="1029" idx="1"/>
+          </p:cNvCxnSpPr>
+          <p:nvPr/>
+        </p:nvCxnSpPr>
+        <p:spPr>
+          <a:xfrm flipV="1">
+            <a:off x="4427984" y="2817366"/>
+            <a:ext cx="1194941" cy="323602"/>
+          </a:xfrm>
+          <a:prstGeom prst="straightConnector1">
+            <a:avLst/>
+          </a:prstGeom>
+          <a:ln>
+            <a:tailEnd type="arrow"/>
+          </a:ln>
+        </p:spPr>
+        <p:style>
+          <a:lnRef idx="1">
+            <a:schemeClr val="accent1"/>
+          </a:lnRef>
+          <a:fillRef idx="0">
+            <a:schemeClr val="accent1"/>
+          </a:fillRef>
+          <a:effectRef idx="0">
+            <a:schemeClr val="accent1"/>
+          </a:effectRef>
+          <a:fontRef idx="minor">
+            <a:schemeClr val="tx1"/>
+          </a:fontRef>
+        </p:style>
+      </p:cxnSp>
+      <p:cxnSp>
+        <p:nvCxnSpPr>
+          <p:cNvPr id="14" name="直接箭头连接符 13"/>
+          <p:cNvCxnSpPr>
+            <a:stCxn id="1026" idx="2"/>
+            <a:endCxn id="1028" idx="3"/>
+          </p:cNvCxnSpPr>
+          <p:nvPr/>
+        </p:nvCxnSpPr>
+        <p:spPr>
+          <a:xfrm rot="5400000">
+            <a:off x="3168679" y="4184646"/>
+            <a:ext cx="919205" cy="1280914"/>
+          </a:xfrm>
+          <a:prstGeom prst="straightConnector1">
+            <a:avLst/>
+          </a:prstGeom>
+          <a:ln>
+            <a:tailEnd type="arrow"/>
+          </a:ln>
+        </p:spPr>
+        <p:style>
+          <a:lnRef idx="1">
+            <a:schemeClr val="accent1"/>
+          </a:lnRef>
+          <a:fillRef idx="0">
+            <a:schemeClr val="accent1"/>
+          </a:fillRef>
+          <a:effectRef idx="0">
+            <a:schemeClr val="accent1"/>
+          </a:effectRef>
+          <a:fontRef idx="minor">
+            <a:schemeClr val="tx1"/>
+          </a:fontRef>
+        </p:style>
+      </p:cxnSp>
+      <p:cxnSp>
+        <p:nvCxnSpPr>
+          <p:cNvPr id="16" name="直接箭头连接符 15"/>
+          <p:cNvCxnSpPr>
+            <a:stCxn id="1026" idx="3"/>
+            <a:endCxn id="1030" idx="1"/>
+          </p:cNvCxnSpPr>
+          <p:nvPr/>
+        </p:nvCxnSpPr>
+        <p:spPr>
+          <a:xfrm>
+            <a:off x="4973588" y="3789239"/>
+            <a:ext cx="750540" cy="1475965"/>
+          </a:xfrm>
+          <a:prstGeom prst="straightConnector1">
+            <a:avLst/>
+          </a:prstGeom>
+          <a:ln>
+            <a:tailEnd type="arrow"/>
+          </a:ln>
+        </p:spPr>
+        <p:style>
+          <a:lnRef idx="1">
+            <a:schemeClr val="accent1"/>
+          </a:lnRef>
+          <a:fillRef idx="0">
+            <a:schemeClr val="accent1"/>
+          </a:fillRef>
+          <a:effectRef idx="0">
+            <a:schemeClr val="accent1"/>
+          </a:effectRef>
+          <a:fontRef idx="minor">
+            <a:schemeClr val="tx1"/>
+          </a:fontRef>
+        </p:style>
+      </p:cxnSp>
+      <p:cxnSp>
+        <p:nvCxnSpPr>
+          <p:cNvPr id="19" name="直接箭头连接符 18"/>
+          <p:cNvCxnSpPr>
+            <a:stCxn id="1026" idx="1"/>
+            <a:endCxn id="1027" idx="3"/>
+          </p:cNvCxnSpPr>
+          <p:nvPr/>
+        </p:nvCxnSpPr>
+        <p:spPr>
+          <a:xfrm rot="10800000">
+            <a:off x="2771800" y="2730275"/>
+            <a:ext cx="792088" cy="1058965"/>
+          </a:xfrm>
+          <a:prstGeom prst="straightConnector1">
+            <a:avLst/>
+          </a:prstGeom>
+          <a:ln>
+            <a:tailEnd type="arrow"/>
+          </a:ln>
+        </p:spPr>
+        <p:style>
+          <a:lnRef idx="1">
+            <a:schemeClr val="accent1"/>
+          </a:lnRef>
+          <a:fillRef idx="0">
+            <a:schemeClr val="accent1"/>
+          </a:fillRef>
+          <a:effectRef idx="0">
+            <a:schemeClr val="accent1"/>
+          </a:effectRef>
+          <a:fontRef idx="minor">
+            <a:schemeClr val="tx1"/>
+          </a:fontRef>
+        </p:style>
+      </p:cxnSp>
+      <p:sp>
+        <p:nvSpPr>
+          <p:cNvPr id="20" name="TextBox 19"/>
+          <p:cNvSpPr txBox="1"/>
+          <p:nvPr/>
+        </p:nvSpPr>
+        <p:spPr>
+          <a:xfrm>
+            <a:off x="1331640" y="3573016"/>
+            <a:ext cx="1296144" cy="584775"/>
+          </a:xfrm>
+          <a:prstGeom prst="rect">
+            <a:avLst/>
+          </a:prstGeom>
+          <a:noFill/>
+        </p:spPr>
+        <p:txBody>
+          <a:bodyPr wrap="square" rtlCol="0">
+            <a:spAutoFit/>
+          </a:bodyPr>
+          <a:lstStyle/>
+          <a:p>
+            <a:r>
+              <a:rPr lang="zh-CN" altLang="en-US" sz="3200" dirty="0" smtClean="0"/>
+              <a:t>交通</a:t>
+            </a:r>
+            <a:endParaRPr lang="zh-CN" altLang="en-US" sz="3200" dirty="0"/>
+          </a:p>
+        </p:txBody>
+      </p:sp>
+      <p:sp>
+        <p:nvSpPr>
+          <p:cNvPr id="21" name="TextBox 20"/>
+          <p:cNvSpPr txBox="1"/>
+          <p:nvPr/>
+        </p:nvSpPr>
+        <p:spPr>
+          <a:xfrm>
+            <a:off x="3059832" y="5517232"/>
+            <a:ext cx="1296144" cy="1077218"/>
+          </a:xfrm>
+          <a:prstGeom prst="rect">
+            <a:avLst/>
+          </a:prstGeom>
+          <a:noFill/>
+        </p:spPr>
+        <p:txBody>
+          <a:bodyPr wrap="square" rtlCol="0">
+            <a:spAutoFit/>
+          </a:bodyPr>
+          <a:lstStyle/>
+          <a:p>
+            <a:r>
+              <a:rPr lang="zh-CN" altLang="en-US" sz="3200" dirty="0" smtClean="0"/>
+              <a:t>单位正门</a:t>
+            </a:r>
+            <a:endParaRPr lang="zh-CN" altLang="en-US" sz="3200" dirty="0"/>
+          </a:p>
+        </p:txBody>
+      </p:sp>
+      <p:sp>
+        <p:nvSpPr>
+          <p:cNvPr id="22" name="TextBox 21"/>
+          <p:cNvSpPr txBox="1"/>
+          <p:nvPr/>
+        </p:nvSpPr>
+        <p:spPr>
+          <a:xfrm>
+            <a:off x="7847856" y="2564904"/>
+            <a:ext cx="1296144" cy="584775"/>
+          </a:xfrm>
+          <a:prstGeom prst="rect">
+            <a:avLst/>
+          </a:prstGeom>
+          <a:noFill/>
+        </p:spPr>
+        <p:txBody>
+          <a:bodyPr wrap="square" rtlCol="0">
+            <a:spAutoFit/>
+          </a:bodyPr>
+          <a:lstStyle/>
+          <a:p>
+            <a:r>
+              <a:rPr lang="zh-CN" altLang="en-US" sz="3200" dirty="0" smtClean="0"/>
+              <a:t>室内</a:t>
+            </a:r>
+            <a:endParaRPr lang="zh-CN" altLang="en-US" sz="3200" dirty="0"/>
+          </a:p>
+        </p:txBody>
+      </p:sp>
+      <p:sp>
+        <p:nvSpPr>
+          <p:cNvPr id="23" name="TextBox 22"/>
+          <p:cNvSpPr txBox="1"/>
+          <p:nvPr/>
+        </p:nvSpPr>
+        <p:spPr>
+          <a:xfrm>
+            <a:off x="7847856" y="5589240"/>
+            <a:ext cx="1296144" cy="584775"/>
+          </a:xfrm>
+          <a:prstGeom prst="rect">
+            <a:avLst/>
+          </a:prstGeom>
+          <a:noFill/>
+        </p:spPr>
+        <p:txBody>
+          <a:bodyPr wrap="square" rtlCol="0">
+            <a:spAutoFit/>
+          </a:bodyPr>
+          <a:lstStyle/>
+          <a:p>
+            <a:r>
+              <a:rPr lang="zh-CN" altLang="en-US" sz="3200" dirty="0" smtClean="0"/>
+              <a:t>街道</a:t>
+            </a:r>
+            <a:endParaRPr lang="zh-CN" altLang="en-US" sz="3200" dirty="0"/>
           </a:p>
         </p:txBody>
       </p:sp>
@@ -10038,7 +10618,7 @@
           <a:p>
             <a:r>
               <a:rPr lang="zh-CN" altLang="en-US" dirty="0" smtClean="0"/>
-              <a:t>基本原理</a:t>
+              <a:t>课题背景和意义</a:t>
             </a:r>
             <a:endParaRPr lang="zh-CN" altLang="en-US" dirty="0"/>
           </a:p>
@@ -10046,47 +10626,75 @@
       </p:sp>
       <p:sp>
         <p:nvSpPr>
-          <p:cNvPr id="3" name="内容占位符 2"/>
-          <p:cNvSpPr>
+          <p:cNvPr id="4" name="内容占位符 2"/>
+          <p:cNvSpPr txBox="1">
             <a:spLocks noGrp="1"/>
           </p:cNvSpPr>
           <p:nvPr>
             <p:ph idx="1"/>
           </p:nvPr>
         </p:nvSpPr>
-        <p:spPr/>
+        <p:spPr>
+          <a:prstGeom prst="rect">
+            <a:avLst/>
+          </a:prstGeom>
+        </p:spPr>
         <p:txBody>
-          <a:bodyPr>
+          <a:bodyPr vert="horz">
             <a:normAutofit/>
           </a:bodyPr>
           <a:lstStyle/>
           <a:p>
-            <a:r>
-              <a:rPr lang="zh-CN" altLang="en-US" sz="2800" dirty="0" smtClean="0"/>
-              <a:t>先对整个监控视频进行分析，用帧间差分法将视频中的运动事件作为视频摘要检测出来，记录每一个视频摘要的详细信息并提取，然后再将提取出来的视频摘要集中在同一个很短的视频中播放。</a:t>
-            </a:r>
-            <a:endParaRPr lang="en-US" altLang="zh-CN" sz="2800" dirty="0" smtClean="0"/>
-          </a:p>
-          <a:p>
-            <a:endParaRPr lang="en-US" altLang="zh-CN" sz="2800" dirty="0" smtClean="0"/>
-          </a:p>
-          <a:p>
-            <a:r>
-              <a:rPr lang="zh-CN" altLang="en-US" sz="2800" dirty="0" smtClean="0"/>
-              <a:t>系统支持所有</a:t>
-            </a:r>
-            <a:r>
-              <a:rPr lang="en-US" altLang="zh-CN" sz="2800" dirty="0" err="1" smtClean="0"/>
-              <a:t>avi</a:t>
-            </a:r>
-            <a:r>
-              <a:rPr lang="zh-CN" altLang="en-US" sz="2800" dirty="0" smtClean="0"/>
-              <a:t>格式的视频，并对每一个摘要事件进行编号，用户可以有选择查看指定的事件或者查看所有事件。</a:t>
-            </a:r>
-            <a:endParaRPr lang="en-US" altLang="zh-CN" sz="2800" dirty="0" smtClean="0"/>
-          </a:p>
-          <a:p>
-            <a:endParaRPr lang="en-US" altLang="zh-CN" sz="2800" dirty="0" smtClean="0"/>
+            <a:pPr marL="274320" marR="0" lvl="0" indent="-274320" algn="l" defTabSz="914400" rtl="0" eaLnBrk="1" fontAlgn="auto" latinLnBrk="0" hangingPunct="1">
+              <a:lnSpc>
+                <a:spcPct val="100000"/>
+              </a:lnSpc>
+              <a:spcBef>
+                <a:spcPct val="20000"/>
+              </a:spcBef>
+              <a:spcAft>
+                <a:spcPts val="0"/>
+              </a:spcAft>
+              <a:buClr>
+                <a:schemeClr val="accent3"/>
+              </a:buClr>
+              <a:buSzPct val="95000"/>
+              <a:buFont typeface="Wingdings 2"/>
+              <a:buChar char=""/>
+              <a:tabLst/>
+              <a:defRPr/>
+            </a:pPr>
+            <a:r>
+              <a:rPr kumimoji="0" lang="zh-CN" altLang="en-US" sz="2800" b="0" i="0" u="none" strike="noStrike" kern="1200" cap="none" spc="0" normalizeH="0" baseline="0" noProof="0" dirty="0" smtClean="0">
+                <a:ln>
+                  <a:noFill/>
+                </a:ln>
+                <a:solidFill>
+                  <a:schemeClr val="tx1"/>
+                </a:solidFill>
+                <a:effectLst/>
+                <a:uLnTx/>
+                <a:uFillTx/>
+                <a:latin typeface="+mn-lt"/>
+                <a:ea typeface="+mn-ea"/>
+                <a:cs typeface="+mn-cs"/>
+              </a:rPr>
+              <a:t>针对上面提到的问题，提出了一种提取视频摘要的方法，把整个视频的所有摘要事件都提取出来并放到一个很短的视频中同时播放，大大减少了浏览视频的时间，在安防监控领域中有着广阔的应用前景。</a:t>
+            </a:r>
+            <a:endParaRPr kumimoji="0" lang="zh-CN" altLang="en-US" sz="2800" b="0" i="0" u="none" strike="noStrike" kern="1200" cap="none" spc="0" normalizeH="0" baseline="0" noProof="0" dirty="0">
+              <a:ln>
+                <a:noFill/>
+              </a:ln>
+              <a:solidFill>
+                <a:schemeClr val="tx1"/>
+              </a:solidFill>
+              <a:effectLst/>
+              <a:uLnTx/>
+              <a:uFillTx/>
+              <a:latin typeface="+mn-lt"/>
+              <a:ea typeface="+mn-ea"/>
+              <a:cs typeface="+mn-cs"/>
+            </a:endParaRPr>
           </a:p>
         </p:txBody>
       </p:sp>
@@ -10132,45 +10740,25 @@
             <p:ph type="title"/>
           </p:nvPr>
         </p:nvSpPr>
-        <p:spPr/>
+        <p:spPr>
+          <a:xfrm>
+            <a:off x="642910" y="2066544"/>
+            <a:ext cx="7772400" cy="1362456"/>
+          </a:xfrm>
+        </p:spPr>
         <p:txBody>
           <a:bodyPr/>
           <a:lstStyle/>
           <a:p>
+            <a:pPr algn="ctr"/>
             <a:r>
               <a:rPr lang="zh-CN" altLang="en-US" dirty="0" smtClean="0"/>
-              <a:t>系统处理流程图</a:t>
+              <a:t>系统设计与实现</a:t>
             </a:r>
             <a:endParaRPr lang="zh-CN" altLang="en-US" dirty="0"/>
           </a:p>
         </p:txBody>
       </p:sp>
-      <p:pic>
-        <p:nvPicPr>
-          <p:cNvPr id="4" name="内容占位符 3" descr="未命名.jpg"/>
-          <p:cNvPicPr>
-            <a:picLocks noGrp="1"/>
-          </p:cNvPicPr>
-          <p:nvPr>
-            <p:ph idx="1"/>
-          </p:nvPr>
-        </p:nvPicPr>
-        <p:blipFill>
-          <a:blip r:embed="rId2" cstate="print"/>
-          <a:stretch>
-            <a:fillRect/>
-          </a:stretch>
-        </p:blipFill>
-        <p:spPr>
-          <a:xfrm>
-            <a:off x="2285984" y="1928802"/>
-            <a:ext cx="3931765" cy="4565671"/>
-          </a:xfrm>
-          <a:prstGeom prst="rect">
-            <a:avLst/>
-          </a:prstGeom>
-        </p:spPr>
-      </p:pic>
     </p:spTree>
   </p:cSld>
   <p:clrMapOvr>
@@ -10220,7 +10808,7 @@
           <a:p>
             <a:r>
               <a:rPr lang="zh-CN" altLang="en-US" dirty="0" smtClean="0"/>
-              <a:t>运行最低配置</a:t>
+              <a:t>基本原理</a:t>
             </a:r>
             <a:endParaRPr lang="zh-CN" altLang="en-US" dirty="0"/>
           </a:p>
@@ -10238,158 +10826,55 @@
         </p:nvSpPr>
         <p:spPr/>
         <p:txBody>
-          <a:bodyPr/>
+          <a:bodyPr>
+            <a:normAutofit/>
+          </a:bodyPr>
           <a:lstStyle/>
           <a:p>
             <a:r>
-              <a:rPr lang="zh-CN" altLang="en-US" sz="2800" dirty="0" smtClean="0">
-                <a:latin typeface="+mn-ea"/>
-              </a:rPr>
-              <a:t>操作系统：</a:t>
-            </a:r>
-            <a:r>
-              <a:rPr lang="en-US" altLang="zh-CN" sz="2800" dirty="0" smtClean="0">
-                <a:latin typeface="+mn-ea"/>
-              </a:rPr>
-              <a:t>Windows 7/Windows </a:t>
-            </a:r>
-            <a:r>
-              <a:rPr lang="en-US" altLang="zh-CN" sz="2800" dirty="0" err="1" smtClean="0">
-                <a:latin typeface="+mn-ea"/>
-              </a:rPr>
-              <a:t>xp</a:t>
-            </a:r>
-            <a:endParaRPr lang="en-US" sz="2800" dirty="0" smtClean="0">
-              <a:latin typeface="+mn-ea"/>
-            </a:endParaRPr>
-          </a:p>
-          <a:p>
-            <a:r>
-              <a:rPr lang="en-US" sz="2800" dirty="0" smtClean="0">
-                <a:latin typeface="+mn-ea"/>
-              </a:rPr>
-              <a:t>CPU</a:t>
-            </a:r>
-            <a:r>
-              <a:rPr lang="zh-CN" altLang="en-US" sz="2800" dirty="0" smtClean="0">
-                <a:latin typeface="+mn-ea"/>
-              </a:rPr>
-              <a:t>：</a:t>
-            </a:r>
-            <a:r>
-              <a:rPr lang="en-US" sz="2800" dirty="0" smtClean="0">
-                <a:latin typeface="+mn-ea"/>
-              </a:rPr>
-              <a:t>AMD</a:t>
-            </a:r>
-            <a:r>
-              <a:rPr lang="zh-CN" altLang="en-US" sz="2800" dirty="0" smtClean="0">
-                <a:latin typeface="+mn-ea"/>
-              </a:rPr>
-              <a:t>双核，</a:t>
-            </a:r>
-            <a:r>
-              <a:rPr lang="en-US" sz="2800" dirty="0" smtClean="0">
-                <a:latin typeface="+mn-ea"/>
-              </a:rPr>
-              <a:t>2.30GHz</a:t>
-            </a:r>
-            <a:endParaRPr lang="zh-CN" altLang="en-US" sz="2800" dirty="0" smtClean="0">
-              <a:latin typeface="+mn-ea"/>
-            </a:endParaRPr>
-          </a:p>
-          <a:p>
-            <a:r>
-              <a:rPr lang="zh-CN" altLang="en-US" sz="2800" dirty="0" smtClean="0">
-                <a:latin typeface="+mn-ea"/>
-              </a:rPr>
-              <a:t>内存：</a:t>
-            </a:r>
-            <a:r>
-              <a:rPr lang="en-US" sz="2800" dirty="0" smtClean="0">
-                <a:latin typeface="+mn-ea"/>
-              </a:rPr>
-              <a:t>DDR2</a:t>
-            </a:r>
-            <a:r>
-              <a:rPr lang="zh-CN" altLang="en-US" sz="2800" dirty="0" smtClean="0">
-                <a:latin typeface="+mn-ea"/>
-              </a:rPr>
-              <a:t>代，</a:t>
-            </a:r>
-            <a:r>
-              <a:rPr lang="en-US" sz="2800" dirty="0" smtClean="0">
-                <a:latin typeface="+mn-ea"/>
-              </a:rPr>
-              <a:t>3.25GB</a:t>
-            </a:r>
-            <a:endParaRPr lang="zh-CN" altLang="en-US" sz="2800" dirty="0" smtClean="0">
-              <a:latin typeface="+mn-ea"/>
-            </a:endParaRPr>
-          </a:p>
-          <a:p>
-            <a:r>
-              <a:rPr lang="zh-CN" altLang="en-US" sz="2800" dirty="0" smtClean="0">
-                <a:latin typeface="+mn-ea"/>
-              </a:rPr>
-              <a:t>显卡：</a:t>
-            </a:r>
-            <a:r>
-              <a:rPr lang="en-US" sz="2800" dirty="0" smtClean="0">
-                <a:latin typeface="+mn-ea"/>
-              </a:rPr>
-              <a:t>Intel</a:t>
-            </a:r>
-            <a:r>
-              <a:rPr lang="zh-CN" altLang="en-US" sz="2800" dirty="0" smtClean="0">
-                <a:latin typeface="+mn-ea"/>
-              </a:rPr>
-              <a:t>（</a:t>
-            </a:r>
-            <a:r>
-              <a:rPr lang="en-US" sz="2800" dirty="0" smtClean="0">
-                <a:latin typeface="+mn-ea"/>
-              </a:rPr>
-              <a:t>R</a:t>
-            </a:r>
-            <a:r>
-              <a:rPr lang="zh-CN" altLang="en-US" sz="2800" dirty="0" smtClean="0">
-                <a:latin typeface="+mn-ea"/>
-              </a:rPr>
-              <a:t>）</a:t>
-            </a:r>
-            <a:r>
-              <a:rPr lang="en-US" sz="2800" dirty="0" smtClean="0">
-                <a:latin typeface="+mn-ea"/>
-              </a:rPr>
-              <a:t> G45/43 Express Chipset</a:t>
-            </a:r>
-            <a:endParaRPr lang="zh-CN" altLang="en-US" sz="2800" dirty="0" smtClean="0">
-              <a:latin typeface="+mn-ea"/>
-            </a:endParaRPr>
-          </a:p>
-          <a:p>
-            <a:r>
-              <a:rPr lang="zh-CN" altLang="en-US" sz="2800" dirty="0" smtClean="0">
-                <a:latin typeface="+mn-ea"/>
-              </a:rPr>
-              <a:t>硬盘空间：</a:t>
-            </a:r>
-            <a:r>
-              <a:rPr lang="en-US" sz="2800" dirty="0" smtClean="0">
-                <a:latin typeface="+mn-ea"/>
-              </a:rPr>
-              <a:t>10G</a:t>
-            </a:r>
-            <a:r>
-              <a:rPr lang="zh-CN" altLang="en-US" sz="2800" dirty="0" smtClean="0">
-                <a:latin typeface="+mn-ea"/>
-              </a:rPr>
-              <a:t>以上的硬盘空间，用以存放视频结果</a:t>
-            </a:r>
-          </a:p>
-          <a:p>
-            <a:endParaRPr lang="zh-CN" altLang="en-US" dirty="0"/>
+              <a:rPr lang="zh-CN" altLang="en-US" sz="2800" dirty="0" smtClean="0"/>
+              <a:t>视频摘要分析；</a:t>
+            </a:r>
+            <a:endParaRPr lang="en-US" altLang="zh-CN" sz="2800" dirty="0" smtClean="0"/>
+          </a:p>
+          <a:p>
+            <a:r>
+              <a:rPr lang="zh-CN" altLang="en-US" sz="2800" dirty="0" smtClean="0"/>
+              <a:t>视频摘要提取；</a:t>
+            </a:r>
+            <a:endParaRPr lang="en-US" altLang="zh-CN" sz="2800" dirty="0" smtClean="0"/>
+          </a:p>
+          <a:p>
+            <a:r>
+              <a:rPr lang="zh-CN" altLang="en-US" sz="2800" dirty="0" smtClean="0"/>
+              <a:t>所有视频摘要合并到同一个视频中；</a:t>
+            </a:r>
+            <a:endParaRPr lang="en-US" altLang="zh-CN" sz="2800" dirty="0" smtClean="0"/>
+          </a:p>
+          <a:p>
+            <a:endParaRPr lang="en-US" altLang="zh-CN" sz="2800" dirty="0" smtClean="0"/>
+          </a:p>
+          <a:p>
+            <a:r>
+              <a:rPr lang="zh-CN" altLang="en-US" sz="2800" dirty="0" smtClean="0"/>
+              <a:t>备注：系统支持</a:t>
+            </a:r>
+            <a:r>
+              <a:rPr lang="zh-CN" altLang="en-US" sz="2800" dirty="0" smtClean="0"/>
+              <a:t>所有</a:t>
+            </a:r>
+            <a:r>
+              <a:rPr lang="en-US" altLang="zh-CN" sz="2800" dirty="0" err="1" smtClean="0"/>
+              <a:t>avi</a:t>
+            </a:r>
+            <a:r>
+              <a:rPr lang="zh-CN" altLang="en-US" sz="2800" dirty="0" smtClean="0"/>
+              <a:t>格式的视频，并对每一个摘要事件进行编号，用户可以有选择查看指定的事件或者查看所有事件。</a:t>
+            </a:r>
+            <a:endParaRPr lang="en-US" altLang="zh-CN" sz="2800" dirty="0" smtClean="0"/>
+          </a:p>
+          <a:p>
+            <a:endParaRPr lang="en-US" altLang="zh-CN" sz="2800" dirty="0" smtClean="0"/>
           </a:p>
         </p:txBody>
       </p:sp>
@@ -10442,97 +10927,38 @@
           <a:p>
             <a:r>
               <a:rPr lang="zh-CN" altLang="en-US" dirty="0" smtClean="0"/>
-              <a:t>系统指标</a:t>
+              <a:t>系统处理流程图</a:t>
             </a:r>
             <a:endParaRPr lang="zh-CN" altLang="en-US" dirty="0"/>
           </a:p>
         </p:txBody>
       </p:sp>
-      <p:sp>
-        <p:nvSpPr>
-          <p:cNvPr id="3" name="内容占位符 2"/>
-          <p:cNvSpPr>
-            <a:spLocks noGrp="1"/>
-          </p:cNvSpPr>
+      <p:pic>
+        <p:nvPicPr>
+          <p:cNvPr id="4" name="内容占位符 3" descr="未命名.jpg"/>
+          <p:cNvPicPr>
+            <a:picLocks noGrp="1"/>
+          </p:cNvPicPr>
           <p:nvPr>
             <p:ph idx="1"/>
           </p:nvPr>
-        </p:nvSpPr>
-        <p:spPr/>
-        <p:txBody>
-          <a:bodyPr/>
-          <a:lstStyle/>
-          <a:p>
-            <a:r>
-              <a:rPr lang="zh-CN" altLang="en-US" dirty="0" smtClean="0"/>
-              <a:t>支持的视频格式</a:t>
-            </a:r>
-            <a:endParaRPr lang="en-US" altLang="zh-CN" dirty="0" smtClean="0"/>
-          </a:p>
-          <a:p>
-            <a:pPr>
-              <a:buNone/>
-            </a:pPr>
-            <a:r>
-              <a:rPr lang="zh-CN" altLang="en-US" dirty="0" smtClean="0"/>
-              <a:t>           本软件系统支持</a:t>
-            </a:r>
-            <a:r>
-              <a:rPr lang="en-US" altLang="zh-CN" dirty="0" err="1" smtClean="0"/>
-              <a:t>avi</a:t>
-            </a:r>
-            <a:r>
-              <a:rPr lang="zh-CN" altLang="en-US" dirty="0" smtClean="0"/>
-              <a:t>格式的视频，其他格式视频需要转换。</a:t>
-            </a:r>
-            <a:endParaRPr lang="en-US" altLang="zh-CN" dirty="0" smtClean="0"/>
-          </a:p>
-          <a:p>
-            <a:r>
-              <a:rPr lang="zh-CN" altLang="en-US" dirty="0" smtClean="0"/>
-              <a:t>视频拍摄要求</a:t>
-            </a:r>
-            <a:endParaRPr lang="en-US" altLang="zh-CN" dirty="0" smtClean="0"/>
-          </a:p>
-          <a:p>
-            <a:pPr>
-              <a:buNone/>
-            </a:pPr>
-            <a:r>
-              <a:rPr lang="zh-CN" altLang="en-US" dirty="0" smtClean="0"/>
-              <a:t>           支持固定摄像头下拍摄的视频，镜头不能有抖动，抖动会对视频摘要提取的数据准确率有影响。</a:t>
-            </a:r>
-            <a:endParaRPr lang="en-US" altLang="zh-CN" dirty="0" smtClean="0"/>
-          </a:p>
-          <a:p>
-            <a:r>
-              <a:rPr lang="zh-CN" altLang="en-US" dirty="0" smtClean="0"/>
-              <a:t>视频处理时间</a:t>
-            </a:r>
-            <a:endParaRPr lang="en-US" altLang="zh-CN" dirty="0" smtClean="0"/>
-          </a:p>
-          <a:p>
-            <a:pPr>
-              <a:buNone/>
-            </a:pPr>
-            <a:r>
-              <a:rPr lang="en-US" altLang="zh-CN" dirty="0" smtClean="0"/>
-              <a:t>           </a:t>
-            </a:r>
-            <a:r>
-              <a:rPr lang="zh-CN" altLang="en-US" dirty="0" smtClean="0"/>
-              <a:t>视频处理时间跟视频分辨率，长度，摘要事件数有关，但是最慢的处理时间小于视频长度的五分之一。</a:t>
-            </a:r>
-            <a:endParaRPr lang="en-US" altLang="zh-CN" dirty="0" smtClean="0"/>
-          </a:p>
-          <a:p>
-            <a:pPr>
-              <a:buNone/>
-            </a:pPr>
-            <a:endParaRPr lang="zh-CN" altLang="en-US" dirty="0"/>
-          </a:p>
-        </p:txBody>
-      </p:sp>
+        </p:nvPicPr>
+        <p:blipFill>
+          <a:blip r:embed="rId2" cstate="print"/>
+          <a:stretch>
+            <a:fillRect/>
+          </a:stretch>
+        </p:blipFill>
+        <p:spPr>
+          <a:xfrm>
+            <a:off x="2285984" y="1928802"/>
+            <a:ext cx="3931765" cy="4565671"/>
+          </a:xfrm>
+          <a:prstGeom prst="rect">
+            <a:avLst/>
+          </a:prstGeom>
+        </p:spPr>
+      </p:pic>
     </p:spTree>
   </p:cSld>
   <p:clrMapOvr>
@@ -10575,21 +11001,182 @@
             <p:ph type="title"/>
           </p:nvPr>
         </p:nvSpPr>
-        <p:spPr>
-          <a:xfrm>
-            <a:off x="571472" y="2214554"/>
-            <a:ext cx="7772400" cy="1362456"/>
-          </a:xfrm>
-        </p:spPr>
+        <p:spPr/>
         <p:txBody>
           <a:bodyPr/>
           <a:lstStyle/>
           <a:p>
-            <a:pPr algn="ctr"/>
             <a:r>
               <a:rPr lang="zh-CN" altLang="en-US" dirty="0" smtClean="0"/>
-              <a:t>技术与理论创新点</a:t>
-            </a:r>
+              <a:t>运行最低配置</a:t>
+            </a:r>
+            <a:endParaRPr lang="zh-CN" altLang="en-US" dirty="0"/>
+          </a:p>
+        </p:txBody>
+      </p:sp>
+      <p:sp>
+        <p:nvSpPr>
+          <p:cNvPr id="3" name="内容占位符 2"/>
+          <p:cNvSpPr>
+            <a:spLocks noGrp="1"/>
+          </p:cNvSpPr>
+          <p:nvPr>
+            <p:ph idx="1"/>
+          </p:nvPr>
+        </p:nvSpPr>
+        <p:spPr/>
+        <p:txBody>
+          <a:bodyPr/>
+          <a:lstStyle/>
+          <a:p>
+            <a:r>
+              <a:rPr lang="zh-CN" altLang="en-US" sz="2800" dirty="0" smtClean="0">
+                <a:latin typeface="+mn-ea"/>
+              </a:rPr>
+              <a:t>操作系统：</a:t>
+            </a:r>
+            <a:r>
+              <a:rPr lang="en-US" altLang="zh-CN" sz="2800" dirty="0" smtClean="0">
+                <a:latin typeface="+mn-ea"/>
+              </a:rPr>
+              <a:t>Windows 7/Windows </a:t>
+            </a:r>
+            <a:r>
+              <a:rPr lang="en-US" altLang="zh-CN" sz="2800" dirty="0" err="1" smtClean="0">
+                <a:latin typeface="+mn-ea"/>
+              </a:rPr>
+              <a:t>xp</a:t>
+            </a:r>
+            <a:endParaRPr lang="en-US" sz="2800" dirty="0" smtClean="0">
+              <a:latin typeface="+mn-ea"/>
+            </a:endParaRPr>
+          </a:p>
+          <a:p>
+            <a:r>
+              <a:rPr lang="en-US" sz="2800" dirty="0" smtClean="0">
+                <a:latin typeface="+mn-ea"/>
+              </a:rPr>
+              <a:t>CPU</a:t>
+            </a:r>
+            <a:r>
+              <a:rPr lang="zh-CN" altLang="en-US" sz="2800" dirty="0" smtClean="0">
+                <a:latin typeface="+mn-ea"/>
+              </a:rPr>
+              <a:t>：</a:t>
+            </a:r>
+            <a:r>
+              <a:rPr lang="en-US" sz="2800" dirty="0" smtClean="0">
+                <a:latin typeface="+mn-ea"/>
+              </a:rPr>
+              <a:t>AMD</a:t>
+            </a:r>
+            <a:r>
+              <a:rPr lang="zh-CN" altLang="en-US" sz="2800" dirty="0" smtClean="0">
+                <a:latin typeface="+mn-ea"/>
+              </a:rPr>
+              <a:t>双核，</a:t>
+            </a:r>
+            <a:r>
+              <a:rPr lang="en-US" sz="2800" dirty="0" smtClean="0">
+                <a:latin typeface="+mn-ea"/>
+              </a:rPr>
+              <a:t>2.30GHz</a:t>
+            </a:r>
+            <a:endParaRPr lang="zh-CN" altLang="en-US" sz="2800" dirty="0" smtClean="0">
+              <a:latin typeface="+mn-ea"/>
+            </a:endParaRPr>
+          </a:p>
+          <a:p>
+            <a:r>
+              <a:rPr lang="zh-CN" altLang="en-US" sz="2800" dirty="0" smtClean="0">
+                <a:latin typeface="+mn-ea"/>
+              </a:rPr>
+              <a:t>内存：</a:t>
+            </a:r>
+            <a:r>
+              <a:rPr lang="en-US" sz="2800" dirty="0" smtClean="0">
+                <a:latin typeface="+mn-ea"/>
+              </a:rPr>
+              <a:t>DDR2</a:t>
+            </a:r>
+            <a:r>
+              <a:rPr lang="zh-CN" altLang="en-US" sz="2800" dirty="0" smtClean="0">
+                <a:latin typeface="+mn-ea"/>
+              </a:rPr>
+              <a:t>代，</a:t>
+            </a:r>
+            <a:r>
+              <a:rPr lang="en-US" sz="2800" dirty="0" smtClean="0">
+                <a:latin typeface="+mn-ea"/>
+              </a:rPr>
+              <a:t>3.25GB</a:t>
+            </a:r>
+            <a:endParaRPr lang="zh-CN" altLang="en-US" sz="2800" dirty="0" smtClean="0">
+              <a:latin typeface="+mn-ea"/>
+            </a:endParaRPr>
+          </a:p>
+          <a:p>
+            <a:r>
+              <a:rPr lang="zh-CN" altLang="en-US" sz="2800" dirty="0" smtClean="0">
+                <a:latin typeface="+mn-ea"/>
+              </a:rPr>
+              <a:t>显卡：</a:t>
+            </a:r>
+            <a:r>
+              <a:rPr lang="en-US" sz="2800" dirty="0" smtClean="0">
+                <a:latin typeface="+mn-ea"/>
+              </a:rPr>
+              <a:t>Intel</a:t>
+            </a:r>
+            <a:r>
+              <a:rPr lang="zh-CN" altLang="en-US" sz="2800" dirty="0" smtClean="0">
+                <a:latin typeface="+mn-ea"/>
+              </a:rPr>
+              <a:t>（</a:t>
+            </a:r>
+            <a:r>
+              <a:rPr lang="en-US" sz="2800" dirty="0" smtClean="0">
+                <a:latin typeface="+mn-ea"/>
+              </a:rPr>
+              <a:t>R</a:t>
+            </a:r>
+            <a:r>
+              <a:rPr lang="zh-CN" altLang="en-US" sz="2800" dirty="0" smtClean="0">
+                <a:latin typeface="+mn-ea"/>
+              </a:rPr>
+              <a:t>）</a:t>
+            </a:r>
+            <a:r>
+              <a:rPr lang="en-US" sz="2800" dirty="0" smtClean="0">
+                <a:latin typeface="+mn-ea"/>
+              </a:rPr>
+              <a:t> G45/43 Express Chipset</a:t>
+            </a:r>
+            <a:endParaRPr lang="zh-CN" altLang="en-US" sz="2800" dirty="0" smtClean="0">
+              <a:latin typeface="+mn-ea"/>
+            </a:endParaRPr>
+          </a:p>
+          <a:p>
+            <a:r>
+              <a:rPr lang="zh-CN" altLang="en-US" sz="2800" dirty="0" smtClean="0">
+                <a:latin typeface="+mn-ea"/>
+              </a:rPr>
+              <a:t>硬盘空间：</a:t>
+            </a:r>
+            <a:r>
+              <a:rPr lang="en-US" sz="2800" dirty="0" smtClean="0">
+                <a:latin typeface="+mn-ea"/>
+              </a:rPr>
+              <a:t>10G</a:t>
+            </a:r>
+            <a:r>
+              <a:rPr lang="zh-CN" altLang="en-US" sz="2800" dirty="0" smtClean="0">
+                <a:latin typeface="+mn-ea"/>
+              </a:rPr>
+              <a:t>以上的硬盘空间，用以存放视频结果</a:t>
+            </a:r>
+          </a:p>
+          <a:p>
             <a:endParaRPr lang="zh-CN" altLang="en-US" dirty="0"/>
           </a:p>
         </p:txBody>
@@ -10643,7 +11230,7 @@
           <a:p>
             <a:r>
               <a:rPr lang="zh-CN" altLang="en-US" dirty="0" smtClean="0"/>
-              <a:t>技术与理论创新点</a:t>
+              <a:t>系统指标</a:t>
             </a:r>
             <a:endParaRPr lang="zh-CN" altLang="en-US" dirty="0"/>
           </a:p>
@@ -10661,16 +11248,76 @@
         </p:nvSpPr>
         <p:spPr/>
         <p:txBody>
-          <a:bodyPr>
-            <a:normAutofit/>
-          </a:bodyPr>
+          <a:bodyPr/>
           <a:lstStyle/>
           <a:p>
             <a:r>
-              <a:rPr lang="zh-CN" altLang="en-US" sz="2800" dirty="0" smtClean="0"/>
-              <a:t>目前大部分已在使用的监控视频软件都是根据视频中事物某些确定性的特征进行处理，比如说查找带着红色帽子的人物或者是搜索某黑色的车辆，这些事物都具有形状，颜色或者其他固定的特征。而当你并不知道事物的特征时，就只有整个视频浏览一遍，智能视频摘要软件就能很好解决这一点，通过提取视频中所有摘要事件，让用户快速浏览以找到自己想要的目标。</a:t>
-            </a:r>
-            <a:endParaRPr lang="zh-CN" altLang="en-US" sz="2800" dirty="0"/>
+              <a:rPr lang="zh-CN" altLang="en-US" dirty="0" smtClean="0"/>
+              <a:t>支持的视频格式</a:t>
+            </a:r>
+            <a:endParaRPr lang="en-US" altLang="zh-CN" dirty="0" smtClean="0"/>
+          </a:p>
+          <a:p>
+            <a:pPr>
+              <a:buNone/>
+            </a:pPr>
+            <a:r>
+              <a:rPr lang="zh-CN" altLang="en-US" dirty="0" smtClean="0"/>
+              <a:t>           本软件系统支持</a:t>
+            </a:r>
+            <a:r>
+              <a:rPr lang="en-US" altLang="zh-CN" dirty="0" err="1" smtClean="0"/>
+              <a:t>avi</a:t>
+            </a:r>
+            <a:r>
+              <a:rPr lang="zh-CN" altLang="en-US" dirty="0" smtClean="0"/>
+              <a:t>格式的视频，其他格式视频需要转换。</a:t>
+            </a:r>
+            <a:endParaRPr lang="en-US" altLang="zh-CN" dirty="0" smtClean="0"/>
+          </a:p>
+          <a:p>
+            <a:r>
+              <a:rPr lang="zh-CN" altLang="en-US" dirty="0" smtClean="0"/>
+              <a:t>视频拍摄要求</a:t>
+            </a:r>
+            <a:endParaRPr lang="en-US" altLang="zh-CN" dirty="0" smtClean="0"/>
+          </a:p>
+          <a:p>
+            <a:pPr>
+              <a:buNone/>
+            </a:pPr>
+            <a:r>
+              <a:rPr lang="zh-CN" altLang="en-US" dirty="0" smtClean="0"/>
+              <a:t>           支持固定摄像头下拍摄的视频，镜头不能有抖动，抖动会对视频摘要提取的数据准确率有影响。</a:t>
+            </a:r>
+            <a:endParaRPr lang="en-US" altLang="zh-CN" dirty="0" smtClean="0"/>
+          </a:p>
+          <a:p>
+            <a:r>
+              <a:rPr lang="zh-CN" altLang="en-US" dirty="0" smtClean="0"/>
+              <a:t>视频处理时间</a:t>
+            </a:r>
+            <a:endParaRPr lang="en-US" altLang="zh-CN" dirty="0" smtClean="0"/>
+          </a:p>
+          <a:p>
+            <a:pPr>
+              <a:buNone/>
+            </a:pPr>
+            <a:r>
+              <a:rPr lang="en-US" altLang="zh-CN" dirty="0" smtClean="0"/>
+              <a:t>           </a:t>
+            </a:r>
+            <a:r>
+              <a:rPr lang="zh-CN" altLang="en-US" dirty="0" smtClean="0"/>
+              <a:t>视频处理时间跟视频分辨率，长度，摘要事件数有关，但是最慢的处理时间小于视频长度的五分之一。</a:t>
+            </a:r>
+            <a:endParaRPr lang="en-US" altLang="zh-CN" dirty="0" smtClean="0"/>
+          </a:p>
+          <a:p>
+            <a:pPr>
+              <a:buNone/>
+            </a:pPr>
+            <a:endParaRPr lang="zh-CN" altLang="en-US" dirty="0"/>
           </a:p>
         </p:txBody>
       </p:sp>
